--- a/Non-R/NTE Presentation, GLAE.pptx
+++ b/Non-R/NTE Presentation, GLAE.pptx
@@ -5,19 +5,22 @@
     <p:sldMasterId id="2147483650" r:id="rId4"/>
   </p:sldMasterIdLst>
   <p:notesMasterIdLst>
-    <p:notesMasterId r:id="rId15"/>
+    <p:notesMasterId r:id="rId18"/>
   </p:notesMasterIdLst>
   <p:sldIdLst>
     <p:sldId id="256" r:id="rId5"/>
-    <p:sldId id="257" r:id="rId6"/>
-    <p:sldId id="258" r:id="rId7"/>
-    <p:sldId id="259" r:id="rId8"/>
-    <p:sldId id="262" r:id="rId9"/>
-    <p:sldId id="260" r:id="rId10"/>
-    <p:sldId id="261" r:id="rId11"/>
-    <p:sldId id="265" r:id="rId12"/>
-    <p:sldId id="264" r:id="rId13"/>
-    <p:sldId id="263" r:id="rId14"/>
+    <p:sldId id="267" r:id="rId6"/>
+    <p:sldId id="257" r:id="rId7"/>
+    <p:sldId id="258" r:id="rId8"/>
+    <p:sldId id="268" r:id="rId9"/>
+    <p:sldId id="259" r:id="rId10"/>
+    <p:sldId id="262" r:id="rId11"/>
+    <p:sldId id="266" r:id="rId12"/>
+    <p:sldId id="260" r:id="rId13"/>
+    <p:sldId id="261" r:id="rId14"/>
+    <p:sldId id="265" r:id="rId15"/>
+    <p:sldId id="264" r:id="rId16"/>
+    <p:sldId id="263" r:id="rId17"/>
   </p:sldIdLst>
   <p:sldSz cx="12192000" cy="6858000"/>
   <p:notesSz cx="6858000" cy="9144000"/>
@@ -124,10 +127,22 @@
 </p:presentation>
 </file>
 
+<file path=ppt/commentAuthors.xml><?xml version="1.0" encoding="utf-8"?>
+<p:cmAuthorLst xmlns:a="http://schemas.openxmlformats.org/drawingml/2006/main" xmlns:r="http://schemas.openxmlformats.org/officeDocument/2006/relationships" xmlns:p="http://schemas.openxmlformats.org/presentationml/2006/main">
+  <p:cmAuthor id="1" name="Ammar Ljubijankic" initials="AL" lastIdx="1" clrIdx="0">
+    <p:extLst>
+      <p:ext uri="{19B8F6BF-5375-455C-9EA6-DF929625EA0E}">
+        <p15:presenceInfo xmlns:p15="http://schemas.microsoft.com/office/powerpoint/2012/main" userId="Ammar Ljubijankic" providerId="None"/>
+      </p:ext>
+    </p:extLst>
+  </p:cmAuthor>
+</p:cmAuthorLst>
+</file>
+
 <file path=ppt/revisionInfo.xml><?xml version="1.0" encoding="utf-8"?>
 <p1510:revInfo xmlns:a="http://schemas.openxmlformats.org/drawingml/2006/main" xmlns:r="http://schemas.openxmlformats.org/officeDocument/2006/relationships" xmlns:p1510="http://schemas.microsoft.com/office/powerpoint/2015/10/main">
   <p1510:revLst>
-    <p1510:client id="{540EEA64-C51A-4621-A832-21F1BC562D6D}" v="66" dt="2022-12-23T13:25:51.862"/>
+    <p1510:client id="{540EEA64-C51A-4621-A832-21F1BC562D6D}" v="3393" dt="2023-01-06T11:43:30.399"/>
   </p1510:revLst>
 </p1510:revInfo>
 </file>
@@ -137,7 +152,7 @@
   <pc:docChgLst>
     <pc:chgData name="Ammar Ljubijankic" userId="a00b5204-d72f-418c-8b5e-7555aa3641ec" providerId="ADAL" clId="{540EEA64-C51A-4621-A832-21F1BC562D6D}"/>
     <pc:docChg chg="undo custSel addSld modSld sldOrd">
-      <pc:chgData name="Ammar Ljubijankic" userId="a00b5204-d72f-418c-8b5e-7555aa3641ec" providerId="ADAL" clId="{540EEA64-C51A-4621-A832-21F1BC562D6D}" dt="2022-12-23T14:36:53.061" v="3914" actId="20577"/>
+      <pc:chgData name="Ammar Ljubijankic" userId="a00b5204-d72f-418c-8b5e-7555aa3641ec" providerId="ADAL" clId="{540EEA64-C51A-4621-A832-21F1BC562D6D}" dt="2023-01-06T14:41:47.017" v="9975" actId="20577"/>
       <pc:docMkLst>
         <pc:docMk/>
       </pc:docMkLst>
@@ -165,17 +180,25 @@
         </pc:spChg>
       </pc:sldChg>
       <pc:sldChg chg="addSp delSp modSp new mod modClrScheme chgLayout modNotesTx">
-        <pc:chgData name="Ammar Ljubijankic" userId="a00b5204-d72f-418c-8b5e-7555aa3641ec" providerId="ADAL" clId="{540EEA64-C51A-4621-A832-21F1BC562D6D}" dt="2022-12-23T14:15:00.553" v="3297" actId="20577"/>
+        <pc:chgData name="Ammar Ljubijankic" userId="a00b5204-d72f-418c-8b5e-7555aa3641ec" providerId="ADAL" clId="{540EEA64-C51A-4621-A832-21F1BC562D6D}" dt="2023-01-05T13:44:25.751" v="5160" actId="20577"/>
         <pc:sldMkLst>
           <pc:docMk/>
           <pc:sldMk cId="1081200937" sldId="257"/>
         </pc:sldMkLst>
         <pc:spChg chg="mod ord">
-          <ac:chgData name="Ammar Ljubijankic" userId="a00b5204-d72f-418c-8b5e-7555aa3641ec" providerId="ADAL" clId="{540EEA64-C51A-4621-A832-21F1BC562D6D}" dt="2022-12-22T13:04:54.471" v="150" actId="20577"/>
+          <ac:chgData name="Ammar Ljubijankic" userId="a00b5204-d72f-418c-8b5e-7555aa3641ec" providerId="ADAL" clId="{540EEA64-C51A-4621-A832-21F1BC562D6D}" dt="2023-01-05T13:44:25.751" v="5160" actId="20577"/>
           <ac:spMkLst>
             <pc:docMk/>
             <pc:sldMk cId="1081200937" sldId="257"/>
             <ac:spMk id="2" creationId="{6BDF6154-1E72-4BA0-9864-E0D0F80E21EC}"/>
+          </ac:spMkLst>
+        </pc:spChg>
+        <pc:spChg chg="add mod">
+          <ac:chgData name="Ammar Ljubijankic" userId="a00b5204-d72f-418c-8b5e-7555aa3641ec" providerId="ADAL" clId="{540EEA64-C51A-4621-A832-21F1BC562D6D}" dt="2023-01-04T16:00:51.522" v="4527" actId="207"/>
+          <ac:spMkLst>
+            <pc:docMk/>
+            <pc:sldMk cId="1081200937" sldId="257"/>
+            <ac:spMk id="3" creationId="{3B6FDA12-8914-4B47-ABE3-1A4FC12D3C1C}"/>
           </ac:spMkLst>
         </pc:spChg>
         <pc:spChg chg="del">
@@ -196,7 +219,7 @@
         </pc:graphicFrameChg>
       </pc:sldChg>
       <pc:sldChg chg="addSp delSp modSp new mod modNotesTx">
-        <pc:chgData name="Ammar Ljubijankic" userId="a00b5204-d72f-418c-8b5e-7555aa3641ec" providerId="ADAL" clId="{540EEA64-C51A-4621-A832-21F1BC562D6D}" dt="2022-12-22T13:22:27.229" v="1303" actId="20577"/>
+        <pc:chgData name="Ammar Ljubijankic" userId="a00b5204-d72f-418c-8b5e-7555aa3641ec" providerId="ADAL" clId="{540EEA64-C51A-4621-A832-21F1BC562D6D}" dt="2023-01-04T16:00:54.139" v="4528"/>
         <pc:sldMkLst>
           <pc:docMk/>
           <pc:sldMk cId="1939810192" sldId="258"/>
@@ -217,6 +240,14 @@
             <ac:spMk id="3" creationId="{A2980247-56F6-4D12-8497-1CA31FE124CA}"/>
           </ac:spMkLst>
         </pc:spChg>
+        <pc:spChg chg="add mod">
+          <ac:chgData name="Ammar Ljubijankic" userId="a00b5204-d72f-418c-8b5e-7555aa3641ec" providerId="ADAL" clId="{540EEA64-C51A-4621-A832-21F1BC562D6D}" dt="2023-01-04T16:00:54.139" v="4528"/>
+          <ac:spMkLst>
+            <pc:docMk/>
+            <pc:sldMk cId="1939810192" sldId="258"/>
+            <ac:spMk id="4" creationId="{B066D66D-D0F9-419F-99CF-A809CB1D1AEB}"/>
+          </ac:spMkLst>
+        </pc:spChg>
         <pc:graphicFrameChg chg="add mod">
           <ac:chgData name="Ammar Ljubijankic" userId="a00b5204-d72f-418c-8b5e-7555aa3641ec" providerId="ADAL" clId="{540EEA64-C51A-4621-A832-21F1BC562D6D}" dt="2022-12-22T13:05:11.324" v="154"/>
           <ac:graphicFrameMkLst>
@@ -234,14 +265,14 @@
           </ac:graphicFrameMkLst>
         </pc:graphicFrameChg>
       </pc:sldChg>
-      <pc:sldChg chg="addSp delSp modSp new mod modClrScheme chgLayout">
-        <pc:chgData name="Ammar Ljubijankic" userId="a00b5204-d72f-418c-8b5e-7555aa3641ec" providerId="ADAL" clId="{540EEA64-C51A-4621-A832-21F1BC562D6D}" dt="2022-12-23T13:25:14.636" v="3114"/>
+      <pc:sldChg chg="addSp delSp modSp new mod modClrScheme chgLayout modNotesTx">
+        <pc:chgData name="Ammar Ljubijankic" userId="a00b5204-d72f-418c-8b5e-7555aa3641ec" providerId="ADAL" clId="{540EEA64-C51A-4621-A832-21F1BC562D6D}" dt="2023-01-06T13:31:38.479" v="7769" actId="20577"/>
         <pc:sldMkLst>
           <pc:docMk/>
           <pc:sldMk cId="3136133071" sldId="259"/>
         </pc:sldMkLst>
         <pc:spChg chg="mod ord">
-          <ac:chgData name="Ammar Ljubijankic" userId="a00b5204-d72f-418c-8b5e-7555aa3641ec" providerId="ADAL" clId="{540EEA64-C51A-4621-A832-21F1BC562D6D}" dt="2022-12-22T14:21:05.976" v="1324" actId="700"/>
+          <ac:chgData name="Ammar Ljubijankic" userId="a00b5204-d72f-418c-8b5e-7555aa3641ec" providerId="ADAL" clId="{540EEA64-C51A-4621-A832-21F1BC562D6D}" dt="2023-01-06T13:30:58" v="7754" actId="20577"/>
           <ac:spMkLst>
             <pc:docMk/>
             <pc:sldMk cId="3136133071" sldId="259"/>
@@ -273,11 +304,19 @@
           </ac:spMkLst>
         </pc:spChg>
         <pc:spChg chg="add mod ord">
-          <ac:chgData name="Ammar Ljubijankic" userId="a00b5204-d72f-418c-8b5e-7555aa3641ec" providerId="ADAL" clId="{540EEA64-C51A-4621-A832-21F1BC562D6D}" dt="2022-12-22T15:57:09.420" v="2199" actId="20577"/>
+          <ac:chgData name="Ammar Ljubijankic" userId="a00b5204-d72f-418c-8b5e-7555aa3641ec" providerId="ADAL" clId="{540EEA64-C51A-4621-A832-21F1BC562D6D}" dt="2023-01-06T13:31:13.126" v="7756" actId="27636"/>
           <ac:spMkLst>
             <pc:docMk/>
             <pc:sldMk cId="3136133071" sldId="259"/>
             <ac:spMk id="5" creationId="{EB1678EB-2C75-4668-99CE-22280194724A}"/>
+          </ac:spMkLst>
+        </pc:spChg>
+        <pc:spChg chg="add mod">
+          <ac:chgData name="Ammar Ljubijankic" userId="a00b5204-d72f-418c-8b5e-7555aa3641ec" providerId="ADAL" clId="{540EEA64-C51A-4621-A832-21F1BC562D6D}" dt="2023-01-04T16:00:55.289" v="4529"/>
+          <ac:spMkLst>
+            <pc:docMk/>
+            <pc:sldMk cId="3136133071" sldId="259"/>
+            <ac:spMk id="6" creationId="{49A122BF-92D8-4424-9EF8-1C0BA64B4830}"/>
           </ac:spMkLst>
         </pc:spChg>
         <pc:graphicFrameChg chg="add mod">
@@ -313,7 +352,7 @@
           </ac:graphicFrameMkLst>
         </pc:graphicFrameChg>
         <pc:graphicFrameChg chg="add mod">
-          <ac:chgData name="Ammar Ljubijankic" userId="a00b5204-d72f-418c-8b5e-7555aa3641ec" providerId="ADAL" clId="{540EEA64-C51A-4621-A832-21F1BC562D6D}" dt="2022-12-23T13:25:14.636" v="3114"/>
+          <ac:chgData name="Ammar Ljubijankic" userId="a00b5204-d72f-418c-8b5e-7555aa3641ec" providerId="ADAL" clId="{540EEA64-C51A-4621-A832-21F1BC562D6D}" dt="2023-01-04T09:17:08.766" v="3916" actId="20577"/>
           <ac:graphicFrameMkLst>
             <pc:docMk/>
             <pc:sldMk cId="3136133071" sldId="259"/>
@@ -322,7 +361,7 @@
         </pc:graphicFrameChg>
       </pc:sldChg>
       <pc:sldChg chg="addSp delSp modSp add mod">
-        <pc:chgData name="Ammar Ljubijankic" userId="a00b5204-d72f-418c-8b5e-7555aa3641ec" providerId="ADAL" clId="{540EEA64-C51A-4621-A832-21F1BC562D6D}" dt="2022-12-22T15:54:19.144" v="1994" actId="20577"/>
+        <pc:chgData name="Ammar Ljubijankic" userId="a00b5204-d72f-418c-8b5e-7555aa3641ec" providerId="ADAL" clId="{540EEA64-C51A-4621-A832-21F1BC562D6D}" dt="2023-01-04T16:00:58.512" v="4531"/>
         <pc:sldMkLst>
           <pc:docMk/>
           <pc:sldMk cId="24189730" sldId="260"/>
@@ -351,6 +390,14 @@
             <ac:spMk id="5" creationId="{EB1678EB-2C75-4668-99CE-22280194724A}"/>
           </ac:spMkLst>
         </pc:spChg>
+        <pc:spChg chg="add mod">
+          <ac:chgData name="Ammar Ljubijankic" userId="a00b5204-d72f-418c-8b5e-7555aa3641ec" providerId="ADAL" clId="{540EEA64-C51A-4621-A832-21F1BC562D6D}" dt="2023-01-04T16:00:58.512" v="4531"/>
+          <ac:spMkLst>
+            <pc:docMk/>
+            <pc:sldMk cId="24189730" sldId="260"/>
+            <ac:spMk id="6" creationId="{2A188B98-CFE5-4351-8CF4-2707BE2C2176}"/>
+          </ac:spMkLst>
+        </pc:spChg>
         <pc:graphicFrameChg chg="del">
           <ac:chgData name="Ammar Ljubijankic" userId="a00b5204-d72f-418c-8b5e-7555aa3641ec" providerId="ADAL" clId="{540EEA64-C51A-4621-A832-21F1BC562D6D}" dt="2022-12-22T15:50:52.938" v="1779" actId="478"/>
           <ac:graphicFrameMkLst>
@@ -369,7 +416,7 @@
         </pc:graphicFrameChg>
       </pc:sldChg>
       <pc:sldChg chg="addSp delSp modSp new mod modClrScheme chgLayout">
-        <pc:chgData name="Ammar Ljubijankic" userId="a00b5204-d72f-418c-8b5e-7555aa3641ec" providerId="ADAL" clId="{540EEA64-C51A-4621-A832-21F1BC562D6D}" dt="2022-12-23T14:35:56.921" v="3799" actId="20577"/>
+        <pc:chgData name="Ammar Ljubijankic" userId="a00b5204-d72f-418c-8b5e-7555aa3641ec" providerId="ADAL" clId="{540EEA64-C51A-4621-A832-21F1BC562D6D}" dt="2023-01-04T16:01:35.214" v="4595" actId="20577"/>
         <pc:sldMkLst>
           <pc:docMk/>
           <pc:sldMk cId="2354753383" sldId="261"/>
@@ -398,6 +445,14 @@
             <ac:spMk id="4" creationId="{90094C3F-47D3-4640-BB11-9D132B8C3C53}"/>
           </ac:spMkLst>
         </pc:spChg>
+        <pc:spChg chg="add mod">
+          <ac:chgData name="Ammar Ljubijankic" userId="a00b5204-d72f-418c-8b5e-7555aa3641ec" providerId="ADAL" clId="{540EEA64-C51A-4621-A832-21F1BC562D6D}" dt="2023-01-04T16:01:35.214" v="4595" actId="20577"/>
+          <ac:spMkLst>
+            <pc:docMk/>
+            <pc:sldMk cId="2354753383" sldId="261"/>
+            <ac:spMk id="5" creationId="{C6A3F50C-A361-470C-9717-E3E264C69367}"/>
+          </ac:spMkLst>
+        </pc:spChg>
         <pc:spChg chg="add del mod ord">
           <ac:chgData name="Ammar Ljubijankic" userId="a00b5204-d72f-418c-8b5e-7555aa3641ec" providerId="ADAL" clId="{540EEA64-C51A-4621-A832-21F1BC562D6D}" dt="2022-12-23T14:28:19.278" v="3301" actId="700"/>
           <ac:spMkLst>
@@ -415,14 +470,14 @@
           </ac:spMkLst>
         </pc:spChg>
       </pc:sldChg>
-      <pc:sldChg chg="addSp delSp modSp new mod ord">
-        <pc:chgData name="Ammar Ljubijankic" userId="a00b5204-d72f-418c-8b5e-7555aa3641ec" providerId="ADAL" clId="{540EEA64-C51A-4621-A832-21F1BC562D6D}" dt="2022-12-23T13:25:51.862" v="3117"/>
+      <pc:sldChg chg="addSp delSp modSp new mod ord modNotesTx">
+        <pc:chgData name="Ammar Ljubijankic" userId="a00b5204-d72f-418c-8b5e-7555aa3641ec" providerId="ADAL" clId="{540EEA64-C51A-4621-A832-21F1BC562D6D}" dt="2023-01-05T13:53:50.010" v="6102" actId="20577"/>
         <pc:sldMkLst>
           <pc:docMk/>
           <pc:sldMk cId="933122035" sldId="262"/>
         </pc:sldMkLst>
         <pc:spChg chg="mod">
-          <ac:chgData name="Ammar Ljubijankic" userId="a00b5204-d72f-418c-8b5e-7555aa3641ec" providerId="ADAL" clId="{540EEA64-C51A-4621-A832-21F1BC562D6D}" dt="2022-12-23T13:24:18.390" v="3065" actId="20577"/>
+          <ac:chgData name="Ammar Ljubijankic" userId="a00b5204-d72f-418c-8b5e-7555aa3641ec" providerId="ADAL" clId="{540EEA64-C51A-4621-A832-21F1BC562D6D}" dt="2023-01-05T13:51:12.162" v="5597" actId="20577"/>
           <ac:spMkLst>
             <pc:docMk/>
             <pc:sldMk cId="933122035" sldId="262"/>
@@ -438,11 +493,19 @@
           </ac:spMkLst>
         </pc:spChg>
         <pc:spChg chg="mod">
-          <ac:chgData name="Ammar Ljubijankic" userId="a00b5204-d72f-418c-8b5e-7555aa3641ec" providerId="ADAL" clId="{540EEA64-C51A-4621-A832-21F1BC562D6D}" dt="2022-12-23T13:23:17.959" v="2952" actId="27636"/>
+          <ac:chgData name="Ammar Ljubijankic" userId="a00b5204-d72f-418c-8b5e-7555aa3641ec" providerId="ADAL" clId="{540EEA64-C51A-4621-A832-21F1BC562D6D}" dt="2023-01-05T13:51:54.476" v="5663" actId="20577"/>
           <ac:spMkLst>
             <pc:docMk/>
             <pc:sldMk cId="933122035" sldId="262"/>
             <ac:spMk id="4" creationId="{4FE9AC03-D1B9-4575-9871-CD34F629E1B9}"/>
+          </ac:spMkLst>
+        </pc:spChg>
+        <pc:spChg chg="add mod">
+          <ac:chgData name="Ammar Ljubijankic" userId="a00b5204-d72f-418c-8b5e-7555aa3641ec" providerId="ADAL" clId="{540EEA64-C51A-4621-A832-21F1BC562D6D}" dt="2023-01-04T16:00:56.656" v="4530"/>
+          <ac:spMkLst>
+            <pc:docMk/>
+            <pc:sldMk cId="933122035" sldId="262"/>
+            <ac:spMk id="5" creationId="{5468E8B5-D969-4925-9432-D28149F0E676}"/>
           </ac:spMkLst>
         </pc:spChg>
         <pc:spChg chg="add del mod">
@@ -478,7 +541,7 @@
           </ac:graphicFrameMkLst>
         </pc:graphicFrameChg>
         <pc:graphicFrameChg chg="add mod">
-          <ac:chgData name="Ammar Ljubijankic" userId="a00b5204-d72f-418c-8b5e-7555aa3641ec" providerId="ADAL" clId="{540EEA64-C51A-4621-A832-21F1BC562D6D}" dt="2022-12-23T13:25:51.862" v="3117"/>
+          <ac:chgData name="Ammar Ljubijankic" userId="a00b5204-d72f-418c-8b5e-7555aa3641ec" providerId="ADAL" clId="{540EEA64-C51A-4621-A832-21F1BC562D6D}" dt="2023-01-04T09:17:16.252" v="3918" actId="20577"/>
           <ac:graphicFrameMkLst>
             <pc:docMk/>
             <pc:sldMk cId="933122035" sldId="262"/>
@@ -486,23 +549,87 @@
           </ac:graphicFrameMkLst>
         </pc:graphicFrameChg>
       </pc:sldChg>
-      <pc:sldChg chg="modSp new mod">
-        <pc:chgData name="Ammar Ljubijankic" userId="a00b5204-d72f-418c-8b5e-7555aa3641ec" providerId="ADAL" clId="{540EEA64-C51A-4621-A832-21F1BC562D6D}" dt="2022-12-23T11:55:25.755" v="2380" actId="20577"/>
+      <pc:sldChg chg="addSp delSp modSp new mod modClrScheme addCm modCm chgLayout modNotesTx">
+        <pc:chgData name="Ammar Ljubijankic" userId="a00b5204-d72f-418c-8b5e-7555aa3641ec" providerId="ADAL" clId="{540EEA64-C51A-4621-A832-21F1BC562D6D}" dt="2023-01-06T11:43:30.399" v="7243"/>
         <pc:sldMkLst>
           <pc:docMk/>
           <pc:sldMk cId="343650028" sldId="263"/>
         </pc:sldMkLst>
-        <pc:spChg chg="mod">
-          <ac:chgData name="Ammar Ljubijankic" userId="a00b5204-d72f-418c-8b5e-7555aa3641ec" providerId="ADAL" clId="{540EEA64-C51A-4621-A832-21F1BC562D6D}" dt="2022-12-23T11:55:25.755" v="2380" actId="20577"/>
+        <pc:spChg chg="mod ord">
+          <ac:chgData name="Ammar Ljubijankic" userId="a00b5204-d72f-418c-8b5e-7555aa3641ec" providerId="ADAL" clId="{540EEA64-C51A-4621-A832-21F1BC562D6D}" dt="2023-01-04T15:57:48.091" v="4043" actId="700"/>
           <ac:spMkLst>
             <pc:docMk/>
             <pc:sldMk cId="343650028" sldId="263"/>
             <ac:spMk id="2" creationId="{20FBCA0E-EB6F-4A73-A130-3EF43FDA7C82}"/>
           </ac:spMkLst>
         </pc:spChg>
+        <pc:spChg chg="add del mod ord">
+          <ac:chgData name="Ammar Ljubijankic" userId="a00b5204-d72f-418c-8b5e-7555aa3641ec" providerId="ADAL" clId="{540EEA64-C51A-4621-A832-21F1BC562D6D}" dt="2023-01-04T15:57:48.091" v="4043" actId="700"/>
+          <ac:spMkLst>
+            <pc:docMk/>
+            <pc:sldMk cId="343650028" sldId="263"/>
+            <ac:spMk id="3" creationId="{A737F311-66AD-4CEF-A530-5EB6F64E4E25}"/>
+          </ac:spMkLst>
+        </pc:spChg>
+        <pc:spChg chg="add del mod">
+          <ac:chgData name="Ammar Ljubijankic" userId="a00b5204-d72f-418c-8b5e-7555aa3641ec" providerId="ADAL" clId="{540EEA64-C51A-4621-A832-21F1BC562D6D}" dt="2023-01-06T11:42:02.065" v="7166"/>
+          <ac:spMkLst>
+            <pc:docMk/>
+            <pc:sldMk cId="343650028" sldId="263"/>
+            <ac:spMk id="4" creationId="{1ECABA71-D8EB-49B7-8E1E-F912D0C7FC90}"/>
+          </ac:spMkLst>
+        </pc:spChg>
+        <pc:spChg chg="del">
+          <ac:chgData name="Ammar Ljubijankic" userId="a00b5204-d72f-418c-8b5e-7555aa3641ec" providerId="ADAL" clId="{540EEA64-C51A-4621-A832-21F1BC562D6D}" dt="2023-01-04T15:57:48.091" v="4043" actId="700"/>
+          <ac:spMkLst>
+            <pc:docMk/>
+            <pc:sldMk cId="343650028" sldId="263"/>
+            <ac:spMk id="4" creationId="{2F83065C-0669-446D-81EF-0FD0BB32ED0E}"/>
+          </ac:spMkLst>
+        </pc:spChg>
+        <pc:spChg chg="add del mod ord">
+          <ac:chgData name="Ammar Ljubijankic" userId="a00b5204-d72f-418c-8b5e-7555aa3641ec" providerId="ADAL" clId="{540EEA64-C51A-4621-A832-21F1BC562D6D}" dt="2023-01-04T15:57:48.979" v="4045"/>
+          <ac:spMkLst>
+            <pc:docMk/>
+            <pc:sldMk cId="343650028" sldId="263"/>
+            <ac:spMk id="6" creationId="{E3E7A6F6-057C-4738-924F-296F9384E25E}"/>
+          </ac:spMkLst>
+        </pc:spChg>
+        <pc:spChg chg="add mod">
+          <ac:chgData name="Ammar Ljubijankic" userId="a00b5204-d72f-418c-8b5e-7555aa3641ec" providerId="ADAL" clId="{540EEA64-C51A-4621-A832-21F1BC562D6D}" dt="2023-01-04T16:01:55.559" v="4629" actId="20577"/>
+          <ac:spMkLst>
+            <pc:docMk/>
+            <pc:sldMk cId="343650028" sldId="263"/>
+            <ac:spMk id="8" creationId="{C0BB2580-6A34-45EE-A200-2F6E11D642F1}"/>
+          </ac:spMkLst>
+        </pc:spChg>
+        <pc:graphicFrameChg chg="add mod">
+          <ac:chgData name="Ammar Ljubijankic" userId="a00b5204-d72f-418c-8b5e-7555aa3641ec" providerId="ADAL" clId="{540EEA64-C51A-4621-A832-21F1BC562D6D}" dt="2023-01-04T15:57:42.512" v="4042"/>
+          <ac:graphicFrameMkLst>
+            <pc:docMk/>
+            <pc:sldMk cId="343650028" sldId="263"/>
+            <ac:graphicFrameMk id="5" creationId="{227602D3-3BFE-461A-AC73-B24819A3BEB7}"/>
+          </ac:graphicFrameMkLst>
+        </pc:graphicFrameChg>
+        <pc:graphicFrameChg chg="add del mod">
+          <ac:chgData name="Ammar Ljubijankic" userId="a00b5204-d72f-418c-8b5e-7555aa3641ec" providerId="ADAL" clId="{540EEA64-C51A-4621-A832-21F1BC562D6D}" dt="2023-01-06T11:42:00.495" v="7164" actId="478"/>
+          <ac:graphicFrameMkLst>
+            <pc:docMk/>
+            <pc:sldMk cId="343650028" sldId="263"/>
+            <ac:graphicFrameMk id="7" creationId="{227602D3-3BFE-461A-AC73-B24819A3BEB7}"/>
+          </ac:graphicFrameMkLst>
+        </pc:graphicFrameChg>
+        <pc:graphicFrameChg chg="add mod">
+          <ac:chgData name="Ammar Ljubijankic" userId="a00b5204-d72f-418c-8b5e-7555aa3641ec" providerId="ADAL" clId="{540EEA64-C51A-4621-A832-21F1BC562D6D}" dt="2023-01-06T11:42:10.522" v="7168"/>
+          <ac:graphicFrameMkLst>
+            <pc:docMk/>
+            <pc:sldMk cId="343650028" sldId="263"/>
+            <ac:graphicFrameMk id="9" creationId="{227602D3-3BFE-461A-AC73-B24819A3BEB7}"/>
+          </ac:graphicFrameMkLst>
+        </pc:graphicFrameChg>
       </pc:sldChg>
-      <pc:sldChg chg="modSp new mod">
-        <pc:chgData name="Ammar Ljubijankic" userId="a00b5204-d72f-418c-8b5e-7555aa3641ec" providerId="ADAL" clId="{540EEA64-C51A-4621-A832-21F1BC562D6D}" dt="2022-12-23T11:55:38.219" v="2438" actId="20577"/>
+      <pc:sldChg chg="addSp modSp new mod">
+        <pc:chgData name="Ammar Ljubijankic" userId="a00b5204-d72f-418c-8b5e-7555aa3641ec" providerId="ADAL" clId="{540EEA64-C51A-4621-A832-21F1BC562D6D}" dt="2023-01-04T16:01:40.024" v="4597"/>
         <pc:sldMkLst>
           <pc:docMk/>
           <pc:sldMk cId="1792016163" sldId="264"/>
@@ -515,9 +642,17 @@
             <ac:spMk id="2" creationId="{8D1AADCC-6AEB-4DAB-8BB7-80D0DC52C85D}"/>
           </ac:spMkLst>
         </pc:spChg>
+        <pc:spChg chg="add mod">
+          <ac:chgData name="Ammar Ljubijankic" userId="a00b5204-d72f-418c-8b5e-7555aa3641ec" providerId="ADAL" clId="{540EEA64-C51A-4621-A832-21F1BC562D6D}" dt="2023-01-04T16:01:40.024" v="4597"/>
+          <ac:spMkLst>
+            <pc:docMk/>
+            <pc:sldMk cId="1792016163" sldId="264"/>
+            <ac:spMk id="5" creationId="{6249D0E2-58FD-49CA-92DE-8463C4F0612E}"/>
+          </ac:spMkLst>
+        </pc:spChg>
       </pc:sldChg>
-      <pc:sldChg chg="modSp new mod modNotesTx">
-        <pc:chgData name="Ammar Ljubijankic" userId="a00b5204-d72f-418c-8b5e-7555aa3641ec" providerId="ADAL" clId="{540EEA64-C51A-4621-A832-21F1BC562D6D}" dt="2022-12-23T14:36:53.061" v="3914" actId="20577"/>
+      <pc:sldChg chg="addSp modSp new mod modNotesTx">
+        <pc:chgData name="Ammar Ljubijankic" userId="a00b5204-d72f-418c-8b5e-7555aa3641ec" providerId="ADAL" clId="{540EEA64-C51A-4621-A832-21F1BC562D6D}" dt="2023-01-04T16:01:38.471" v="4596"/>
         <pc:sldMkLst>
           <pc:docMk/>
           <pc:sldMk cId="3318310154" sldId="265"/>
@@ -536,6 +671,99 @@
             <pc:docMk/>
             <pc:sldMk cId="3318310154" sldId="265"/>
             <ac:spMk id="3" creationId="{08E2A6D4-1EFC-4063-B2AE-DBC8629E99E7}"/>
+          </ac:spMkLst>
+        </pc:spChg>
+        <pc:spChg chg="add mod">
+          <ac:chgData name="Ammar Ljubijankic" userId="a00b5204-d72f-418c-8b5e-7555aa3641ec" providerId="ADAL" clId="{540EEA64-C51A-4621-A832-21F1BC562D6D}" dt="2023-01-04T16:01:38.471" v="4596"/>
+          <ac:spMkLst>
+            <pc:docMk/>
+            <pc:sldMk cId="3318310154" sldId="265"/>
+            <ac:spMk id="4" creationId="{3D6D30B4-7820-4E09-8B01-4FACB7C2B90E}"/>
+          </ac:spMkLst>
+        </pc:spChg>
+      </pc:sldChg>
+      <pc:sldChg chg="addSp delSp modSp new mod modNotesTx">
+        <pc:chgData name="Ammar Ljubijankic" userId="a00b5204-d72f-418c-8b5e-7555aa3641ec" providerId="ADAL" clId="{540EEA64-C51A-4621-A832-21F1BC562D6D}" dt="2023-01-05T14:58:50.402" v="7147" actId="27918"/>
+        <pc:sldMkLst>
+          <pc:docMk/>
+          <pc:sldMk cId="1389166271" sldId="266"/>
+        </pc:sldMkLst>
+        <pc:spChg chg="mod">
+          <ac:chgData name="Ammar Ljubijankic" userId="a00b5204-d72f-418c-8b5e-7555aa3641ec" providerId="ADAL" clId="{540EEA64-C51A-4621-A832-21F1BC562D6D}" dt="2023-01-05T13:36:17.645" v="5158" actId="20577"/>
+          <ac:spMkLst>
+            <pc:docMk/>
+            <pc:sldMk cId="1389166271" sldId="266"/>
+            <ac:spMk id="2" creationId="{206989E3-D81C-4FCC-B9A9-0719837AD440}"/>
+          </ac:spMkLst>
+        </pc:spChg>
+        <pc:spChg chg="del">
+          <ac:chgData name="Ammar Ljubijankic" userId="a00b5204-d72f-418c-8b5e-7555aa3641ec" providerId="ADAL" clId="{540EEA64-C51A-4621-A832-21F1BC562D6D}" dt="2023-01-05T13:58:37.249" v="6104"/>
+          <ac:spMkLst>
+            <pc:docMk/>
+            <pc:sldMk cId="1389166271" sldId="266"/>
+            <ac:spMk id="3" creationId="{754DE68E-E7D7-4C6B-8007-84232E923D98}"/>
+          </ac:spMkLst>
+        </pc:spChg>
+        <pc:spChg chg="mod">
+          <ac:chgData name="Ammar Ljubijankic" userId="a00b5204-d72f-418c-8b5e-7555aa3641ec" providerId="ADAL" clId="{540EEA64-C51A-4621-A832-21F1BC562D6D}" dt="2023-01-05T14:05:17.171" v="6832" actId="20577"/>
+          <ac:spMkLst>
+            <pc:docMk/>
+            <pc:sldMk cId="1389166271" sldId="266"/>
+            <ac:spMk id="4" creationId="{5355BDF4-2A3C-407D-89C1-1B54A09C5072}"/>
+          </ac:spMkLst>
+        </pc:spChg>
+        <pc:graphicFrameChg chg="add mod">
+          <ac:chgData name="Ammar Ljubijankic" userId="a00b5204-d72f-418c-8b5e-7555aa3641ec" providerId="ADAL" clId="{540EEA64-C51A-4621-A832-21F1BC562D6D}" dt="2023-01-05T13:58:45.585" v="6107"/>
+          <ac:graphicFrameMkLst>
+            <pc:docMk/>
+            <pc:sldMk cId="1389166271" sldId="266"/>
+            <ac:graphicFrameMk id="5" creationId="{72363BF4-EEFB-4325-8FEE-80B16FB6FFF5}"/>
+          </ac:graphicFrameMkLst>
+        </pc:graphicFrameChg>
+      </pc:sldChg>
+      <pc:sldChg chg="modSp new mod">
+        <pc:chgData name="Ammar Ljubijankic" userId="a00b5204-d72f-418c-8b5e-7555aa3641ec" providerId="ADAL" clId="{540EEA64-C51A-4621-A832-21F1BC562D6D}" dt="2023-01-06T13:47:36.331" v="8119" actId="20577"/>
+        <pc:sldMkLst>
+          <pc:docMk/>
+          <pc:sldMk cId="2553511309" sldId="267"/>
+        </pc:sldMkLst>
+        <pc:spChg chg="mod">
+          <ac:chgData name="Ammar Ljubijankic" userId="a00b5204-d72f-418c-8b5e-7555aa3641ec" providerId="ADAL" clId="{540EEA64-C51A-4621-A832-21F1BC562D6D}" dt="2023-01-06T13:13:55.718" v="7566" actId="20577"/>
+          <ac:spMkLst>
+            <pc:docMk/>
+            <pc:sldMk cId="2553511309" sldId="267"/>
+            <ac:spMk id="2" creationId="{24187A63-3C11-4643-83B5-788A799C02A1}"/>
+          </ac:spMkLst>
+        </pc:spChg>
+        <pc:spChg chg="mod">
+          <ac:chgData name="Ammar Ljubijankic" userId="a00b5204-d72f-418c-8b5e-7555aa3641ec" providerId="ADAL" clId="{540EEA64-C51A-4621-A832-21F1BC562D6D}" dt="2023-01-06T13:47:36.331" v="8119" actId="20577"/>
+          <ac:spMkLst>
+            <pc:docMk/>
+            <pc:sldMk cId="2553511309" sldId="267"/>
+            <ac:spMk id="3" creationId="{39940BE7-4EB8-4BAC-A990-4E674FBFA4C9}"/>
+          </ac:spMkLst>
+        </pc:spChg>
+      </pc:sldChg>
+      <pc:sldChg chg="modSp new mod modNotesTx">
+        <pc:chgData name="Ammar Ljubijankic" userId="a00b5204-d72f-418c-8b5e-7555aa3641ec" providerId="ADAL" clId="{540EEA64-C51A-4621-A832-21F1BC562D6D}" dt="2023-01-06T14:41:47.017" v="9975" actId="20577"/>
+        <pc:sldMkLst>
+          <pc:docMk/>
+          <pc:sldMk cId="202257740" sldId="268"/>
+        </pc:sldMkLst>
+        <pc:spChg chg="mod">
+          <ac:chgData name="Ammar Ljubijankic" userId="a00b5204-d72f-418c-8b5e-7555aa3641ec" providerId="ADAL" clId="{540EEA64-C51A-4621-A832-21F1BC562D6D}" dt="2023-01-06T14:30:13.082" v="8742" actId="20577"/>
+          <ac:spMkLst>
+            <pc:docMk/>
+            <pc:sldMk cId="202257740" sldId="268"/>
+            <ac:spMk id="2" creationId="{984A9804-3B6E-48ED-A48D-7F6C01A68204}"/>
+          </ac:spMkLst>
+        </pc:spChg>
+        <pc:spChg chg="mod">
+          <ac:chgData name="Ammar Ljubijankic" userId="a00b5204-d72f-418c-8b5e-7555aa3641ec" providerId="ADAL" clId="{540EEA64-C51A-4621-A832-21F1BC562D6D}" dt="2023-01-06T14:33:34.405" v="8759" actId="20577"/>
+          <ac:spMkLst>
+            <pc:docMk/>
+            <pc:sldMk cId="202257740" sldId="268"/>
+            <ac:spMk id="3" creationId="{155FF8B2-4349-40A8-961B-FE0B73355E29}"/>
           </ac:spMkLst>
         </pc:spChg>
       </pc:sldChg>
@@ -1813,7 +2041,7 @@
             </a:pPr>
             <a:r>
               <a:rPr lang="en-GB" baseline="0"/>
-              <a:t>Workers in 2017 and 2020, selected sectors</a:t>
+              <a:t>Workers in 2017 and 2022, selected sectors</a:t>
             </a:r>
             <a:endParaRPr lang="en-GB"/>
           </a:p>
@@ -2285,7 +2513,7 @@
             </a:pPr>
             <a:r>
               <a:rPr lang="en-GB" baseline="0"/>
-              <a:t>Workers in 2017 and 2020, selected sectors</a:t>
+              <a:t>Workers in 2017 and 2022, selected sectors</a:t>
             </a:r>
             <a:endParaRPr lang="en-GB"/>
           </a:p>
@@ -2722,6 +2950,2795 @@
           <a:bodyPr rot="0" spcFirstLastPara="1" vertOverflow="ellipsis" vert="horz" wrap="square" anchor="ctr" anchorCtr="1"/>
           <a:lstStyle/>
           <a:p>
+            <a:pPr>
+              <a:defRPr sz="1400" b="1" i="0" u="none" strike="noStrike" kern="1200" spc="0" baseline="0">
+                <a:solidFill>
+                  <a:schemeClr val="tx1">
+                    <a:lumMod val="65000"/>
+                    <a:lumOff val="35000"/>
+                  </a:schemeClr>
+                </a:solidFill>
+                <a:latin typeface="Arial" panose="020B0604020202020204" pitchFamily="34" charset="0"/>
+                <a:ea typeface="+mn-ea"/>
+                <a:cs typeface="Arial" panose="020B0604020202020204" pitchFamily="34" charset="0"/>
+              </a:defRPr>
+            </a:pPr>
+            <a:r>
+              <a:rPr lang="en-GB" b="1"/>
+              <a:t>NTE</a:t>
+            </a:r>
+            <a:r>
+              <a:rPr lang="en-GB" b="1" baseline="0"/>
+              <a:t> worker shares (%) by industry section</a:t>
+            </a:r>
+            <a:endParaRPr lang="en-GB" b="1"/>
+          </a:p>
+        </c:rich>
+      </c:tx>
+      <c:layout>
+        <c:manualLayout>
+          <c:xMode val="edge"/>
+          <c:yMode val="edge"/>
+          <c:x val="6.5455799928040379E-3"/>
+          <c:y val="2.2160664819944598E-2"/>
+        </c:manualLayout>
+      </c:layout>
+      <c:overlay val="0"/>
+      <c:spPr>
+        <a:noFill/>
+        <a:ln>
+          <a:noFill/>
+        </a:ln>
+        <a:effectLst/>
+      </c:spPr>
+      <c:txPr>
+        <a:bodyPr rot="0" spcFirstLastPara="1" vertOverflow="ellipsis" vert="horz" wrap="square" anchor="ctr" anchorCtr="1"/>
+        <a:lstStyle/>
+        <a:p>
+          <a:pPr>
+            <a:defRPr sz="1400" b="1" i="0" u="none" strike="noStrike" kern="1200" spc="0" baseline="0">
+              <a:solidFill>
+                <a:schemeClr val="tx1">
+                  <a:lumMod val="65000"/>
+                  <a:lumOff val="35000"/>
+                </a:schemeClr>
+              </a:solidFill>
+              <a:latin typeface="Arial" panose="020B0604020202020204" pitchFamily="34" charset="0"/>
+              <a:ea typeface="+mn-ea"/>
+              <a:cs typeface="Arial" panose="020B0604020202020204" pitchFamily="34" charset="0"/>
+            </a:defRPr>
+          </a:pPr>
+          <a:endParaRPr lang="en-US"/>
+        </a:p>
+      </c:txPr>
+    </c:title>
+    <c:autoTitleDeleted val="0"/>
+    <c:plotArea>
+      <c:layout/>
+      <c:lineChart>
+        <c:grouping val="standard"/>
+        <c:varyColors val="0"/>
+        <c:ser>
+          <c:idx val="6"/>
+          <c:order val="6"/>
+          <c:tx>
+            <c:strRef>
+              <c:f>Industry!$E$18</c:f>
+              <c:strCache>
+                <c:ptCount val="1"/>
+                <c:pt idx="0">
+                  <c:v>Retail </c:v>
+                </c:pt>
+              </c:strCache>
+            </c:strRef>
+          </c:tx>
+          <c:spPr>
+            <a:ln w="28575" cap="rnd">
+              <a:solidFill>
+                <a:schemeClr val="accent1">
+                  <a:lumMod val="60000"/>
+                  <a:lumOff val="40000"/>
+                </a:schemeClr>
+              </a:solidFill>
+              <a:round/>
+            </a:ln>
+            <a:effectLst/>
+          </c:spPr>
+          <c:marker>
+            <c:symbol val="none"/>
+          </c:marker>
+          <c:cat>
+            <c:numRef>
+              <c:f>Industry!$X$11:$AE$11</c:f>
+              <c:numCache>
+                <c:formatCode>General</c:formatCode>
+                <c:ptCount val="8"/>
+                <c:pt idx="0">
+                  <c:v>2015</c:v>
+                </c:pt>
+                <c:pt idx="1">
+                  <c:v>2016</c:v>
+                </c:pt>
+                <c:pt idx="2">
+                  <c:v>2017</c:v>
+                </c:pt>
+                <c:pt idx="3">
+                  <c:v>2018</c:v>
+                </c:pt>
+                <c:pt idx="4">
+                  <c:v>2019</c:v>
+                </c:pt>
+                <c:pt idx="5">
+                  <c:v>2020</c:v>
+                </c:pt>
+                <c:pt idx="6">
+                  <c:v>2021</c:v>
+                </c:pt>
+                <c:pt idx="7">
+                  <c:v>2022</c:v>
+                </c:pt>
+              </c:numCache>
+            </c:numRef>
+          </c:cat>
+          <c:val>
+            <c:numRef>
+              <c:f>Industry!$X$18:$AE$18</c:f>
+              <c:numCache>
+                <c:formatCode>0.0%</c:formatCode>
+                <c:ptCount val="8"/>
+                <c:pt idx="0">
+                  <c:v>0.34617427685837299</c:v>
+                </c:pt>
+                <c:pt idx="1">
+                  <c:v>0.34144156831817002</c:v>
+                </c:pt>
+                <c:pt idx="2">
+                  <c:v>0.29405931645340799</c:v>
+                </c:pt>
+                <c:pt idx="3">
+                  <c:v>0.321703598931322</c:v>
+                </c:pt>
+                <c:pt idx="4">
+                  <c:v>0.313529859831642</c:v>
+                </c:pt>
+                <c:pt idx="5">
+                  <c:v>0.305535961304153</c:v>
+                </c:pt>
+                <c:pt idx="6">
+                  <c:v>0.33516921880447298</c:v>
+                </c:pt>
+                <c:pt idx="7">
+                  <c:v>0.25026935821593399</c:v>
+                </c:pt>
+              </c:numCache>
+            </c:numRef>
+          </c:val>
+          <c:smooth val="0"/>
+          <c:extLst>
+            <c:ext xmlns:c16="http://schemas.microsoft.com/office/drawing/2014/chart" uri="{C3380CC4-5D6E-409C-BE32-E72D297353CC}">
+              <c16:uniqueId val="{00000000-6049-4B5C-B5DD-D3651E70327A}"/>
+            </c:ext>
+          </c:extLst>
+        </c:ser>
+        <c:ser>
+          <c:idx val="8"/>
+          <c:order val="8"/>
+          <c:tx>
+            <c:strRef>
+              <c:f>Industry!$E$20</c:f>
+              <c:strCache>
+                <c:ptCount val="1"/>
+                <c:pt idx="0">
+                  <c:v>Hospitality </c:v>
+                </c:pt>
+              </c:strCache>
+            </c:strRef>
+          </c:tx>
+          <c:spPr>
+            <a:ln w="28575" cap="rnd">
+              <a:solidFill>
+                <a:schemeClr val="accent4"/>
+              </a:solidFill>
+              <a:round/>
+            </a:ln>
+            <a:effectLst/>
+          </c:spPr>
+          <c:marker>
+            <c:symbol val="none"/>
+          </c:marker>
+          <c:cat>
+            <c:numRef>
+              <c:f>Industry!$X$11:$AE$11</c:f>
+              <c:numCache>
+                <c:formatCode>General</c:formatCode>
+                <c:ptCount val="8"/>
+                <c:pt idx="0">
+                  <c:v>2015</c:v>
+                </c:pt>
+                <c:pt idx="1">
+                  <c:v>2016</c:v>
+                </c:pt>
+                <c:pt idx="2">
+                  <c:v>2017</c:v>
+                </c:pt>
+                <c:pt idx="3">
+                  <c:v>2018</c:v>
+                </c:pt>
+                <c:pt idx="4">
+                  <c:v>2019</c:v>
+                </c:pt>
+                <c:pt idx="5">
+                  <c:v>2020</c:v>
+                </c:pt>
+                <c:pt idx="6">
+                  <c:v>2021</c:v>
+                </c:pt>
+                <c:pt idx="7">
+                  <c:v>2022</c:v>
+                </c:pt>
+              </c:numCache>
+            </c:numRef>
+          </c:cat>
+          <c:val>
+            <c:numRef>
+              <c:f>Industry!$X$20:$AE$20</c:f>
+              <c:numCache>
+                <c:formatCode>0.0%</c:formatCode>
+                <c:ptCount val="8"/>
+                <c:pt idx="0">
+                  <c:v>0.52539141982051496</c:v>
+                </c:pt>
+                <c:pt idx="1">
+                  <c:v>0.55655852027581898</c:v>
+                </c:pt>
+                <c:pt idx="2">
+                  <c:v>0.56914529300476602</c:v>
+                </c:pt>
+                <c:pt idx="3">
+                  <c:v>0.56324763193504701</c:v>
+                </c:pt>
+                <c:pt idx="4">
+                  <c:v>0.55721543582474597</c:v>
+                </c:pt>
+                <c:pt idx="5">
+                  <c:v>0.47010998648006702</c:v>
+                </c:pt>
+                <c:pt idx="6">
+                  <c:v>0.60094392879179703</c:v>
+                </c:pt>
+                <c:pt idx="7">
+                  <c:v>0.53929469632758598</c:v>
+                </c:pt>
+              </c:numCache>
+            </c:numRef>
+          </c:val>
+          <c:smooth val="0"/>
+          <c:extLst>
+            <c:ext xmlns:c16="http://schemas.microsoft.com/office/drawing/2014/chart" uri="{C3380CC4-5D6E-409C-BE32-E72D297353CC}">
+              <c16:uniqueId val="{00000001-6049-4B5C-B5DD-D3651E70327A}"/>
+            </c:ext>
+          </c:extLst>
+        </c:ser>
+        <c:dLbls>
+          <c:showLegendKey val="0"/>
+          <c:showVal val="0"/>
+          <c:showCatName val="0"/>
+          <c:showSerName val="0"/>
+          <c:showPercent val="0"/>
+          <c:showBubbleSize val="0"/>
+        </c:dLbls>
+        <c:smooth val="0"/>
+        <c:axId val="696169016"/>
+        <c:axId val="696174920"/>
+        <c:extLst>
+          <c:ext xmlns:c15="http://schemas.microsoft.com/office/drawing/2012/chart" uri="{02D57815-91ED-43cb-92C2-25804820EDAC}">
+            <c15:filteredLineSeries>
+              <c15:ser>
+                <c:idx val="0"/>
+                <c:order val="0"/>
+                <c:tx>
+                  <c:strRef>
+                    <c:extLst>
+                      <c:ext uri="{02D57815-91ED-43cb-92C2-25804820EDAC}">
+                        <c15:formulaRef>
+                          <c15:sqref>Industry!$E$12</c15:sqref>
+                        </c15:formulaRef>
+                      </c:ext>
+                    </c:extLst>
+                    <c:strCache>
+                      <c:ptCount val="1"/>
+                      <c:pt idx="0">
+                        <c:v>Agriculture, forestry and fishing</c:v>
+                      </c:pt>
+                    </c:strCache>
+                  </c:strRef>
+                </c:tx>
+                <c:spPr>
+                  <a:ln w="28575" cap="rnd">
+                    <a:solidFill>
+                      <a:schemeClr val="accent1"/>
+                    </a:solidFill>
+                    <a:round/>
+                  </a:ln>
+                  <a:effectLst/>
+                </c:spPr>
+                <c:marker>
+                  <c:symbol val="none"/>
+                </c:marker>
+                <c:cat>
+                  <c:numRef>
+                    <c:extLst>
+                      <c:ext uri="{02D57815-91ED-43cb-92C2-25804820EDAC}">
+                        <c15:formulaRef>
+                          <c15:sqref>Industry!$X$11:$AE$11</c15:sqref>
+                        </c15:formulaRef>
+                      </c:ext>
+                    </c:extLst>
+                    <c:numCache>
+                      <c:formatCode>General</c:formatCode>
+                      <c:ptCount val="8"/>
+                      <c:pt idx="0">
+                        <c:v>2015</c:v>
+                      </c:pt>
+                      <c:pt idx="1">
+                        <c:v>2016</c:v>
+                      </c:pt>
+                      <c:pt idx="2">
+                        <c:v>2017</c:v>
+                      </c:pt>
+                      <c:pt idx="3">
+                        <c:v>2018</c:v>
+                      </c:pt>
+                      <c:pt idx="4">
+                        <c:v>2019</c:v>
+                      </c:pt>
+                      <c:pt idx="5">
+                        <c:v>2020</c:v>
+                      </c:pt>
+                      <c:pt idx="6">
+                        <c:v>2021</c:v>
+                      </c:pt>
+                      <c:pt idx="7">
+                        <c:v>2022</c:v>
+                      </c:pt>
+                    </c:numCache>
+                  </c:numRef>
+                </c:cat>
+                <c:val>
+                  <c:numRef>
+                    <c:extLst>
+                      <c:ext uri="{02D57815-91ED-43cb-92C2-25804820EDAC}">
+                        <c15:formulaRef>
+                          <c15:sqref>Industry!$X$12:$AE$12</c15:sqref>
+                        </c15:formulaRef>
+                      </c:ext>
+                    </c:extLst>
+                    <c:numCache>
+                      <c:formatCode>0.0%</c:formatCode>
+                      <c:ptCount val="8"/>
+                      <c:pt idx="0">
+                        <c:v>0.47986312187417701</c:v>
+                      </c:pt>
+                      <c:pt idx="1">
+                        <c:v>0</c:v>
+                      </c:pt>
+                      <c:pt idx="2">
+                        <c:v>0</c:v>
+                      </c:pt>
+                      <c:pt idx="3">
+                        <c:v>0.42125094197437801</c:v>
+                      </c:pt>
+                      <c:pt idx="4">
+                        <c:v>0.40821917808219199</c:v>
+                      </c:pt>
+                      <c:pt idx="5">
+                        <c:v>0</c:v>
+                      </c:pt>
+                      <c:pt idx="6">
+                        <c:v>0.87159709618874803</c:v>
+                      </c:pt>
+                      <c:pt idx="7">
+                        <c:v>0.66029074215761296</c:v>
+                      </c:pt>
+                    </c:numCache>
+                  </c:numRef>
+                </c:val>
+                <c:smooth val="0"/>
+                <c:extLst>
+                  <c:ext xmlns:c16="http://schemas.microsoft.com/office/drawing/2014/chart" uri="{C3380CC4-5D6E-409C-BE32-E72D297353CC}">
+                    <c16:uniqueId val="{00000002-6049-4B5C-B5DD-D3651E70327A}"/>
+                  </c:ext>
+                </c:extLst>
+              </c15:ser>
+            </c15:filteredLineSeries>
+            <c15:filteredLineSeries>
+              <c15:ser>
+                <c:idx val="1"/>
+                <c:order val="1"/>
+                <c:tx>
+                  <c:strRef>
+                    <c:extLst xmlns:c15="http://schemas.microsoft.com/office/drawing/2012/chart">
+                      <c:ext xmlns:c15="http://schemas.microsoft.com/office/drawing/2012/chart" uri="{02D57815-91ED-43cb-92C2-25804820EDAC}">
+                        <c15:formulaRef>
+                          <c15:sqref>Industry!$E$13</c15:sqref>
+                        </c15:formulaRef>
+                      </c:ext>
+                    </c:extLst>
+                    <c:strCache>
+                      <c:ptCount val="1"/>
+                      <c:pt idx="0">
+                        <c:v>Mining and quarrying</c:v>
+                      </c:pt>
+                    </c:strCache>
+                  </c:strRef>
+                </c:tx>
+                <c:spPr>
+                  <a:ln w="28575" cap="rnd">
+                    <a:solidFill>
+                      <a:schemeClr val="accent2"/>
+                    </a:solidFill>
+                    <a:round/>
+                  </a:ln>
+                  <a:effectLst/>
+                </c:spPr>
+                <c:marker>
+                  <c:symbol val="none"/>
+                </c:marker>
+                <c:cat>
+                  <c:numRef>
+                    <c:extLst xmlns:c15="http://schemas.microsoft.com/office/drawing/2012/chart">
+                      <c:ext xmlns:c15="http://schemas.microsoft.com/office/drawing/2012/chart" uri="{02D57815-91ED-43cb-92C2-25804820EDAC}">
+                        <c15:formulaRef>
+                          <c15:sqref>Industry!$X$11:$AE$11</c15:sqref>
+                        </c15:formulaRef>
+                      </c:ext>
+                    </c:extLst>
+                    <c:numCache>
+                      <c:formatCode>General</c:formatCode>
+                      <c:ptCount val="8"/>
+                      <c:pt idx="0">
+                        <c:v>2015</c:v>
+                      </c:pt>
+                      <c:pt idx="1">
+                        <c:v>2016</c:v>
+                      </c:pt>
+                      <c:pt idx="2">
+                        <c:v>2017</c:v>
+                      </c:pt>
+                      <c:pt idx="3">
+                        <c:v>2018</c:v>
+                      </c:pt>
+                      <c:pt idx="4">
+                        <c:v>2019</c:v>
+                      </c:pt>
+                      <c:pt idx="5">
+                        <c:v>2020</c:v>
+                      </c:pt>
+                      <c:pt idx="6">
+                        <c:v>2021</c:v>
+                      </c:pt>
+                      <c:pt idx="7">
+                        <c:v>2022</c:v>
+                      </c:pt>
+                    </c:numCache>
+                  </c:numRef>
+                </c:cat>
+                <c:val>
+                  <c:numRef>
+                    <c:extLst xmlns:c15="http://schemas.microsoft.com/office/drawing/2012/chart">
+                      <c:ext xmlns:c15="http://schemas.microsoft.com/office/drawing/2012/chart" uri="{02D57815-91ED-43cb-92C2-25804820EDAC}">
+                        <c15:formulaRef>
+                          <c15:sqref>Industry!$X$13:$AE$13</c15:sqref>
+                        </c15:formulaRef>
+                      </c:ext>
+                    </c:extLst>
+                    <c:numCache>
+                      <c:formatCode>0.0%</c:formatCode>
+                      <c:ptCount val="8"/>
+                      <c:pt idx="0">
+                        <c:v>0.26953857696636202</c:v>
+                      </c:pt>
+                      <c:pt idx="1">
+                        <c:v>0.226490450947644</c:v>
+                      </c:pt>
+                      <c:pt idx="2">
+                        <c:v>0.26888467913805397</c:v>
+                      </c:pt>
+                      <c:pt idx="3">
+                        <c:v>0.163348281016442</c:v>
+                      </c:pt>
+                      <c:pt idx="4">
+                        <c:v>0.36353944562899798</c:v>
+                      </c:pt>
+                      <c:pt idx="5">
+                        <c:v>0.389657874118569</c:v>
+                      </c:pt>
+                      <c:pt idx="6">
+                        <c:v>0.17125382262996899</c:v>
+                      </c:pt>
+                      <c:pt idx="7">
+                        <c:v>0.31412053258584399</c:v>
+                      </c:pt>
+                    </c:numCache>
+                  </c:numRef>
+                </c:val>
+                <c:smooth val="0"/>
+                <c:extLst xmlns:c15="http://schemas.microsoft.com/office/drawing/2012/chart">
+                  <c:ext xmlns:c16="http://schemas.microsoft.com/office/drawing/2014/chart" uri="{C3380CC4-5D6E-409C-BE32-E72D297353CC}">
+                    <c16:uniqueId val="{00000003-6049-4B5C-B5DD-D3651E70327A}"/>
+                  </c:ext>
+                </c:extLst>
+              </c15:ser>
+            </c15:filteredLineSeries>
+            <c15:filteredLineSeries>
+              <c15:ser>
+                <c:idx val="2"/>
+                <c:order val="2"/>
+                <c:tx>
+                  <c:strRef>
+                    <c:extLst xmlns:c15="http://schemas.microsoft.com/office/drawing/2012/chart">
+                      <c:ext xmlns:c15="http://schemas.microsoft.com/office/drawing/2012/chart" uri="{02D57815-91ED-43cb-92C2-25804820EDAC}">
+                        <c15:formulaRef>
+                          <c15:sqref>Industry!$E$14</c15:sqref>
+                        </c15:formulaRef>
+                      </c:ext>
+                    </c:extLst>
+                    <c:strCache>
+                      <c:ptCount val="1"/>
+                      <c:pt idx="0">
+                        <c:v>Manufacturing</c:v>
+                      </c:pt>
+                    </c:strCache>
+                  </c:strRef>
+                </c:tx>
+                <c:spPr>
+                  <a:ln w="28575" cap="rnd">
+                    <a:solidFill>
+                      <a:schemeClr val="accent3"/>
+                    </a:solidFill>
+                    <a:round/>
+                  </a:ln>
+                  <a:effectLst/>
+                </c:spPr>
+                <c:marker>
+                  <c:symbol val="none"/>
+                </c:marker>
+                <c:cat>
+                  <c:numRef>
+                    <c:extLst xmlns:c15="http://schemas.microsoft.com/office/drawing/2012/chart">
+                      <c:ext xmlns:c15="http://schemas.microsoft.com/office/drawing/2012/chart" uri="{02D57815-91ED-43cb-92C2-25804820EDAC}">
+                        <c15:formulaRef>
+                          <c15:sqref>Industry!$X$11:$AE$11</c15:sqref>
+                        </c15:formulaRef>
+                      </c:ext>
+                    </c:extLst>
+                    <c:numCache>
+                      <c:formatCode>General</c:formatCode>
+                      <c:ptCount val="8"/>
+                      <c:pt idx="0">
+                        <c:v>2015</c:v>
+                      </c:pt>
+                      <c:pt idx="1">
+                        <c:v>2016</c:v>
+                      </c:pt>
+                      <c:pt idx="2">
+                        <c:v>2017</c:v>
+                      </c:pt>
+                      <c:pt idx="3">
+                        <c:v>2018</c:v>
+                      </c:pt>
+                      <c:pt idx="4">
+                        <c:v>2019</c:v>
+                      </c:pt>
+                      <c:pt idx="5">
+                        <c:v>2020</c:v>
+                      </c:pt>
+                      <c:pt idx="6">
+                        <c:v>2021</c:v>
+                      </c:pt>
+                      <c:pt idx="7">
+                        <c:v>2022</c:v>
+                      </c:pt>
+                    </c:numCache>
+                  </c:numRef>
+                </c:cat>
+                <c:val>
+                  <c:numRef>
+                    <c:extLst xmlns:c15="http://schemas.microsoft.com/office/drawing/2012/chart">
+                      <c:ext xmlns:c15="http://schemas.microsoft.com/office/drawing/2012/chart" uri="{02D57815-91ED-43cb-92C2-25804820EDAC}">
+                        <c15:formulaRef>
+                          <c15:sqref>Industry!$X$14:$AE$14</c15:sqref>
+                        </c15:formulaRef>
+                      </c:ext>
+                    </c:extLst>
+                    <c:numCache>
+                      <c:formatCode>0.0%</c:formatCode>
+                      <c:ptCount val="8"/>
+                      <c:pt idx="0">
+                        <c:v>0.246306661921248</c:v>
+                      </c:pt>
+                      <c:pt idx="1">
+                        <c:v>0.18623843281562899</c:v>
+                      </c:pt>
+                      <c:pt idx="2">
+                        <c:v>0.27309691512446899</c:v>
+                      </c:pt>
+                      <c:pt idx="3">
+                        <c:v>0.19433288343154401</c:v>
+                      </c:pt>
+                      <c:pt idx="4">
+                        <c:v>0.21867492110832401</c:v>
+                      </c:pt>
+                      <c:pt idx="5">
+                        <c:v>0.240422338861422</c:v>
+                      </c:pt>
+                      <c:pt idx="6">
+                        <c:v>0.17821975816737801</c:v>
+                      </c:pt>
+                      <c:pt idx="7">
+                        <c:v>0.255563956418906</c:v>
+                      </c:pt>
+                    </c:numCache>
+                  </c:numRef>
+                </c:val>
+                <c:smooth val="0"/>
+                <c:extLst xmlns:c15="http://schemas.microsoft.com/office/drawing/2012/chart">
+                  <c:ext xmlns:c16="http://schemas.microsoft.com/office/drawing/2014/chart" uri="{C3380CC4-5D6E-409C-BE32-E72D297353CC}">
+                    <c16:uniqueId val="{00000004-6049-4B5C-B5DD-D3651E70327A}"/>
+                  </c:ext>
+                </c:extLst>
+              </c15:ser>
+            </c15:filteredLineSeries>
+            <c15:filteredLineSeries>
+              <c15:ser>
+                <c:idx val="3"/>
+                <c:order val="3"/>
+                <c:tx>
+                  <c:strRef>
+                    <c:extLst xmlns:c15="http://schemas.microsoft.com/office/drawing/2012/chart">
+                      <c:ext xmlns:c15="http://schemas.microsoft.com/office/drawing/2012/chart" uri="{02D57815-91ED-43cb-92C2-25804820EDAC}">
+                        <c15:formulaRef>
+                          <c15:sqref>Industry!$E$15</c15:sqref>
+                        </c15:formulaRef>
+                      </c:ext>
+                    </c:extLst>
+                    <c:strCache>
+                      <c:ptCount val="1"/>
+                      <c:pt idx="0">
+                        <c:v>Electricity, gas, steam and air conditioning supply</c:v>
+                      </c:pt>
+                    </c:strCache>
+                  </c:strRef>
+                </c:tx>
+                <c:spPr>
+                  <a:ln w="28575" cap="rnd">
+                    <a:solidFill>
+                      <a:schemeClr val="accent4"/>
+                    </a:solidFill>
+                    <a:round/>
+                  </a:ln>
+                  <a:effectLst/>
+                </c:spPr>
+                <c:marker>
+                  <c:symbol val="none"/>
+                </c:marker>
+                <c:cat>
+                  <c:numRef>
+                    <c:extLst xmlns:c15="http://schemas.microsoft.com/office/drawing/2012/chart">
+                      <c:ext xmlns:c15="http://schemas.microsoft.com/office/drawing/2012/chart" uri="{02D57815-91ED-43cb-92C2-25804820EDAC}">
+                        <c15:formulaRef>
+                          <c15:sqref>Industry!$X$11:$AE$11</c15:sqref>
+                        </c15:formulaRef>
+                      </c:ext>
+                    </c:extLst>
+                    <c:numCache>
+                      <c:formatCode>General</c:formatCode>
+                      <c:ptCount val="8"/>
+                      <c:pt idx="0">
+                        <c:v>2015</c:v>
+                      </c:pt>
+                      <c:pt idx="1">
+                        <c:v>2016</c:v>
+                      </c:pt>
+                      <c:pt idx="2">
+                        <c:v>2017</c:v>
+                      </c:pt>
+                      <c:pt idx="3">
+                        <c:v>2018</c:v>
+                      </c:pt>
+                      <c:pt idx="4">
+                        <c:v>2019</c:v>
+                      </c:pt>
+                      <c:pt idx="5">
+                        <c:v>2020</c:v>
+                      </c:pt>
+                      <c:pt idx="6">
+                        <c:v>2021</c:v>
+                      </c:pt>
+                      <c:pt idx="7">
+                        <c:v>2022</c:v>
+                      </c:pt>
+                    </c:numCache>
+                  </c:numRef>
+                </c:cat>
+                <c:val>
+                  <c:numRef>
+                    <c:extLst xmlns:c15="http://schemas.microsoft.com/office/drawing/2012/chart">
+                      <c:ext xmlns:c15="http://schemas.microsoft.com/office/drawing/2012/chart" uri="{02D57815-91ED-43cb-92C2-25804820EDAC}">
+                        <c15:formulaRef>
+                          <c15:sqref>Industry!$X$15:$AE$15</c15:sqref>
+                        </c15:formulaRef>
+                      </c:ext>
+                    </c:extLst>
+                    <c:numCache>
+                      <c:formatCode>0.0%</c:formatCode>
+                      <c:ptCount val="8"/>
+                      <c:pt idx="0">
+                        <c:v>0.214225292541943</c:v>
+                      </c:pt>
+                      <c:pt idx="1">
+                        <c:v>0.34264454745059802</c:v>
+                      </c:pt>
+                      <c:pt idx="2">
+                        <c:v>0.32423189365105598</c:v>
+                      </c:pt>
+                      <c:pt idx="3">
+                        <c:v>0.19821737395237499</c:v>
+                      </c:pt>
+                      <c:pt idx="4">
+                        <c:v>0.120386958079541</c:v>
+                      </c:pt>
+                      <c:pt idx="5">
+                        <c:v>0.18326168962189701</c:v>
+                      </c:pt>
+                      <c:pt idx="6">
+                        <c:v>0</c:v>
+                      </c:pt>
+                      <c:pt idx="7">
+                        <c:v>0</c:v>
+                      </c:pt>
+                    </c:numCache>
+                  </c:numRef>
+                </c:val>
+                <c:smooth val="0"/>
+                <c:extLst xmlns:c15="http://schemas.microsoft.com/office/drawing/2012/chart">
+                  <c:ext xmlns:c16="http://schemas.microsoft.com/office/drawing/2014/chart" uri="{C3380CC4-5D6E-409C-BE32-E72D297353CC}">
+                    <c16:uniqueId val="{00000005-6049-4B5C-B5DD-D3651E70327A}"/>
+                  </c:ext>
+                </c:extLst>
+              </c15:ser>
+            </c15:filteredLineSeries>
+            <c15:filteredLineSeries>
+              <c15:ser>
+                <c:idx val="4"/>
+                <c:order val="4"/>
+                <c:tx>
+                  <c:strRef>
+                    <c:extLst xmlns:c15="http://schemas.microsoft.com/office/drawing/2012/chart">
+                      <c:ext xmlns:c15="http://schemas.microsoft.com/office/drawing/2012/chart" uri="{02D57815-91ED-43cb-92C2-25804820EDAC}">
+                        <c15:formulaRef>
+                          <c15:sqref>Industry!$E$16</c15:sqref>
+                        </c15:formulaRef>
+                      </c:ext>
+                    </c:extLst>
+                    <c:strCache>
+                      <c:ptCount val="1"/>
+                      <c:pt idx="0">
+                        <c:v>Water </c:v>
+                      </c:pt>
+                    </c:strCache>
+                  </c:strRef>
+                </c:tx>
+                <c:spPr>
+                  <a:ln w="28575" cap="rnd">
+                    <a:solidFill>
+                      <a:schemeClr val="accent5"/>
+                    </a:solidFill>
+                    <a:round/>
+                  </a:ln>
+                  <a:effectLst/>
+                </c:spPr>
+                <c:marker>
+                  <c:symbol val="none"/>
+                </c:marker>
+                <c:cat>
+                  <c:numRef>
+                    <c:extLst xmlns:c15="http://schemas.microsoft.com/office/drawing/2012/chart">
+                      <c:ext xmlns:c15="http://schemas.microsoft.com/office/drawing/2012/chart" uri="{02D57815-91ED-43cb-92C2-25804820EDAC}">
+                        <c15:formulaRef>
+                          <c15:sqref>Industry!$X$11:$AE$11</c15:sqref>
+                        </c15:formulaRef>
+                      </c:ext>
+                    </c:extLst>
+                    <c:numCache>
+                      <c:formatCode>General</c:formatCode>
+                      <c:ptCount val="8"/>
+                      <c:pt idx="0">
+                        <c:v>2015</c:v>
+                      </c:pt>
+                      <c:pt idx="1">
+                        <c:v>2016</c:v>
+                      </c:pt>
+                      <c:pt idx="2">
+                        <c:v>2017</c:v>
+                      </c:pt>
+                      <c:pt idx="3">
+                        <c:v>2018</c:v>
+                      </c:pt>
+                      <c:pt idx="4">
+                        <c:v>2019</c:v>
+                      </c:pt>
+                      <c:pt idx="5">
+                        <c:v>2020</c:v>
+                      </c:pt>
+                      <c:pt idx="6">
+                        <c:v>2021</c:v>
+                      </c:pt>
+                      <c:pt idx="7">
+                        <c:v>2022</c:v>
+                      </c:pt>
+                    </c:numCache>
+                  </c:numRef>
+                </c:cat>
+                <c:val>
+                  <c:numRef>
+                    <c:extLst xmlns:c15="http://schemas.microsoft.com/office/drawing/2012/chart">
+                      <c:ext xmlns:c15="http://schemas.microsoft.com/office/drawing/2012/chart" uri="{02D57815-91ED-43cb-92C2-25804820EDAC}">
+                        <c15:formulaRef>
+                          <c15:sqref>Industry!$X$16:$AE$16</c15:sqref>
+                        </c15:formulaRef>
+                      </c:ext>
+                    </c:extLst>
+                    <c:numCache>
+                      <c:formatCode>0.0%</c:formatCode>
+                      <c:ptCount val="8"/>
+                      <c:pt idx="0">
+                        <c:v>6.4403697529928805E-2</c:v>
+                      </c:pt>
+                      <c:pt idx="1">
+                        <c:v>0</c:v>
+                      </c:pt>
+                      <c:pt idx="2">
+                        <c:v>7.8633677251327194E-2</c:v>
+                      </c:pt>
+                      <c:pt idx="3">
+                        <c:v>0.40747386487751602</c:v>
+                      </c:pt>
+                      <c:pt idx="4">
+                        <c:v>0.451661067562523</c:v>
+                      </c:pt>
+                      <c:pt idx="5">
+                        <c:v>7.3888163838971996E-2</c:v>
+                      </c:pt>
+                      <c:pt idx="6">
+                        <c:v>5.4859203296703303E-2</c:v>
+                      </c:pt>
+                      <c:pt idx="7">
+                        <c:v>0</c:v>
+                      </c:pt>
+                    </c:numCache>
+                  </c:numRef>
+                </c:val>
+                <c:smooth val="0"/>
+                <c:extLst xmlns:c15="http://schemas.microsoft.com/office/drawing/2012/chart">
+                  <c:ext xmlns:c16="http://schemas.microsoft.com/office/drawing/2014/chart" uri="{C3380CC4-5D6E-409C-BE32-E72D297353CC}">
+                    <c16:uniqueId val="{00000006-6049-4B5C-B5DD-D3651E70327A}"/>
+                  </c:ext>
+                </c:extLst>
+              </c15:ser>
+            </c15:filteredLineSeries>
+            <c15:filteredLineSeries>
+              <c15:ser>
+                <c:idx val="5"/>
+                <c:order val="5"/>
+                <c:tx>
+                  <c:strRef>
+                    <c:extLst xmlns:c15="http://schemas.microsoft.com/office/drawing/2012/chart">
+                      <c:ext xmlns:c15="http://schemas.microsoft.com/office/drawing/2012/chart" uri="{02D57815-91ED-43cb-92C2-25804820EDAC}">
+                        <c15:formulaRef>
+                          <c15:sqref>Industry!$E$17</c15:sqref>
+                        </c15:formulaRef>
+                      </c:ext>
+                    </c:extLst>
+                    <c:strCache>
+                      <c:ptCount val="1"/>
+                      <c:pt idx="0">
+                        <c:v>Construction</c:v>
+                      </c:pt>
+                    </c:strCache>
+                  </c:strRef>
+                </c:tx>
+                <c:spPr>
+                  <a:ln w="28575" cap="rnd">
+                    <a:solidFill>
+                      <a:schemeClr val="accent6"/>
+                    </a:solidFill>
+                    <a:round/>
+                  </a:ln>
+                  <a:effectLst/>
+                </c:spPr>
+                <c:marker>
+                  <c:symbol val="none"/>
+                </c:marker>
+                <c:cat>
+                  <c:numRef>
+                    <c:extLst xmlns:c15="http://schemas.microsoft.com/office/drawing/2012/chart">
+                      <c:ext xmlns:c15="http://schemas.microsoft.com/office/drawing/2012/chart" uri="{02D57815-91ED-43cb-92C2-25804820EDAC}">
+                        <c15:formulaRef>
+                          <c15:sqref>Industry!$X$11:$AE$11</c15:sqref>
+                        </c15:formulaRef>
+                      </c:ext>
+                    </c:extLst>
+                    <c:numCache>
+                      <c:formatCode>General</c:formatCode>
+                      <c:ptCount val="8"/>
+                      <c:pt idx="0">
+                        <c:v>2015</c:v>
+                      </c:pt>
+                      <c:pt idx="1">
+                        <c:v>2016</c:v>
+                      </c:pt>
+                      <c:pt idx="2">
+                        <c:v>2017</c:v>
+                      </c:pt>
+                      <c:pt idx="3">
+                        <c:v>2018</c:v>
+                      </c:pt>
+                      <c:pt idx="4">
+                        <c:v>2019</c:v>
+                      </c:pt>
+                      <c:pt idx="5">
+                        <c:v>2020</c:v>
+                      </c:pt>
+                      <c:pt idx="6">
+                        <c:v>2021</c:v>
+                      </c:pt>
+                      <c:pt idx="7">
+                        <c:v>2022</c:v>
+                      </c:pt>
+                    </c:numCache>
+                  </c:numRef>
+                </c:cat>
+                <c:val>
+                  <c:numRef>
+                    <c:extLst xmlns:c15="http://schemas.microsoft.com/office/drawing/2012/chart">
+                      <c:ext xmlns:c15="http://schemas.microsoft.com/office/drawing/2012/chart" uri="{02D57815-91ED-43cb-92C2-25804820EDAC}">
+                        <c15:formulaRef>
+                          <c15:sqref>Industry!$X$17:$AE$17</c15:sqref>
+                        </c15:formulaRef>
+                      </c:ext>
+                    </c:extLst>
+                    <c:numCache>
+                      <c:formatCode>0.0%</c:formatCode>
+                      <c:ptCount val="8"/>
+                      <c:pt idx="0">
+                        <c:v>0.189140831348376</c:v>
+                      </c:pt>
+                      <c:pt idx="1">
+                        <c:v>0.16438374546686699</c:v>
+                      </c:pt>
+                      <c:pt idx="2">
+                        <c:v>0.19499677700010901</c:v>
+                      </c:pt>
+                      <c:pt idx="3">
+                        <c:v>0.205289856362245</c:v>
+                      </c:pt>
+                      <c:pt idx="4">
+                        <c:v>0.145458040421793</c:v>
+                      </c:pt>
+                      <c:pt idx="5">
+                        <c:v>0.110969567606202</c:v>
+                      </c:pt>
+                      <c:pt idx="6">
+                        <c:v>0.12204123476478</c:v>
+                      </c:pt>
+                      <c:pt idx="7">
+                        <c:v>0.114199118499302</c:v>
+                      </c:pt>
+                    </c:numCache>
+                  </c:numRef>
+                </c:val>
+                <c:smooth val="0"/>
+                <c:extLst xmlns:c15="http://schemas.microsoft.com/office/drawing/2012/chart">
+                  <c:ext xmlns:c16="http://schemas.microsoft.com/office/drawing/2014/chart" uri="{C3380CC4-5D6E-409C-BE32-E72D297353CC}">
+                    <c16:uniqueId val="{00000007-6049-4B5C-B5DD-D3651E70327A}"/>
+                  </c:ext>
+                </c:extLst>
+              </c15:ser>
+            </c15:filteredLineSeries>
+            <c15:filteredLineSeries>
+              <c15:ser>
+                <c:idx val="7"/>
+                <c:order val="7"/>
+                <c:tx>
+                  <c:strRef>
+                    <c:extLst xmlns:c15="http://schemas.microsoft.com/office/drawing/2012/chart">
+                      <c:ext xmlns:c15="http://schemas.microsoft.com/office/drawing/2012/chart" uri="{02D57815-91ED-43cb-92C2-25804820EDAC}">
+                        <c15:formulaRef>
+                          <c15:sqref>Industry!$E$19</c15:sqref>
+                        </c15:formulaRef>
+                      </c:ext>
+                    </c:extLst>
+                    <c:strCache>
+                      <c:ptCount val="1"/>
+                      <c:pt idx="0">
+                        <c:v>Transport and storage </c:v>
+                      </c:pt>
+                    </c:strCache>
+                  </c:strRef>
+                </c:tx>
+                <c:spPr>
+                  <a:ln w="28575" cap="rnd">
+                    <a:solidFill>
+                      <a:schemeClr val="accent2">
+                        <a:lumMod val="60000"/>
+                      </a:schemeClr>
+                    </a:solidFill>
+                    <a:round/>
+                  </a:ln>
+                  <a:effectLst/>
+                </c:spPr>
+                <c:marker>
+                  <c:symbol val="none"/>
+                </c:marker>
+                <c:cat>
+                  <c:numRef>
+                    <c:extLst xmlns:c15="http://schemas.microsoft.com/office/drawing/2012/chart">
+                      <c:ext xmlns:c15="http://schemas.microsoft.com/office/drawing/2012/chart" uri="{02D57815-91ED-43cb-92C2-25804820EDAC}">
+                        <c15:formulaRef>
+                          <c15:sqref>Industry!$X$11:$AE$11</c15:sqref>
+                        </c15:formulaRef>
+                      </c:ext>
+                    </c:extLst>
+                    <c:numCache>
+                      <c:formatCode>General</c:formatCode>
+                      <c:ptCount val="8"/>
+                      <c:pt idx="0">
+                        <c:v>2015</c:v>
+                      </c:pt>
+                      <c:pt idx="1">
+                        <c:v>2016</c:v>
+                      </c:pt>
+                      <c:pt idx="2">
+                        <c:v>2017</c:v>
+                      </c:pt>
+                      <c:pt idx="3">
+                        <c:v>2018</c:v>
+                      </c:pt>
+                      <c:pt idx="4">
+                        <c:v>2019</c:v>
+                      </c:pt>
+                      <c:pt idx="5">
+                        <c:v>2020</c:v>
+                      </c:pt>
+                      <c:pt idx="6">
+                        <c:v>2021</c:v>
+                      </c:pt>
+                      <c:pt idx="7">
+                        <c:v>2022</c:v>
+                      </c:pt>
+                    </c:numCache>
+                  </c:numRef>
+                </c:cat>
+                <c:val>
+                  <c:numRef>
+                    <c:extLst xmlns:c15="http://schemas.microsoft.com/office/drawing/2012/chart">
+                      <c:ext xmlns:c15="http://schemas.microsoft.com/office/drawing/2012/chart" uri="{02D57815-91ED-43cb-92C2-25804820EDAC}">
+                        <c15:formulaRef>
+                          <c15:sqref>Industry!$X$19:$AE$19</c15:sqref>
+                        </c15:formulaRef>
+                      </c:ext>
+                    </c:extLst>
+                    <c:numCache>
+                      <c:formatCode>0.0%</c:formatCode>
+                      <c:ptCount val="8"/>
+                      <c:pt idx="0">
+                        <c:v>0.52699338151660902</c:v>
+                      </c:pt>
+                      <c:pt idx="1">
+                        <c:v>0.58141761548547799</c:v>
+                      </c:pt>
+                      <c:pt idx="2">
+                        <c:v>0.54133118239301703</c:v>
+                      </c:pt>
+                      <c:pt idx="3">
+                        <c:v>0.527769110764431</c:v>
+                      </c:pt>
+                      <c:pt idx="4">
+                        <c:v>0.53339109387463202</c:v>
+                      </c:pt>
+                      <c:pt idx="5">
+                        <c:v>0.43514648917016802</c:v>
+                      </c:pt>
+                      <c:pt idx="6">
+                        <c:v>0.46034546752319799</c:v>
+                      </c:pt>
+                      <c:pt idx="7">
+                        <c:v>0.46113496590168201</c:v>
+                      </c:pt>
+                    </c:numCache>
+                  </c:numRef>
+                </c:val>
+                <c:smooth val="0"/>
+                <c:extLst xmlns:c15="http://schemas.microsoft.com/office/drawing/2012/chart">
+                  <c:ext xmlns:c16="http://schemas.microsoft.com/office/drawing/2014/chart" uri="{C3380CC4-5D6E-409C-BE32-E72D297353CC}">
+                    <c16:uniqueId val="{00000008-6049-4B5C-B5DD-D3651E70327A}"/>
+                  </c:ext>
+                </c:extLst>
+              </c15:ser>
+            </c15:filteredLineSeries>
+            <c15:filteredLineSeries>
+              <c15:ser>
+                <c:idx val="9"/>
+                <c:order val="9"/>
+                <c:tx>
+                  <c:strRef>
+                    <c:extLst xmlns:c15="http://schemas.microsoft.com/office/drawing/2012/chart">
+                      <c:ext xmlns:c15="http://schemas.microsoft.com/office/drawing/2012/chart" uri="{02D57815-91ED-43cb-92C2-25804820EDAC}">
+                        <c15:formulaRef>
+                          <c15:sqref>Industry!$E$21</c15:sqref>
+                        </c15:formulaRef>
+                      </c:ext>
+                    </c:extLst>
+                    <c:strCache>
+                      <c:ptCount val="1"/>
+                      <c:pt idx="0">
+                        <c:v>Information and communication </c:v>
+                      </c:pt>
+                    </c:strCache>
+                  </c:strRef>
+                </c:tx>
+                <c:spPr>
+                  <a:ln w="28575" cap="rnd">
+                    <a:solidFill>
+                      <a:schemeClr val="accent4">
+                        <a:lumMod val="60000"/>
+                      </a:schemeClr>
+                    </a:solidFill>
+                    <a:round/>
+                  </a:ln>
+                  <a:effectLst/>
+                </c:spPr>
+                <c:marker>
+                  <c:symbol val="none"/>
+                </c:marker>
+                <c:cat>
+                  <c:numRef>
+                    <c:extLst xmlns:c15="http://schemas.microsoft.com/office/drawing/2012/chart">
+                      <c:ext xmlns:c15="http://schemas.microsoft.com/office/drawing/2012/chart" uri="{02D57815-91ED-43cb-92C2-25804820EDAC}">
+                        <c15:formulaRef>
+                          <c15:sqref>Industry!$X$11:$AE$11</c15:sqref>
+                        </c15:formulaRef>
+                      </c:ext>
+                    </c:extLst>
+                    <c:numCache>
+                      <c:formatCode>General</c:formatCode>
+                      <c:ptCount val="8"/>
+                      <c:pt idx="0">
+                        <c:v>2015</c:v>
+                      </c:pt>
+                      <c:pt idx="1">
+                        <c:v>2016</c:v>
+                      </c:pt>
+                      <c:pt idx="2">
+                        <c:v>2017</c:v>
+                      </c:pt>
+                      <c:pt idx="3">
+                        <c:v>2018</c:v>
+                      </c:pt>
+                      <c:pt idx="4">
+                        <c:v>2019</c:v>
+                      </c:pt>
+                      <c:pt idx="5">
+                        <c:v>2020</c:v>
+                      </c:pt>
+                      <c:pt idx="6">
+                        <c:v>2021</c:v>
+                      </c:pt>
+                      <c:pt idx="7">
+                        <c:v>2022</c:v>
+                      </c:pt>
+                    </c:numCache>
+                  </c:numRef>
+                </c:cat>
+                <c:val>
+                  <c:numRef>
+                    <c:extLst xmlns:c15="http://schemas.microsoft.com/office/drawing/2012/chart">
+                      <c:ext xmlns:c15="http://schemas.microsoft.com/office/drawing/2012/chart" uri="{02D57815-91ED-43cb-92C2-25804820EDAC}">
+                        <c15:formulaRef>
+                          <c15:sqref>Industry!$X$21:$AE$21</c15:sqref>
+                        </c15:formulaRef>
+                      </c:ext>
+                    </c:extLst>
+                    <c:numCache>
+                      <c:formatCode>0.0%</c:formatCode>
+                      <c:ptCount val="8"/>
+                      <c:pt idx="0">
+                        <c:v>0.28384493914651099</c:v>
+                      </c:pt>
+                      <c:pt idx="1">
+                        <c:v>0.27579804256226997</c:v>
+                      </c:pt>
+                      <c:pt idx="2">
+                        <c:v>0.28822249107449999</c:v>
+                      </c:pt>
+                      <c:pt idx="3">
+                        <c:v>0.16028148345013701</c:v>
+                      </c:pt>
+                      <c:pt idx="4">
+                        <c:v>0.26478768004649</c:v>
+                      </c:pt>
+                      <c:pt idx="5">
+                        <c:v>0.18873800244234801</c:v>
+                      </c:pt>
+                      <c:pt idx="6">
+                        <c:v>0.268650965544805</c:v>
+                      </c:pt>
+                      <c:pt idx="7">
+                        <c:v>0.260400643838755</c:v>
+                      </c:pt>
+                    </c:numCache>
+                  </c:numRef>
+                </c:val>
+                <c:smooth val="0"/>
+                <c:extLst xmlns:c15="http://schemas.microsoft.com/office/drawing/2012/chart">
+                  <c:ext xmlns:c16="http://schemas.microsoft.com/office/drawing/2014/chart" uri="{C3380CC4-5D6E-409C-BE32-E72D297353CC}">
+                    <c16:uniqueId val="{00000009-6049-4B5C-B5DD-D3651E70327A}"/>
+                  </c:ext>
+                </c:extLst>
+              </c15:ser>
+            </c15:filteredLineSeries>
+            <c15:filteredLineSeries>
+              <c15:ser>
+                <c:idx val="10"/>
+                <c:order val="10"/>
+                <c:tx>
+                  <c:strRef>
+                    <c:extLst xmlns:c15="http://schemas.microsoft.com/office/drawing/2012/chart">
+                      <c:ext xmlns:c15="http://schemas.microsoft.com/office/drawing/2012/chart" uri="{02D57815-91ED-43cb-92C2-25804820EDAC}">
+                        <c15:formulaRef>
+                          <c15:sqref>Industry!$E$22</c15:sqref>
+                        </c15:formulaRef>
+                      </c:ext>
+                    </c:extLst>
+                    <c:strCache>
+                      <c:ptCount val="1"/>
+                      <c:pt idx="0">
+                        <c:v>Financial and insurance activities</c:v>
+                      </c:pt>
+                    </c:strCache>
+                  </c:strRef>
+                </c:tx>
+                <c:spPr>
+                  <a:ln w="28575" cap="rnd">
+                    <a:solidFill>
+                      <a:schemeClr val="accent5">
+                        <a:lumMod val="60000"/>
+                      </a:schemeClr>
+                    </a:solidFill>
+                    <a:round/>
+                  </a:ln>
+                  <a:effectLst/>
+                </c:spPr>
+                <c:marker>
+                  <c:symbol val="none"/>
+                </c:marker>
+                <c:cat>
+                  <c:numRef>
+                    <c:extLst xmlns:c15="http://schemas.microsoft.com/office/drawing/2012/chart">
+                      <c:ext xmlns:c15="http://schemas.microsoft.com/office/drawing/2012/chart" uri="{02D57815-91ED-43cb-92C2-25804820EDAC}">
+                        <c15:formulaRef>
+                          <c15:sqref>Industry!$X$11:$AE$11</c15:sqref>
+                        </c15:formulaRef>
+                      </c:ext>
+                    </c:extLst>
+                    <c:numCache>
+                      <c:formatCode>General</c:formatCode>
+                      <c:ptCount val="8"/>
+                      <c:pt idx="0">
+                        <c:v>2015</c:v>
+                      </c:pt>
+                      <c:pt idx="1">
+                        <c:v>2016</c:v>
+                      </c:pt>
+                      <c:pt idx="2">
+                        <c:v>2017</c:v>
+                      </c:pt>
+                      <c:pt idx="3">
+                        <c:v>2018</c:v>
+                      </c:pt>
+                      <c:pt idx="4">
+                        <c:v>2019</c:v>
+                      </c:pt>
+                      <c:pt idx="5">
+                        <c:v>2020</c:v>
+                      </c:pt>
+                      <c:pt idx="6">
+                        <c:v>2021</c:v>
+                      </c:pt>
+                      <c:pt idx="7">
+                        <c:v>2022</c:v>
+                      </c:pt>
+                    </c:numCache>
+                  </c:numRef>
+                </c:cat>
+                <c:val>
+                  <c:numRef>
+                    <c:extLst xmlns:c15="http://schemas.microsoft.com/office/drawing/2012/chart">
+                      <c:ext xmlns:c15="http://schemas.microsoft.com/office/drawing/2012/chart" uri="{02D57815-91ED-43cb-92C2-25804820EDAC}">
+                        <c15:formulaRef>
+                          <c15:sqref>Industry!$X$22:$AE$22</c15:sqref>
+                        </c15:formulaRef>
+                      </c:ext>
+                    </c:extLst>
+                    <c:numCache>
+                      <c:formatCode>0.0%</c:formatCode>
+                      <c:ptCount val="8"/>
+                      <c:pt idx="0">
+                        <c:v>0.20458023955503499</c:v>
+                      </c:pt>
+                      <c:pt idx="1">
+                        <c:v>0.21582637291116</c:v>
+                      </c:pt>
+                      <c:pt idx="2">
+                        <c:v>0.21367459533590399</c:v>
+                      </c:pt>
+                      <c:pt idx="3">
+                        <c:v>0.18120760758677901</c:v>
+                      </c:pt>
+                      <c:pt idx="4">
+                        <c:v>0.19007192266072001</c:v>
+                      </c:pt>
+                      <c:pt idx="5">
+                        <c:v>0.20047479934075499</c:v>
+                      </c:pt>
+                      <c:pt idx="6">
+                        <c:v>0.206493020299442</c:v>
+                      </c:pt>
+                      <c:pt idx="7">
+                        <c:v>0.172414477273855</c:v>
+                      </c:pt>
+                    </c:numCache>
+                  </c:numRef>
+                </c:val>
+                <c:smooth val="0"/>
+                <c:extLst xmlns:c15="http://schemas.microsoft.com/office/drawing/2012/chart">
+                  <c:ext xmlns:c16="http://schemas.microsoft.com/office/drawing/2014/chart" uri="{C3380CC4-5D6E-409C-BE32-E72D297353CC}">
+                    <c16:uniqueId val="{0000000A-6049-4B5C-B5DD-D3651E70327A}"/>
+                  </c:ext>
+                </c:extLst>
+              </c15:ser>
+            </c15:filteredLineSeries>
+            <c15:filteredLineSeries>
+              <c15:ser>
+                <c:idx val="11"/>
+                <c:order val="11"/>
+                <c:tx>
+                  <c:strRef>
+                    <c:extLst xmlns:c15="http://schemas.microsoft.com/office/drawing/2012/chart">
+                      <c:ext xmlns:c15="http://schemas.microsoft.com/office/drawing/2012/chart" uri="{02D57815-91ED-43cb-92C2-25804820EDAC}">
+                        <c15:formulaRef>
+                          <c15:sqref>Industry!$E$23</c15:sqref>
+                        </c15:formulaRef>
+                      </c:ext>
+                    </c:extLst>
+                    <c:strCache>
+                      <c:ptCount val="1"/>
+                      <c:pt idx="0">
+                        <c:v>Property </c:v>
+                      </c:pt>
+                    </c:strCache>
+                  </c:strRef>
+                </c:tx>
+                <c:spPr>
+                  <a:ln w="28575" cap="rnd">
+                    <a:solidFill>
+                      <a:schemeClr val="accent6">
+                        <a:lumMod val="60000"/>
+                      </a:schemeClr>
+                    </a:solidFill>
+                    <a:round/>
+                  </a:ln>
+                  <a:effectLst/>
+                </c:spPr>
+                <c:marker>
+                  <c:symbol val="none"/>
+                </c:marker>
+                <c:cat>
+                  <c:numRef>
+                    <c:extLst xmlns:c15="http://schemas.microsoft.com/office/drawing/2012/chart">
+                      <c:ext xmlns:c15="http://schemas.microsoft.com/office/drawing/2012/chart" uri="{02D57815-91ED-43cb-92C2-25804820EDAC}">
+                        <c15:formulaRef>
+                          <c15:sqref>Industry!$X$11:$AE$11</c15:sqref>
+                        </c15:formulaRef>
+                      </c:ext>
+                    </c:extLst>
+                    <c:numCache>
+                      <c:formatCode>General</c:formatCode>
+                      <c:ptCount val="8"/>
+                      <c:pt idx="0">
+                        <c:v>2015</c:v>
+                      </c:pt>
+                      <c:pt idx="1">
+                        <c:v>2016</c:v>
+                      </c:pt>
+                      <c:pt idx="2">
+                        <c:v>2017</c:v>
+                      </c:pt>
+                      <c:pt idx="3">
+                        <c:v>2018</c:v>
+                      </c:pt>
+                      <c:pt idx="4">
+                        <c:v>2019</c:v>
+                      </c:pt>
+                      <c:pt idx="5">
+                        <c:v>2020</c:v>
+                      </c:pt>
+                      <c:pt idx="6">
+                        <c:v>2021</c:v>
+                      </c:pt>
+                      <c:pt idx="7">
+                        <c:v>2022</c:v>
+                      </c:pt>
+                    </c:numCache>
+                  </c:numRef>
+                </c:cat>
+                <c:val>
+                  <c:numRef>
+                    <c:extLst xmlns:c15="http://schemas.microsoft.com/office/drawing/2012/chart">
+                      <c:ext xmlns:c15="http://schemas.microsoft.com/office/drawing/2012/chart" uri="{02D57815-91ED-43cb-92C2-25804820EDAC}">
+                        <c15:formulaRef>
+                          <c15:sqref>Industry!$X$23:$AE$23</c15:sqref>
+                        </c15:formulaRef>
+                      </c:ext>
+                    </c:extLst>
+                    <c:numCache>
+                      <c:formatCode>0.0%</c:formatCode>
+                      <c:ptCount val="8"/>
+                      <c:pt idx="0">
+                        <c:v>0.21555802137475899</c:v>
+                      </c:pt>
+                      <c:pt idx="1">
+                        <c:v>0.184371923979708</c:v>
+                      </c:pt>
+                      <c:pt idx="2">
+                        <c:v>0.11338643870215701</c:v>
+                      </c:pt>
+                      <c:pt idx="3">
+                        <c:v>0.173340266944011</c:v>
+                      </c:pt>
+                      <c:pt idx="4">
+                        <c:v>0.15250717541786299</c:v>
+                      </c:pt>
+                      <c:pt idx="5">
+                        <c:v>5.8897340370485399E-2</c:v>
+                      </c:pt>
+                      <c:pt idx="6">
+                        <c:v>0.12735556353897901</c:v>
+                      </c:pt>
+                      <c:pt idx="7">
+                        <c:v>0.11954924056834899</c:v>
+                      </c:pt>
+                    </c:numCache>
+                  </c:numRef>
+                </c:val>
+                <c:smooth val="0"/>
+                <c:extLst xmlns:c15="http://schemas.microsoft.com/office/drawing/2012/chart">
+                  <c:ext xmlns:c16="http://schemas.microsoft.com/office/drawing/2014/chart" uri="{C3380CC4-5D6E-409C-BE32-E72D297353CC}">
+                    <c16:uniqueId val="{0000000B-6049-4B5C-B5DD-D3651E70327A}"/>
+                  </c:ext>
+                </c:extLst>
+              </c15:ser>
+            </c15:filteredLineSeries>
+            <c15:filteredLineSeries>
+              <c15:ser>
+                <c:idx val="12"/>
+                <c:order val="12"/>
+                <c:tx>
+                  <c:strRef>
+                    <c:extLst xmlns:c15="http://schemas.microsoft.com/office/drawing/2012/chart">
+                      <c:ext xmlns:c15="http://schemas.microsoft.com/office/drawing/2012/chart" uri="{02D57815-91ED-43cb-92C2-25804820EDAC}">
+                        <c15:formulaRef>
+                          <c15:sqref>Industry!$E$24</c15:sqref>
+                        </c15:formulaRef>
+                      </c:ext>
+                    </c:extLst>
+                    <c:strCache>
+                      <c:ptCount val="1"/>
+                      <c:pt idx="0">
+                        <c:v>Professional and scientific </c:v>
+                      </c:pt>
+                    </c:strCache>
+                  </c:strRef>
+                </c:tx>
+                <c:spPr>
+                  <a:ln w="28575" cap="rnd">
+                    <a:solidFill>
+                      <a:schemeClr val="accent1">
+                        <a:lumMod val="80000"/>
+                        <a:lumOff val="20000"/>
+                      </a:schemeClr>
+                    </a:solidFill>
+                    <a:round/>
+                  </a:ln>
+                  <a:effectLst/>
+                </c:spPr>
+                <c:marker>
+                  <c:symbol val="none"/>
+                </c:marker>
+                <c:cat>
+                  <c:numRef>
+                    <c:extLst xmlns:c15="http://schemas.microsoft.com/office/drawing/2012/chart">
+                      <c:ext xmlns:c15="http://schemas.microsoft.com/office/drawing/2012/chart" uri="{02D57815-91ED-43cb-92C2-25804820EDAC}">
+                        <c15:formulaRef>
+                          <c15:sqref>Industry!$X$11:$AE$11</c15:sqref>
+                        </c15:formulaRef>
+                      </c:ext>
+                    </c:extLst>
+                    <c:numCache>
+                      <c:formatCode>General</c:formatCode>
+                      <c:ptCount val="8"/>
+                      <c:pt idx="0">
+                        <c:v>2015</c:v>
+                      </c:pt>
+                      <c:pt idx="1">
+                        <c:v>2016</c:v>
+                      </c:pt>
+                      <c:pt idx="2">
+                        <c:v>2017</c:v>
+                      </c:pt>
+                      <c:pt idx="3">
+                        <c:v>2018</c:v>
+                      </c:pt>
+                      <c:pt idx="4">
+                        <c:v>2019</c:v>
+                      </c:pt>
+                      <c:pt idx="5">
+                        <c:v>2020</c:v>
+                      </c:pt>
+                      <c:pt idx="6">
+                        <c:v>2021</c:v>
+                      </c:pt>
+                      <c:pt idx="7">
+                        <c:v>2022</c:v>
+                      </c:pt>
+                    </c:numCache>
+                  </c:numRef>
+                </c:cat>
+                <c:val>
+                  <c:numRef>
+                    <c:extLst xmlns:c15="http://schemas.microsoft.com/office/drawing/2012/chart">
+                      <c:ext xmlns:c15="http://schemas.microsoft.com/office/drawing/2012/chart" uri="{02D57815-91ED-43cb-92C2-25804820EDAC}">
+                        <c15:formulaRef>
+                          <c15:sqref>Industry!$X$24:$AE$24</c15:sqref>
+                        </c15:formulaRef>
+                      </c:ext>
+                    </c:extLst>
+                    <c:numCache>
+                      <c:formatCode>0.0%</c:formatCode>
+                      <c:ptCount val="8"/>
+                      <c:pt idx="0">
+                        <c:v>0.26922676423567599</c:v>
+                      </c:pt>
+                      <c:pt idx="1">
+                        <c:v>0.27300279019335699</c:v>
+                      </c:pt>
+                      <c:pt idx="2">
+                        <c:v>0.25660177376795501</c:v>
+                      </c:pt>
+                      <c:pt idx="3">
+                        <c:v>0.25074592981773403</c:v>
+                      </c:pt>
+                      <c:pt idx="4">
+                        <c:v>0.238257645968489</c:v>
+                      </c:pt>
+                      <c:pt idx="5">
+                        <c:v>0.26075414235413902</c:v>
+                      </c:pt>
+                      <c:pt idx="6">
+                        <c:v>0.19854072870735701</c:v>
+                      </c:pt>
+                      <c:pt idx="7">
+                        <c:v>0.201680333811281</c:v>
+                      </c:pt>
+                    </c:numCache>
+                  </c:numRef>
+                </c:val>
+                <c:smooth val="0"/>
+                <c:extLst xmlns:c15="http://schemas.microsoft.com/office/drawing/2012/chart">
+                  <c:ext xmlns:c16="http://schemas.microsoft.com/office/drawing/2014/chart" uri="{C3380CC4-5D6E-409C-BE32-E72D297353CC}">
+                    <c16:uniqueId val="{0000000C-6049-4B5C-B5DD-D3651E70327A}"/>
+                  </c:ext>
+                </c:extLst>
+              </c15:ser>
+            </c15:filteredLineSeries>
+            <c15:filteredLineSeries>
+              <c15:ser>
+                <c:idx val="13"/>
+                <c:order val="13"/>
+                <c:tx>
+                  <c:strRef>
+                    <c:extLst xmlns:c15="http://schemas.microsoft.com/office/drawing/2012/chart">
+                      <c:ext xmlns:c15="http://schemas.microsoft.com/office/drawing/2012/chart" uri="{02D57815-91ED-43cb-92C2-25804820EDAC}">
+                        <c15:formulaRef>
+                          <c15:sqref>Industry!$E$25</c15:sqref>
+                        </c15:formulaRef>
+                      </c:ext>
+                    </c:extLst>
+                    <c:strCache>
+                      <c:ptCount val="1"/>
+                      <c:pt idx="0">
+                        <c:v>Administration </c:v>
+                      </c:pt>
+                    </c:strCache>
+                  </c:strRef>
+                </c:tx>
+                <c:spPr>
+                  <a:ln w="28575" cap="rnd">
+                    <a:solidFill>
+                      <a:schemeClr val="accent2">
+                        <a:lumMod val="80000"/>
+                        <a:lumOff val="20000"/>
+                      </a:schemeClr>
+                    </a:solidFill>
+                    <a:round/>
+                  </a:ln>
+                  <a:effectLst/>
+                </c:spPr>
+                <c:marker>
+                  <c:symbol val="none"/>
+                </c:marker>
+                <c:cat>
+                  <c:numRef>
+                    <c:extLst xmlns:c15="http://schemas.microsoft.com/office/drawing/2012/chart">
+                      <c:ext xmlns:c15="http://schemas.microsoft.com/office/drawing/2012/chart" uri="{02D57815-91ED-43cb-92C2-25804820EDAC}">
+                        <c15:formulaRef>
+                          <c15:sqref>Industry!$X$11:$AE$11</c15:sqref>
+                        </c15:formulaRef>
+                      </c:ext>
+                    </c:extLst>
+                    <c:numCache>
+                      <c:formatCode>General</c:formatCode>
+                      <c:ptCount val="8"/>
+                      <c:pt idx="0">
+                        <c:v>2015</c:v>
+                      </c:pt>
+                      <c:pt idx="1">
+                        <c:v>2016</c:v>
+                      </c:pt>
+                      <c:pt idx="2">
+                        <c:v>2017</c:v>
+                      </c:pt>
+                      <c:pt idx="3">
+                        <c:v>2018</c:v>
+                      </c:pt>
+                      <c:pt idx="4">
+                        <c:v>2019</c:v>
+                      </c:pt>
+                      <c:pt idx="5">
+                        <c:v>2020</c:v>
+                      </c:pt>
+                      <c:pt idx="6">
+                        <c:v>2021</c:v>
+                      </c:pt>
+                      <c:pt idx="7">
+                        <c:v>2022</c:v>
+                      </c:pt>
+                    </c:numCache>
+                  </c:numRef>
+                </c:cat>
+                <c:val>
+                  <c:numRef>
+                    <c:extLst xmlns:c15="http://schemas.microsoft.com/office/drawing/2012/chart">
+                      <c:ext xmlns:c15="http://schemas.microsoft.com/office/drawing/2012/chart" uri="{02D57815-91ED-43cb-92C2-25804820EDAC}">
+                        <c15:formulaRef>
+                          <c15:sqref>Industry!$X$25:$AE$25</c15:sqref>
+                        </c15:formulaRef>
+                      </c:ext>
+                    </c:extLst>
+                    <c:numCache>
+                      <c:formatCode>0.0%</c:formatCode>
+                      <c:ptCount val="8"/>
+                      <c:pt idx="0">
+                        <c:v>0.33237782706633601</c:v>
+                      </c:pt>
+                      <c:pt idx="1">
+                        <c:v>0.27219761028504902</c:v>
+                      </c:pt>
+                      <c:pt idx="2">
+                        <c:v>0.33247224629269301</c:v>
+                      </c:pt>
+                      <c:pt idx="3">
+                        <c:v>0.22696388450636701</c:v>
+                      </c:pt>
+                      <c:pt idx="4">
+                        <c:v>0.29633526139587202</c:v>
+                      </c:pt>
+                      <c:pt idx="5">
+                        <c:v>0.269445046346455</c:v>
+                      </c:pt>
+                      <c:pt idx="6">
+                        <c:v>0.197135486166711</c:v>
+                      </c:pt>
+                      <c:pt idx="7">
+                        <c:v>0.29274386161271898</c:v>
+                      </c:pt>
+                    </c:numCache>
+                  </c:numRef>
+                </c:val>
+                <c:smooth val="0"/>
+                <c:extLst xmlns:c15="http://schemas.microsoft.com/office/drawing/2012/chart">
+                  <c:ext xmlns:c16="http://schemas.microsoft.com/office/drawing/2014/chart" uri="{C3380CC4-5D6E-409C-BE32-E72D297353CC}">
+                    <c16:uniqueId val="{0000000D-6049-4B5C-B5DD-D3651E70327A}"/>
+                  </c:ext>
+                </c:extLst>
+              </c15:ser>
+            </c15:filteredLineSeries>
+            <c15:filteredLineSeries>
+              <c15:ser>
+                <c:idx val="14"/>
+                <c:order val="14"/>
+                <c:tx>
+                  <c:strRef>
+                    <c:extLst xmlns:c15="http://schemas.microsoft.com/office/drawing/2012/chart">
+                      <c:ext xmlns:c15="http://schemas.microsoft.com/office/drawing/2012/chart" uri="{02D57815-91ED-43cb-92C2-25804820EDAC}">
+                        <c15:formulaRef>
+                          <c15:sqref>Industry!$E$26</c15:sqref>
+                        </c15:formulaRef>
+                      </c:ext>
+                    </c:extLst>
+                    <c:strCache>
+                      <c:ptCount val="1"/>
+                      <c:pt idx="0">
+                        <c:v>Public</c:v>
+                      </c:pt>
+                    </c:strCache>
+                  </c:strRef>
+                </c:tx>
+                <c:spPr>
+                  <a:ln w="28575" cap="rnd">
+                    <a:solidFill>
+                      <a:schemeClr val="accent3">
+                        <a:lumMod val="80000"/>
+                        <a:lumOff val="20000"/>
+                      </a:schemeClr>
+                    </a:solidFill>
+                    <a:round/>
+                  </a:ln>
+                  <a:effectLst/>
+                </c:spPr>
+                <c:marker>
+                  <c:symbol val="none"/>
+                </c:marker>
+                <c:cat>
+                  <c:numRef>
+                    <c:extLst xmlns:c15="http://schemas.microsoft.com/office/drawing/2012/chart">
+                      <c:ext xmlns:c15="http://schemas.microsoft.com/office/drawing/2012/chart" uri="{02D57815-91ED-43cb-92C2-25804820EDAC}">
+                        <c15:formulaRef>
+                          <c15:sqref>Industry!$X$11:$AE$11</c15:sqref>
+                        </c15:formulaRef>
+                      </c:ext>
+                    </c:extLst>
+                    <c:numCache>
+                      <c:formatCode>General</c:formatCode>
+                      <c:ptCount val="8"/>
+                      <c:pt idx="0">
+                        <c:v>2015</c:v>
+                      </c:pt>
+                      <c:pt idx="1">
+                        <c:v>2016</c:v>
+                      </c:pt>
+                      <c:pt idx="2">
+                        <c:v>2017</c:v>
+                      </c:pt>
+                      <c:pt idx="3">
+                        <c:v>2018</c:v>
+                      </c:pt>
+                      <c:pt idx="4">
+                        <c:v>2019</c:v>
+                      </c:pt>
+                      <c:pt idx="5">
+                        <c:v>2020</c:v>
+                      </c:pt>
+                      <c:pt idx="6">
+                        <c:v>2021</c:v>
+                      </c:pt>
+                      <c:pt idx="7">
+                        <c:v>2022</c:v>
+                      </c:pt>
+                    </c:numCache>
+                  </c:numRef>
+                </c:cat>
+                <c:val>
+                  <c:numRef>
+                    <c:extLst xmlns:c15="http://schemas.microsoft.com/office/drawing/2012/chart">
+                      <c:ext xmlns:c15="http://schemas.microsoft.com/office/drawing/2012/chart" uri="{02D57815-91ED-43cb-92C2-25804820EDAC}">
+                        <c15:formulaRef>
+                          <c15:sqref>Industry!$X$26:$AE$26</c15:sqref>
+                        </c15:formulaRef>
+                      </c:ext>
+                    </c:extLst>
+                    <c:numCache>
+                      <c:formatCode>0.0%</c:formatCode>
+                      <c:ptCount val="8"/>
+                      <c:pt idx="0">
+                        <c:v>0.32804661871676299</c:v>
+                      </c:pt>
+                      <c:pt idx="1">
+                        <c:v>0.30939018043025701</c:v>
+                      </c:pt>
+                      <c:pt idx="2">
+                        <c:v>0.31919509191363399</c:v>
+                      </c:pt>
+                      <c:pt idx="3">
+                        <c:v>0.21786053176124501</c:v>
+                      </c:pt>
+                      <c:pt idx="4">
+                        <c:v>0.24415807125000499</c:v>
+                      </c:pt>
+                      <c:pt idx="5">
+                        <c:v>0.25115160645479001</c:v>
+                      </c:pt>
+                      <c:pt idx="6">
+                        <c:v>0.27657301111155502</c:v>
+                      </c:pt>
+                      <c:pt idx="7">
+                        <c:v>0.22883530541328301</c:v>
+                      </c:pt>
+                    </c:numCache>
+                  </c:numRef>
+                </c:val>
+                <c:smooth val="0"/>
+                <c:extLst xmlns:c15="http://schemas.microsoft.com/office/drawing/2012/chart">
+                  <c:ext xmlns:c16="http://schemas.microsoft.com/office/drawing/2014/chart" uri="{C3380CC4-5D6E-409C-BE32-E72D297353CC}">
+                    <c16:uniqueId val="{0000000E-6049-4B5C-B5DD-D3651E70327A}"/>
+                  </c:ext>
+                </c:extLst>
+              </c15:ser>
+            </c15:filteredLineSeries>
+            <c15:filteredLineSeries>
+              <c15:ser>
+                <c:idx val="15"/>
+                <c:order val="15"/>
+                <c:tx>
+                  <c:strRef>
+                    <c:extLst xmlns:c15="http://schemas.microsoft.com/office/drawing/2012/chart">
+                      <c:ext xmlns:c15="http://schemas.microsoft.com/office/drawing/2012/chart" uri="{02D57815-91ED-43cb-92C2-25804820EDAC}">
+                        <c15:formulaRef>
+                          <c15:sqref>Industry!$E$27</c15:sqref>
+                        </c15:formulaRef>
+                      </c:ext>
+                    </c:extLst>
+                    <c:strCache>
+                      <c:ptCount val="1"/>
+                      <c:pt idx="0">
+                        <c:v>Education</c:v>
+                      </c:pt>
+                    </c:strCache>
+                  </c:strRef>
+                </c:tx>
+                <c:spPr>
+                  <a:ln w="28575" cap="rnd">
+                    <a:solidFill>
+                      <a:schemeClr val="accent4">
+                        <a:lumMod val="80000"/>
+                        <a:lumOff val="20000"/>
+                      </a:schemeClr>
+                    </a:solidFill>
+                    <a:round/>
+                  </a:ln>
+                  <a:effectLst/>
+                </c:spPr>
+                <c:marker>
+                  <c:symbol val="none"/>
+                </c:marker>
+                <c:cat>
+                  <c:numRef>
+                    <c:extLst xmlns:c15="http://schemas.microsoft.com/office/drawing/2012/chart">
+                      <c:ext xmlns:c15="http://schemas.microsoft.com/office/drawing/2012/chart" uri="{02D57815-91ED-43cb-92C2-25804820EDAC}">
+                        <c15:formulaRef>
+                          <c15:sqref>Industry!$X$11:$AE$11</c15:sqref>
+                        </c15:formulaRef>
+                      </c:ext>
+                    </c:extLst>
+                    <c:numCache>
+                      <c:formatCode>General</c:formatCode>
+                      <c:ptCount val="8"/>
+                      <c:pt idx="0">
+                        <c:v>2015</c:v>
+                      </c:pt>
+                      <c:pt idx="1">
+                        <c:v>2016</c:v>
+                      </c:pt>
+                      <c:pt idx="2">
+                        <c:v>2017</c:v>
+                      </c:pt>
+                      <c:pt idx="3">
+                        <c:v>2018</c:v>
+                      </c:pt>
+                      <c:pt idx="4">
+                        <c:v>2019</c:v>
+                      </c:pt>
+                      <c:pt idx="5">
+                        <c:v>2020</c:v>
+                      </c:pt>
+                      <c:pt idx="6">
+                        <c:v>2021</c:v>
+                      </c:pt>
+                      <c:pt idx="7">
+                        <c:v>2022</c:v>
+                      </c:pt>
+                    </c:numCache>
+                  </c:numRef>
+                </c:cat>
+                <c:val>
+                  <c:numRef>
+                    <c:extLst xmlns:c15="http://schemas.microsoft.com/office/drawing/2012/chart">
+                      <c:ext xmlns:c15="http://schemas.microsoft.com/office/drawing/2012/chart" uri="{02D57815-91ED-43cb-92C2-25804820EDAC}">
+                        <c15:formulaRef>
+                          <c15:sqref>Industry!$X$27:$AE$27</c15:sqref>
+                        </c15:formulaRef>
+                      </c:ext>
+                    </c:extLst>
+                    <c:numCache>
+                      <c:formatCode>0.0%</c:formatCode>
+                      <c:ptCount val="8"/>
+                      <c:pt idx="0">
+                        <c:v>0.21216637033535099</c:v>
+                      </c:pt>
+                      <c:pt idx="1">
+                        <c:v>0.205879511528992</c:v>
+                      </c:pt>
+                      <c:pt idx="2">
+                        <c:v>0.231836372915044</c:v>
+                      </c:pt>
+                      <c:pt idx="3">
+                        <c:v>0.265828831906399</c:v>
+                      </c:pt>
+                      <c:pt idx="4">
+                        <c:v>0.22200260674028599</c:v>
+                      </c:pt>
+                      <c:pt idx="5">
+                        <c:v>0.29594951939265202</c:v>
+                      </c:pt>
+                      <c:pt idx="6">
+                        <c:v>0.20852950881682999</c:v>
+                      </c:pt>
+                      <c:pt idx="7">
+                        <c:v>0.22147291955246201</c:v>
+                      </c:pt>
+                    </c:numCache>
+                  </c:numRef>
+                </c:val>
+                <c:smooth val="0"/>
+                <c:extLst xmlns:c15="http://schemas.microsoft.com/office/drawing/2012/chart">
+                  <c:ext xmlns:c16="http://schemas.microsoft.com/office/drawing/2014/chart" uri="{C3380CC4-5D6E-409C-BE32-E72D297353CC}">
+                    <c16:uniqueId val="{0000000F-6049-4B5C-B5DD-D3651E70327A}"/>
+                  </c:ext>
+                </c:extLst>
+              </c15:ser>
+            </c15:filteredLineSeries>
+            <c15:filteredLineSeries>
+              <c15:ser>
+                <c:idx val="16"/>
+                <c:order val="16"/>
+                <c:tx>
+                  <c:strRef>
+                    <c:extLst xmlns:c15="http://schemas.microsoft.com/office/drawing/2012/chart">
+                      <c:ext xmlns:c15="http://schemas.microsoft.com/office/drawing/2012/chart" uri="{02D57815-91ED-43cb-92C2-25804820EDAC}">
+                        <c15:formulaRef>
+                          <c15:sqref>Industry!$E$28</c15:sqref>
+                        </c15:formulaRef>
+                      </c:ext>
+                    </c:extLst>
+                    <c:strCache>
+                      <c:ptCount val="1"/>
+                      <c:pt idx="0">
+                        <c:v>Health </c:v>
+                      </c:pt>
+                    </c:strCache>
+                  </c:strRef>
+                </c:tx>
+                <c:spPr>
+                  <a:ln w="28575" cap="rnd">
+                    <a:solidFill>
+                      <a:schemeClr val="accent1"/>
+                    </a:solidFill>
+                    <a:round/>
+                  </a:ln>
+                  <a:effectLst/>
+                </c:spPr>
+                <c:marker>
+                  <c:symbol val="none"/>
+                </c:marker>
+                <c:cat>
+                  <c:numRef>
+                    <c:extLst xmlns:c15="http://schemas.microsoft.com/office/drawing/2012/chart">
+                      <c:ext xmlns:c15="http://schemas.microsoft.com/office/drawing/2012/chart" uri="{02D57815-91ED-43cb-92C2-25804820EDAC}">
+                        <c15:formulaRef>
+                          <c15:sqref>Industry!$X$11:$AE$11</c15:sqref>
+                        </c15:formulaRef>
+                      </c:ext>
+                    </c:extLst>
+                    <c:numCache>
+                      <c:formatCode>General</c:formatCode>
+                      <c:ptCount val="8"/>
+                      <c:pt idx="0">
+                        <c:v>2015</c:v>
+                      </c:pt>
+                      <c:pt idx="1">
+                        <c:v>2016</c:v>
+                      </c:pt>
+                      <c:pt idx="2">
+                        <c:v>2017</c:v>
+                      </c:pt>
+                      <c:pt idx="3">
+                        <c:v>2018</c:v>
+                      </c:pt>
+                      <c:pt idx="4">
+                        <c:v>2019</c:v>
+                      </c:pt>
+                      <c:pt idx="5">
+                        <c:v>2020</c:v>
+                      </c:pt>
+                      <c:pt idx="6">
+                        <c:v>2021</c:v>
+                      </c:pt>
+                      <c:pt idx="7">
+                        <c:v>2022</c:v>
+                      </c:pt>
+                    </c:numCache>
+                  </c:numRef>
+                </c:cat>
+                <c:val>
+                  <c:numRef>
+                    <c:extLst xmlns:c15="http://schemas.microsoft.com/office/drawing/2012/chart">
+                      <c:ext xmlns:c15="http://schemas.microsoft.com/office/drawing/2012/chart" uri="{02D57815-91ED-43cb-92C2-25804820EDAC}">
+                        <c15:formulaRef>
+                          <c15:sqref>Industry!$X$28:$AE$28</c15:sqref>
+                        </c15:formulaRef>
+                      </c:ext>
+                    </c:extLst>
+                    <c:numCache>
+                      <c:formatCode>0.0%</c:formatCode>
+                      <c:ptCount val="8"/>
+                      <c:pt idx="0">
+                        <c:v>0.347397057708349</c:v>
+                      </c:pt>
+                      <c:pt idx="1">
+                        <c:v>0.37485145457027602</c:v>
+                      </c:pt>
+                      <c:pt idx="2">
+                        <c:v>0.34181232446343701</c:v>
+                      </c:pt>
+                      <c:pt idx="3">
+                        <c:v>0.33549271570492101</c:v>
+                      </c:pt>
+                      <c:pt idx="4">
+                        <c:v>0.35239451906118602</c:v>
+                      </c:pt>
+                      <c:pt idx="5">
+                        <c:v>0.301636428396026</c:v>
+                      </c:pt>
+                      <c:pt idx="6">
+                        <c:v>0.340310498849626</c:v>
+                      </c:pt>
+                      <c:pt idx="7">
+                        <c:v>0.399442789528136</c:v>
+                      </c:pt>
+                    </c:numCache>
+                  </c:numRef>
+                </c:val>
+                <c:smooth val="0"/>
+                <c:extLst xmlns:c15="http://schemas.microsoft.com/office/drawing/2012/chart">
+                  <c:ext xmlns:c16="http://schemas.microsoft.com/office/drawing/2014/chart" uri="{C3380CC4-5D6E-409C-BE32-E72D297353CC}">
+                    <c16:uniqueId val="{00000010-6049-4B5C-B5DD-D3651E70327A}"/>
+                  </c:ext>
+                </c:extLst>
+              </c15:ser>
+            </c15:filteredLineSeries>
+            <c15:filteredLineSeries>
+              <c15:ser>
+                <c:idx val="17"/>
+                <c:order val="17"/>
+                <c:tx>
+                  <c:strRef>
+                    <c:extLst xmlns:c15="http://schemas.microsoft.com/office/drawing/2012/chart">
+                      <c:ext xmlns:c15="http://schemas.microsoft.com/office/drawing/2012/chart" uri="{02D57815-91ED-43cb-92C2-25804820EDAC}">
+                        <c15:formulaRef>
+                          <c15:sqref>Industry!$E$29</c15:sqref>
+                        </c15:formulaRef>
+                      </c:ext>
+                    </c:extLst>
+                    <c:strCache>
+                      <c:ptCount val="1"/>
+                      <c:pt idx="0">
+                        <c:v>Arts and recreation </c:v>
+                      </c:pt>
+                    </c:strCache>
+                  </c:strRef>
+                </c:tx>
+                <c:spPr>
+                  <a:ln w="28575" cap="rnd">
+                    <a:solidFill>
+                      <a:schemeClr val="accent6">
+                        <a:lumMod val="80000"/>
+                        <a:lumOff val="20000"/>
+                      </a:schemeClr>
+                    </a:solidFill>
+                    <a:round/>
+                  </a:ln>
+                  <a:effectLst/>
+                </c:spPr>
+                <c:marker>
+                  <c:symbol val="none"/>
+                </c:marker>
+                <c:cat>
+                  <c:numRef>
+                    <c:extLst xmlns:c15="http://schemas.microsoft.com/office/drawing/2012/chart">
+                      <c:ext xmlns:c15="http://schemas.microsoft.com/office/drawing/2012/chart" uri="{02D57815-91ED-43cb-92C2-25804820EDAC}">
+                        <c15:formulaRef>
+                          <c15:sqref>Industry!$X$11:$AE$11</c15:sqref>
+                        </c15:formulaRef>
+                      </c:ext>
+                    </c:extLst>
+                    <c:numCache>
+                      <c:formatCode>General</c:formatCode>
+                      <c:ptCount val="8"/>
+                      <c:pt idx="0">
+                        <c:v>2015</c:v>
+                      </c:pt>
+                      <c:pt idx="1">
+                        <c:v>2016</c:v>
+                      </c:pt>
+                      <c:pt idx="2">
+                        <c:v>2017</c:v>
+                      </c:pt>
+                      <c:pt idx="3">
+                        <c:v>2018</c:v>
+                      </c:pt>
+                      <c:pt idx="4">
+                        <c:v>2019</c:v>
+                      </c:pt>
+                      <c:pt idx="5">
+                        <c:v>2020</c:v>
+                      </c:pt>
+                      <c:pt idx="6">
+                        <c:v>2021</c:v>
+                      </c:pt>
+                      <c:pt idx="7">
+                        <c:v>2022</c:v>
+                      </c:pt>
+                    </c:numCache>
+                  </c:numRef>
+                </c:cat>
+                <c:val>
+                  <c:numRef>
+                    <c:extLst xmlns:c15="http://schemas.microsoft.com/office/drawing/2012/chart">
+                      <c:ext xmlns:c15="http://schemas.microsoft.com/office/drawing/2012/chart" uri="{02D57815-91ED-43cb-92C2-25804820EDAC}">
+                        <c15:formulaRef>
+                          <c15:sqref>Industry!$X$29:$AE$29</c15:sqref>
+                        </c15:formulaRef>
+                      </c:ext>
+                    </c:extLst>
+                    <c:numCache>
+                      <c:formatCode>0.0%</c:formatCode>
+                      <c:ptCount val="8"/>
+                      <c:pt idx="0">
+                        <c:v>0.550961214165261</c:v>
+                      </c:pt>
+                      <c:pt idx="1">
+                        <c:v>0.50662061940987402</c:v>
+                      </c:pt>
+                      <c:pt idx="2">
+                        <c:v>0.43802963392385202</c:v>
+                      </c:pt>
+                      <c:pt idx="3">
+                        <c:v>0.41165027411609501</c:v>
+                      </c:pt>
+                      <c:pt idx="4">
+                        <c:v>0.50991049422752599</c:v>
+                      </c:pt>
+                      <c:pt idx="5">
+                        <c:v>0.46078202002973501</c:v>
+                      </c:pt>
+                      <c:pt idx="6">
+                        <c:v>0.52763220751071305</c:v>
+                      </c:pt>
+                      <c:pt idx="7">
+                        <c:v>0.43068695313689997</c:v>
+                      </c:pt>
+                    </c:numCache>
+                  </c:numRef>
+                </c:val>
+                <c:smooth val="0"/>
+                <c:extLst xmlns:c15="http://schemas.microsoft.com/office/drawing/2012/chart">
+                  <c:ext xmlns:c16="http://schemas.microsoft.com/office/drawing/2014/chart" uri="{C3380CC4-5D6E-409C-BE32-E72D297353CC}">
+                    <c16:uniqueId val="{00000011-6049-4B5C-B5DD-D3651E70327A}"/>
+                  </c:ext>
+                </c:extLst>
+              </c15:ser>
+            </c15:filteredLineSeries>
+            <c15:filteredLineSeries>
+              <c15:ser>
+                <c:idx val="18"/>
+                <c:order val="18"/>
+                <c:tx>
+                  <c:strRef>
+                    <c:extLst xmlns:c15="http://schemas.microsoft.com/office/drawing/2012/chart">
+                      <c:ext xmlns:c15="http://schemas.microsoft.com/office/drawing/2012/chart" uri="{02D57815-91ED-43cb-92C2-25804820EDAC}">
+                        <c15:formulaRef>
+                          <c15:sqref>Industry!$E$30</c15:sqref>
+                        </c15:formulaRef>
+                      </c:ext>
+                    </c:extLst>
+                    <c:strCache>
+                      <c:ptCount val="1"/>
+                      <c:pt idx="0">
+                        <c:v>Other services </c:v>
+                      </c:pt>
+                    </c:strCache>
+                  </c:strRef>
+                </c:tx>
+                <c:spPr>
+                  <a:ln w="28575" cap="rnd">
+                    <a:solidFill>
+                      <a:schemeClr val="accent1">
+                        <a:lumMod val="80000"/>
+                      </a:schemeClr>
+                    </a:solidFill>
+                    <a:round/>
+                  </a:ln>
+                  <a:effectLst/>
+                </c:spPr>
+                <c:marker>
+                  <c:symbol val="none"/>
+                </c:marker>
+                <c:cat>
+                  <c:numRef>
+                    <c:extLst xmlns:c15="http://schemas.microsoft.com/office/drawing/2012/chart">
+                      <c:ext xmlns:c15="http://schemas.microsoft.com/office/drawing/2012/chart" uri="{02D57815-91ED-43cb-92C2-25804820EDAC}">
+                        <c15:formulaRef>
+                          <c15:sqref>Industry!$X$11:$AE$11</c15:sqref>
+                        </c15:formulaRef>
+                      </c:ext>
+                    </c:extLst>
+                    <c:numCache>
+                      <c:formatCode>General</c:formatCode>
+                      <c:ptCount val="8"/>
+                      <c:pt idx="0">
+                        <c:v>2015</c:v>
+                      </c:pt>
+                      <c:pt idx="1">
+                        <c:v>2016</c:v>
+                      </c:pt>
+                      <c:pt idx="2">
+                        <c:v>2017</c:v>
+                      </c:pt>
+                      <c:pt idx="3">
+                        <c:v>2018</c:v>
+                      </c:pt>
+                      <c:pt idx="4">
+                        <c:v>2019</c:v>
+                      </c:pt>
+                      <c:pt idx="5">
+                        <c:v>2020</c:v>
+                      </c:pt>
+                      <c:pt idx="6">
+                        <c:v>2021</c:v>
+                      </c:pt>
+                      <c:pt idx="7">
+                        <c:v>2022</c:v>
+                      </c:pt>
+                    </c:numCache>
+                  </c:numRef>
+                </c:cat>
+                <c:val>
+                  <c:numRef>
+                    <c:extLst xmlns:c15="http://schemas.microsoft.com/office/drawing/2012/chart">
+                      <c:ext xmlns:c15="http://schemas.microsoft.com/office/drawing/2012/chart" uri="{02D57815-91ED-43cb-92C2-25804820EDAC}">
+                        <c15:formulaRef>
+                          <c15:sqref>Industry!$X$30:$AE$30</c15:sqref>
+                        </c15:formulaRef>
+                      </c:ext>
+                    </c:extLst>
+                    <c:numCache>
+                      <c:formatCode>0.0%</c:formatCode>
+                      <c:ptCount val="8"/>
+                      <c:pt idx="0">
+                        <c:v>0.293798414496036</c:v>
+                      </c:pt>
+                      <c:pt idx="1">
+                        <c:v>0.385160621761658</c:v>
+                      </c:pt>
+                      <c:pt idx="2">
+                        <c:v>0.31390672354605598</c:v>
+                      </c:pt>
+                      <c:pt idx="3">
+                        <c:v>0.27220746515799599</c:v>
+                      </c:pt>
+                      <c:pt idx="4">
+                        <c:v>0.27778892718467801</c:v>
+                      </c:pt>
+                      <c:pt idx="5">
+                        <c:v>0.40371137613258001</c:v>
+                      </c:pt>
+                      <c:pt idx="6">
+                        <c:v>0.45446143109090698</c:v>
+                      </c:pt>
+                      <c:pt idx="7">
+                        <c:v>0.22116355491913101</c:v>
+                      </c:pt>
+                    </c:numCache>
+                  </c:numRef>
+                </c:val>
+                <c:smooth val="0"/>
+                <c:extLst xmlns:c15="http://schemas.microsoft.com/office/drawing/2012/chart">
+                  <c:ext xmlns:c16="http://schemas.microsoft.com/office/drawing/2014/chart" uri="{C3380CC4-5D6E-409C-BE32-E72D297353CC}">
+                    <c16:uniqueId val="{00000012-6049-4B5C-B5DD-D3651E70327A}"/>
+                  </c:ext>
+                </c:extLst>
+              </c15:ser>
+            </c15:filteredLineSeries>
+            <c15:filteredLineSeries>
+              <c15:ser>
+                <c:idx val="19"/>
+                <c:order val="19"/>
+                <c:tx>
+                  <c:strRef>
+                    <c:extLst xmlns:c15="http://schemas.microsoft.com/office/drawing/2012/chart">
+                      <c:ext xmlns:c15="http://schemas.microsoft.com/office/drawing/2012/chart" uri="{02D57815-91ED-43cb-92C2-25804820EDAC}">
+                        <c15:formulaRef>
+                          <c15:sqref>Industry!$E$31</c15:sqref>
+                        </c15:formulaRef>
+                      </c:ext>
+                    </c:extLst>
+                    <c:strCache>
+                      <c:ptCount val="1"/>
+                      <c:pt idx="0">
+                        <c:v>Activities of households as employers; undifferentiated goods- and services producing activities of households for own use</c:v>
+                      </c:pt>
+                    </c:strCache>
+                  </c:strRef>
+                </c:tx>
+                <c:spPr>
+                  <a:ln w="28575" cap="rnd">
+                    <a:solidFill>
+                      <a:schemeClr val="accent2">
+                        <a:lumMod val="80000"/>
+                      </a:schemeClr>
+                    </a:solidFill>
+                    <a:round/>
+                  </a:ln>
+                  <a:effectLst/>
+                </c:spPr>
+                <c:marker>
+                  <c:symbol val="none"/>
+                </c:marker>
+                <c:cat>
+                  <c:numRef>
+                    <c:extLst xmlns:c15="http://schemas.microsoft.com/office/drawing/2012/chart">
+                      <c:ext xmlns:c15="http://schemas.microsoft.com/office/drawing/2012/chart" uri="{02D57815-91ED-43cb-92C2-25804820EDAC}">
+                        <c15:formulaRef>
+                          <c15:sqref>Industry!$X$11:$AE$11</c15:sqref>
+                        </c15:formulaRef>
+                      </c:ext>
+                    </c:extLst>
+                    <c:numCache>
+                      <c:formatCode>General</c:formatCode>
+                      <c:ptCount val="8"/>
+                      <c:pt idx="0">
+                        <c:v>2015</c:v>
+                      </c:pt>
+                      <c:pt idx="1">
+                        <c:v>2016</c:v>
+                      </c:pt>
+                      <c:pt idx="2">
+                        <c:v>2017</c:v>
+                      </c:pt>
+                      <c:pt idx="3">
+                        <c:v>2018</c:v>
+                      </c:pt>
+                      <c:pt idx="4">
+                        <c:v>2019</c:v>
+                      </c:pt>
+                      <c:pt idx="5">
+                        <c:v>2020</c:v>
+                      </c:pt>
+                      <c:pt idx="6">
+                        <c:v>2021</c:v>
+                      </c:pt>
+                      <c:pt idx="7">
+                        <c:v>2022</c:v>
+                      </c:pt>
+                    </c:numCache>
+                  </c:numRef>
+                </c:cat>
+                <c:val>
+                  <c:numRef>
+                    <c:extLst xmlns:c15="http://schemas.microsoft.com/office/drawing/2012/chart">
+                      <c:ext xmlns:c15="http://schemas.microsoft.com/office/drawing/2012/chart" uri="{02D57815-91ED-43cb-92C2-25804820EDAC}">
+                        <c15:formulaRef>
+                          <c15:sqref>Industry!$X$31:$AE$31</c15:sqref>
+                        </c15:formulaRef>
+                      </c:ext>
+                    </c:extLst>
+                    <c:numCache>
+                      <c:formatCode>0.0%</c:formatCode>
+                      <c:ptCount val="8"/>
+                      <c:pt idx="0">
+                        <c:v>0.344007858546169</c:v>
+                      </c:pt>
+                      <c:pt idx="1">
+                        <c:v>0.32934104673235098</c:v>
+                      </c:pt>
+                      <c:pt idx="2">
+                        <c:v>0.18094624002579199</c:v>
+                      </c:pt>
+                      <c:pt idx="3">
+                        <c:v>0.110817183276784</c:v>
+                      </c:pt>
+                      <c:pt idx="4">
+                        <c:v>0.25078068700456402</c:v>
+                      </c:pt>
+                      <c:pt idx="5">
+                        <c:v>0.113325887103703</c:v>
+                      </c:pt>
+                      <c:pt idx="6">
+                        <c:v>0.196029563423857</c:v>
+                      </c:pt>
+                      <c:pt idx="7">
+                        <c:v>0.29021485027273702</c:v>
+                      </c:pt>
+                    </c:numCache>
+                  </c:numRef>
+                </c:val>
+                <c:smooth val="0"/>
+                <c:extLst xmlns:c15="http://schemas.microsoft.com/office/drawing/2012/chart">
+                  <c:ext xmlns:c16="http://schemas.microsoft.com/office/drawing/2014/chart" uri="{C3380CC4-5D6E-409C-BE32-E72D297353CC}">
+                    <c16:uniqueId val="{00000013-6049-4B5C-B5DD-D3651E70327A}"/>
+                  </c:ext>
+                </c:extLst>
+              </c15:ser>
+            </c15:filteredLineSeries>
+            <c15:filteredLineSeries>
+              <c15:ser>
+                <c:idx val="20"/>
+                <c:order val="20"/>
+                <c:tx>
+                  <c:strRef>
+                    <c:extLst xmlns:c15="http://schemas.microsoft.com/office/drawing/2012/chart">
+                      <c:ext xmlns:c15="http://schemas.microsoft.com/office/drawing/2012/chart" uri="{02D57815-91ED-43cb-92C2-25804820EDAC}">
+                        <c15:formulaRef>
+                          <c15:sqref>Industry!$E$32</c15:sqref>
+                        </c15:formulaRef>
+                      </c:ext>
+                    </c:extLst>
+                    <c:strCache>
+                      <c:ptCount val="1"/>
+                      <c:pt idx="0">
+                        <c:v>Activities of extraterritorial organisations and bodies</c:v>
+                      </c:pt>
+                    </c:strCache>
+                  </c:strRef>
+                </c:tx>
+                <c:spPr>
+                  <a:ln w="28575" cap="rnd">
+                    <a:solidFill>
+                      <a:schemeClr val="accent3">
+                        <a:lumMod val="80000"/>
+                      </a:schemeClr>
+                    </a:solidFill>
+                    <a:round/>
+                  </a:ln>
+                  <a:effectLst/>
+                </c:spPr>
+                <c:marker>
+                  <c:symbol val="none"/>
+                </c:marker>
+                <c:cat>
+                  <c:numRef>
+                    <c:extLst xmlns:c15="http://schemas.microsoft.com/office/drawing/2012/chart">
+                      <c:ext xmlns:c15="http://schemas.microsoft.com/office/drawing/2012/chart" uri="{02D57815-91ED-43cb-92C2-25804820EDAC}">
+                        <c15:formulaRef>
+                          <c15:sqref>Industry!$X$11:$AE$11</c15:sqref>
+                        </c15:formulaRef>
+                      </c:ext>
+                    </c:extLst>
+                    <c:numCache>
+                      <c:formatCode>General</c:formatCode>
+                      <c:ptCount val="8"/>
+                      <c:pt idx="0">
+                        <c:v>2015</c:v>
+                      </c:pt>
+                      <c:pt idx="1">
+                        <c:v>2016</c:v>
+                      </c:pt>
+                      <c:pt idx="2">
+                        <c:v>2017</c:v>
+                      </c:pt>
+                      <c:pt idx="3">
+                        <c:v>2018</c:v>
+                      </c:pt>
+                      <c:pt idx="4">
+                        <c:v>2019</c:v>
+                      </c:pt>
+                      <c:pt idx="5">
+                        <c:v>2020</c:v>
+                      </c:pt>
+                      <c:pt idx="6">
+                        <c:v>2021</c:v>
+                      </c:pt>
+                      <c:pt idx="7">
+                        <c:v>2022</c:v>
+                      </c:pt>
+                    </c:numCache>
+                  </c:numRef>
+                </c:cat>
+                <c:val>
+                  <c:numRef>
+                    <c:extLst xmlns:c15="http://schemas.microsoft.com/office/drawing/2012/chart">
+                      <c:ext xmlns:c15="http://schemas.microsoft.com/office/drawing/2012/chart" uri="{02D57815-91ED-43cb-92C2-25804820EDAC}">
+                        <c15:formulaRef>
+                          <c15:sqref>Industry!$X$32:$AE$32</c15:sqref>
+                        </c15:formulaRef>
+                      </c:ext>
+                    </c:extLst>
+                    <c:numCache>
+                      <c:formatCode>0.0%</c:formatCode>
+                      <c:ptCount val="8"/>
+                      <c:pt idx="0">
+                        <c:v>0.196417910447761</c:v>
+                      </c:pt>
+                      <c:pt idx="1">
+                        <c:v>0.229379719009844</c:v>
+                      </c:pt>
+                      <c:pt idx="2">
+                        <c:v>0.35918398533007301</c:v>
+                      </c:pt>
+                      <c:pt idx="3">
+                        <c:v>0.12640763666194299</c:v>
+                      </c:pt>
+                      <c:pt idx="4">
+                        <c:v>0.14315881743565201</c:v>
+                      </c:pt>
+                      <c:pt idx="5">
+                        <c:v>6.0910143503736698E-2</c:v>
+                      </c:pt>
+                      <c:pt idx="6">
+                        <c:v>0.16005136586504801</c:v>
+                      </c:pt>
+                      <c:pt idx="7">
+                        <c:v>0.15014658109500001</c:v>
+                      </c:pt>
+                    </c:numCache>
+                  </c:numRef>
+                </c:val>
+                <c:smooth val="0"/>
+                <c:extLst xmlns:c15="http://schemas.microsoft.com/office/drawing/2012/chart">
+                  <c:ext xmlns:c16="http://schemas.microsoft.com/office/drawing/2014/chart" uri="{C3380CC4-5D6E-409C-BE32-E72D297353CC}">
+                    <c16:uniqueId val="{00000014-6049-4B5C-B5DD-D3651E70327A}"/>
+                  </c:ext>
+                </c:extLst>
+              </c15:ser>
+            </c15:filteredLineSeries>
+          </c:ext>
+        </c:extLst>
+      </c:lineChart>
+      <c:catAx>
+        <c:axId val="696169016"/>
+        <c:scaling>
+          <c:orientation val="minMax"/>
+        </c:scaling>
+        <c:delete val="0"/>
+        <c:axPos val="b"/>
+        <c:numFmt formatCode="General" sourceLinked="1"/>
+        <c:majorTickMark val="none"/>
+        <c:minorTickMark val="none"/>
+        <c:tickLblPos val="nextTo"/>
+        <c:spPr>
+          <a:noFill/>
+          <a:ln w="9525" cap="flat" cmpd="sng" algn="ctr">
+            <a:solidFill>
+              <a:schemeClr val="tx1">
+                <a:lumMod val="15000"/>
+                <a:lumOff val="85000"/>
+              </a:schemeClr>
+            </a:solidFill>
+            <a:round/>
+          </a:ln>
+          <a:effectLst/>
+        </c:spPr>
+        <c:txPr>
+          <a:bodyPr rot="-60000000" spcFirstLastPara="1" vertOverflow="ellipsis" vert="horz" wrap="square" anchor="ctr" anchorCtr="1"/>
+          <a:lstStyle/>
+          <a:p>
+            <a:pPr>
+              <a:defRPr sz="900" b="0" i="0" u="none" strike="noStrike" kern="1200" baseline="0">
+                <a:solidFill>
+                  <a:schemeClr val="tx1">
+                    <a:lumMod val="65000"/>
+                    <a:lumOff val="35000"/>
+                  </a:schemeClr>
+                </a:solidFill>
+                <a:latin typeface="Arial" panose="020B0604020202020204" pitchFamily="34" charset="0"/>
+                <a:ea typeface="+mn-ea"/>
+                <a:cs typeface="Arial" panose="020B0604020202020204" pitchFamily="34" charset="0"/>
+              </a:defRPr>
+            </a:pPr>
+            <a:endParaRPr lang="en-US"/>
+          </a:p>
+        </c:txPr>
+        <c:crossAx val="696174920"/>
+        <c:crosses val="autoZero"/>
+        <c:auto val="1"/>
+        <c:lblAlgn val="ctr"/>
+        <c:lblOffset val="100"/>
+        <c:noMultiLvlLbl val="0"/>
+      </c:catAx>
+      <c:valAx>
+        <c:axId val="696174920"/>
+        <c:scaling>
+          <c:orientation val="minMax"/>
+        </c:scaling>
+        <c:delete val="0"/>
+        <c:axPos val="l"/>
+        <c:majorGridlines>
+          <c:spPr>
+            <a:ln w="9525" cap="flat" cmpd="sng" algn="ctr">
+              <a:solidFill>
+                <a:schemeClr val="tx1">
+                  <a:lumMod val="15000"/>
+                  <a:lumOff val="85000"/>
+                </a:schemeClr>
+              </a:solidFill>
+              <a:round/>
+            </a:ln>
+            <a:effectLst/>
+          </c:spPr>
+        </c:majorGridlines>
+        <c:numFmt formatCode="0%" sourceLinked="0"/>
+        <c:majorTickMark val="none"/>
+        <c:minorTickMark val="none"/>
+        <c:tickLblPos val="nextTo"/>
+        <c:spPr>
+          <a:noFill/>
+          <a:ln>
+            <a:noFill/>
+          </a:ln>
+          <a:effectLst/>
+        </c:spPr>
+        <c:txPr>
+          <a:bodyPr rot="-60000000" spcFirstLastPara="1" vertOverflow="ellipsis" vert="horz" wrap="square" anchor="ctr" anchorCtr="1"/>
+          <a:lstStyle/>
+          <a:p>
+            <a:pPr>
+              <a:defRPr sz="900" b="0" i="0" u="none" strike="noStrike" kern="1200" baseline="0">
+                <a:solidFill>
+                  <a:schemeClr val="tx1">
+                    <a:lumMod val="65000"/>
+                    <a:lumOff val="35000"/>
+                  </a:schemeClr>
+                </a:solidFill>
+                <a:latin typeface="Arial" panose="020B0604020202020204" pitchFamily="34" charset="0"/>
+                <a:ea typeface="+mn-ea"/>
+                <a:cs typeface="Arial" panose="020B0604020202020204" pitchFamily="34" charset="0"/>
+              </a:defRPr>
+            </a:pPr>
+            <a:endParaRPr lang="en-US"/>
+          </a:p>
+        </c:txPr>
+        <c:crossAx val="696169016"/>
+        <c:crosses val="autoZero"/>
+        <c:crossBetween val="between"/>
+        <c:majorUnit val="0.2"/>
+      </c:valAx>
+      <c:spPr>
+        <a:noFill/>
+        <a:ln>
+          <a:noFill/>
+        </a:ln>
+        <a:effectLst/>
+      </c:spPr>
+    </c:plotArea>
+    <c:legend>
+      <c:legendPos val="t"/>
+      <c:layout>
+        <c:manualLayout>
+          <c:xMode val="edge"/>
+          <c:yMode val="edge"/>
+          <c:x val="1.1150802840821369E-2"/>
+          <c:y val="8.3355280605643595E-2"/>
+          <c:w val="0.43290894704338428"/>
+          <c:h val="5.8908689045448263E-2"/>
+        </c:manualLayout>
+      </c:layout>
+      <c:overlay val="0"/>
+      <c:spPr>
+        <a:noFill/>
+        <a:ln>
+          <a:noFill/>
+        </a:ln>
+        <a:effectLst/>
+      </c:spPr>
+      <c:txPr>
+        <a:bodyPr rot="0" spcFirstLastPara="1" vertOverflow="ellipsis" vert="horz" wrap="square" anchor="ctr" anchorCtr="1"/>
+        <a:lstStyle/>
+        <a:p>
+          <a:pPr>
+            <a:defRPr sz="900" b="0" i="0" u="none" strike="noStrike" kern="1200" baseline="0">
+              <a:solidFill>
+                <a:schemeClr val="tx1">
+                  <a:lumMod val="65000"/>
+                  <a:lumOff val="35000"/>
+                </a:schemeClr>
+              </a:solidFill>
+              <a:latin typeface="Arial" panose="020B0604020202020204" pitchFamily="34" charset="0"/>
+              <a:ea typeface="+mn-ea"/>
+              <a:cs typeface="Arial" panose="020B0604020202020204" pitchFamily="34" charset="0"/>
+            </a:defRPr>
+          </a:pPr>
+          <a:endParaRPr lang="en-US"/>
+        </a:p>
+      </c:txPr>
+    </c:legend>
+    <c:plotVisOnly val="1"/>
+    <c:dispBlanksAs val="gap"/>
+    <c:extLst>
+      <c:ext xmlns:c16r3="http://schemas.microsoft.com/office/drawing/2017/03/chart" uri="{56B9EC1D-385E-4148-901F-78D8002777C0}">
+        <c16r3:dataDisplayOptions16>
+          <c16r3:dispNaAsBlank val="1"/>
+        </c16r3:dataDisplayOptions16>
+      </c:ext>
+    </c:extLst>
+    <c:showDLblsOverMax val="0"/>
+  </c:chart>
+  <c:spPr>
+    <a:noFill/>
+    <a:ln>
+      <a:noFill/>
+    </a:ln>
+    <a:effectLst/>
+  </c:spPr>
+  <c:txPr>
+    <a:bodyPr/>
+    <a:lstStyle/>
+    <a:p>
+      <a:pPr>
+        <a:defRPr>
+          <a:latin typeface="Arial" panose="020B0604020202020204" pitchFamily="34" charset="0"/>
+          <a:cs typeface="Arial" panose="020B0604020202020204" pitchFamily="34" charset="0"/>
+        </a:defRPr>
+      </a:pPr>
+      <a:endParaRPr lang="en-US"/>
+    </a:p>
+  </c:txPr>
+  <c:externalData r:id="rId3">
+    <c:autoUpdate val="0"/>
+  </c:externalData>
+</c:chartSpace>
+</file>
+
+<file path=ppt/charts/chart6.xml><?xml version="1.0" encoding="utf-8"?>
+<c:chartSpace xmlns:c="http://schemas.openxmlformats.org/drawingml/2006/chart" xmlns:a="http://schemas.openxmlformats.org/drawingml/2006/main" xmlns:r="http://schemas.openxmlformats.org/officeDocument/2006/relationships" xmlns:c16r2="http://schemas.microsoft.com/office/drawing/2015/06/chart">
+  <c:date1904 val="0"/>
+  <c:lang val="en-US"/>
+  <c:roundedCorners val="0"/>
+  <mc:AlternateContent xmlns:mc="http://schemas.openxmlformats.org/markup-compatibility/2006">
+    <mc:Choice xmlns:c14="http://schemas.microsoft.com/office/drawing/2007/8/2/chart" Requires="c14">
+      <c14:style val="102"/>
+    </mc:Choice>
+    <mc:Fallback>
+      <c:style val="2"/>
+    </mc:Fallback>
+  </mc:AlternateContent>
+  <c:chart>
+    <c:title>
+      <c:tx>
+        <c:rich>
+          <a:bodyPr rot="0" spcFirstLastPara="1" vertOverflow="ellipsis" vert="horz" wrap="square" anchor="ctr" anchorCtr="1"/>
+          <a:lstStyle/>
+          <a:p>
             <a:pPr algn="l">
               <a:defRPr sz="1400" b="0" i="0" u="none" strike="noStrike" kern="1200" spc="0" baseline="0">
                 <a:solidFill>
@@ -3979,6 +6996,706 @@
     <a:ln w="9525" cap="flat" cmpd="sng" algn="ctr">
       <a:noFill/>
       <a:round/>
+    </a:ln>
+    <a:effectLst/>
+  </c:spPr>
+  <c:txPr>
+    <a:bodyPr/>
+    <a:lstStyle/>
+    <a:p>
+      <a:pPr>
+        <a:defRPr>
+          <a:latin typeface="Arial" panose="020B0604020202020204" pitchFamily="34" charset="0"/>
+          <a:cs typeface="Arial" panose="020B0604020202020204" pitchFamily="34" charset="0"/>
+        </a:defRPr>
+      </a:pPr>
+      <a:endParaRPr lang="en-US"/>
+    </a:p>
+  </c:txPr>
+  <c:externalData r:id="rId3">
+    <c:autoUpdate val="0"/>
+  </c:externalData>
+</c:chartSpace>
+</file>
+
+<file path=ppt/charts/chart7.xml><?xml version="1.0" encoding="utf-8"?>
+<c:chartSpace xmlns:c="http://schemas.openxmlformats.org/drawingml/2006/chart" xmlns:a="http://schemas.openxmlformats.org/drawingml/2006/main" xmlns:r="http://schemas.openxmlformats.org/officeDocument/2006/relationships" xmlns:c16r2="http://schemas.microsoft.com/office/drawing/2015/06/chart">
+  <c:date1904 val="0"/>
+  <c:lang val="en-US"/>
+  <c:roundedCorners val="0"/>
+  <mc:AlternateContent xmlns:mc="http://schemas.openxmlformats.org/markup-compatibility/2006">
+    <mc:Choice xmlns:c14="http://schemas.microsoft.com/office/drawing/2007/8/2/chart" Requires="c14">
+      <c14:style val="102"/>
+    </mc:Choice>
+    <mc:Fallback>
+      <c:style val="2"/>
+    </mc:Fallback>
+  </mc:AlternateContent>
+  <c:chart>
+    <c:title>
+      <c:tx>
+        <c:rich>
+          <a:bodyPr rot="0" spcFirstLastPara="1" vertOverflow="ellipsis" vert="horz" wrap="square" anchor="ctr" anchorCtr="1"/>
+          <a:lstStyle/>
+          <a:p>
+            <a:pPr algn="l">
+              <a:defRPr sz="1400" b="1" i="0" u="none" strike="noStrike" kern="1200" spc="0" baseline="0">
+                <a:solidFill>
+                  <a:schemeClr val="tx1">
+                    <a:lumMod val="65000"/>
+                    <a:lumOff val="35000"/>
+                  </a:schemeClr>
+                </a:solidFill>
+                <a:latin typeface="Arial" panose="020B0604020202020204" pitchFamily="34" charset="0"/>
+                <a:ea typeface="+mn-ea"/>
+                <a:cs typeface="Arial" panose="020B0604020202020204" pitchFamily="34" charset="0"/>
+              </a:defRPr>
+            </a:pPr>
+            <a:r>
+              <a:rPr lang="en-GB" b="1"/>
+              <a:t>Businesses in sectors important to Night Time Economy</a:t>
+            </a:r>
+          </a:p>
+          <a:p>
+            <a:pPr algn="l">
+              <a:defRPr b="1"/>
+            </a:pPr>
+            <a:r>
+              <a:rPr lang="en-GB" b="0"/>
+              <a:t>Count of businesses,</a:t>
+            </a:r>
+            <a:r>
+              <a:rPr lang="en-GB" b="0" baseline="0"/>
+              <a:t> indexed (2015=100)</a:t>
+            </a:r>
+            <a:endParaRPr lang="en-GB" b="0"/>
+          </a:p>
+        </c:rich>
+      </c:tx>
+      <c:layout>
+        <c:manualLayout>
+          <c:xMode val="edge"/>
+          <c:yMode val="edge"/>
+          <c:x val="1.2036806476875963E-2"/>
+          <c:y val="2.1390374331550801E-2"/>
+        </c:manualLayout>
+      </c:layout>
+      <c:overlay val="0"/>
+      <c:spPr>
+        <a:noFill/>
+        <a:ln>
+          <a:noFill/>
+        </a:ln>
+        <a:effectLst/>
+      </c:spPr>
+      <c:txPr>
+        <a:bodyPr rot="0" spcFirstLastPara="1" vertOverflow="ellipsis" vert="horz" wrap="square" anchor="ctr" anchorCtr="1"/>
+        <a:lstStyle/>
+        <a:p>
+          <a:pPr algn="l">
+            <a:defRPr sz="1400" b="1" i="0" u="none" strike="noStrike" kern="1200" spc="0" baseline="0">
+              <a:solidFill>
+                <a:schemeClr val="tx1">
+                  <a:lumMod val="65000"/>
+                  <a:lumOff val="35000"/>
+                </a:schemeClr>
+              </a:solidFill>
+              <a:latin typeface="Arial" panose="020B0604020202020204" pitchFamily="34" charset="0"/>
+              <a:ea typeface="+mn-ea"/>
+              <a:cs typeface="Arial" panose="020B0604020202020204" pitchFamily="34" charset="0"/>
+            </a:defRPr>
+          </a:pPr>
+          <a:endParaRPr lang="en-US"/>
+        </a:p>
+      </c:txPr>
+    </c:title>
+    <c:autoTitleDeleted val="0"/>
+    <c:plotArea>
+      <c:layout/>
+      <c:lineChart>
+        <c:grouping val="standard"/>
+        <c:varyColors val="0"/>
+        <c:ser>
+          <c:idx val="0"/>
+          <c:order val="0"/>
+          <c:tx>
+            <c:strRef>
+              <c:f>'Summary count'!$E$16</c:f>
+              <c:strCache>
+                <c:ptCount val="1"/>
+                <c:pt idx="0">
+                  <c:v>Night time cultural and leisure activities</c:v>
+                </c:pt>
+              </c:strCache>
+            </c:strRef>
+          </c:tx>
+          <c:spPr>
+            <a:ln w="28575" cap="rnd">
+              <a:solidFill>
+                <a:schemeClr val="accent1"/>
+              </a:solidFill>
+              <a:round/>
+            </a:ln>
+            <a:effectLst/>
+          </c:spPr>
+          <c:marker>
+            <c:symbol val="none"/>
+          </c:marker>
+          <c:cat>
+            <c:numRef>
+              <c:f>'Summary count'!$F$7:$M$7</c:f>
+              <c:numCache>
+                <c:formatCode>General</c:formatCode>
+                <c:ptCount val="8"/>
+                <c:pt idx="0">
+                  <c:v>2015</c:v>
+                </c:pt>
+                <c:pt idx="1">
+                  <c:v>2016</c:v>
+                </c:pt>
+                <c:pt idx="2">
+                  <c:v>2017</c:v>
+                </c:pt>
+                <c:pt idx="3">
+                  <c:v>2018</c:v>
+                </c:pt>
+                <c:pt idx="4">
+                  <c:v>2019</c:v>
+                </c:pt>
+                <c:pt idx="5">
+                  <c:v>2020</c:v>
+                </c:pt>
+                <c:pt idx="6">
+                  <c:v>2021</c:v>
+                </c:pt>
+                <c:pt idx="7">
+                  <c:v>2022</c:v>
+                </c:pt>
+              </c:numCache>
+            </c:numRef>
+          </c:cat>
+          <c:val>
+            <c:numRef>
+              <c:f>'Summary count'!$F$16:$M$16</c:f>
+              <c:numCache>
+                <c:formatCode>#,##0</c:formatCode>
+                <c:ptCount val="8"/>
+                <c:pt idx="0">
+                  <c:v>100</c:v>
+                </c:pt>
+                <c:pt idx="1">
+                  <c:v>102.22019067519916</c:v>
+                </c:pt>
+                <c:pt idx="2">
+                  <c:v>105.18479822384745</c:v>
+                </c:pt>
+                <c:pt idx="3">
+                  <c:v>106.45161290322579</c:v>
+                </c:pt>
+                <c:pt idx="4">
+                  <c:v>109.72965913543162</c:v>
+                </c:pt>
+                <c:pt idx="5">
+                  <c:v>112.53754734230117</c:v>
+                </c:pt>
+                <c:pt idx="6">
+                  <c:v>115.39767532976362</c:v>
+                </c:pt>
+                <c:pt idx="7">
+                  <c:v>119.53767794175265</c:v>
+                </c:pt>
+              </c:numCache>
+            </c:numRef>
+          </c:val>
+          <c:smooth val="0"/>
+          <c:extLst>
+            <c:ext xmlns:c16="http://schemas.microsoft.com/office/drawing/2014/chart" uri="{C3380CC4-5D6E-409C-BE32-E72D297353CC}">
+              <c16:uniqueId val="{00000000-1C90-4825-B97D-AB5032FFF48C}"/>
+            </c:ext>
+          </c:extLst>
+        </c:ser>
+        <c:ser>
+          <c:idx val="1"/>
+          <c:order val="1"/>
+          <c:tx>
+            <c:strRef>
+              <c:f>'Summary count'!$E$17</c:f>
+              <c:strCache>
+                <c:ptCount val="1"/>
+                <c:pt idx="0">
+                  <c:v>Activities which support night time cultural and leisure activities</c:v>
+                </c:pt>
+              </c:strCache>
+            </c:strRef>
+          </c:tx>
+          <c:spPr>
+            <a:ln w="28575" cap="rnd">
+              <a:solidFill>
+                <a:schemeClr val="accent2"/>
+              </a:solidFill>
+              <a:round/>
+            </a:ln>
+            <a:effectLst/>
+          </c:spPr>
+          <c:marker>
+            <c:symbol val="none"/>
+          </c:marker>
+          <c:cat>
+            <c:numRef>
+              <c:f>'Summary count'!$F$7:$M$7</c:f>
+              <c:numCache>
+                <c:formatCode>General</c:formatCode>
+                <c:ptCount val="8"/>
+                <c:pt idx="0">
+                  <c:v>2015</c:v>
+                </c:pt>
+                <c:pt idx="1">
+                  <c:v>2016</c:v>
+                </c:pt>
+                <c:pt idx="2">
+                  <c:v>2017</c:v>
+                </c:pt>
+                <c:pt idx="3">
+                  <c:v>2018</c:v>
+                </c:pt>
+                <c:pt idx="4">
+                  <c:v>2019</c:v>
+                </c:pt>
+                <c:pt idx="5">
+                  <c:v>2020</c:v>
+                </c:pt>
+                <c:pt idx="6">
+                  <c:v>2021</c:v>
+                </c:pt>
+                <c:pt idx="7">
+                  <c:v>2022</c:v>
+                </c:pt>
+              </c:numCache>
+            </c:numRef>
+          </c:cat>
+          <c:val>
+            <c:numRef>
+              <c:f>'Summary count'!$F$17:$M$17</c:f>
+              <c:numCache>
+                <c:formatCode>#,##0</c:formatCode>
+                <c:ptCount val="8"/>
+                <c:pt idx="0">
+                  <c:v>100</c:v>
+                </c:pt>
+                <c:pt idx="1">
+                  <c:v>103.62523540489643</c:v>
+                </c:pt>
+                <c:pt idx="2">
+                  <c:v>106.26177024482108</c:v>
+                </c:pt>
+                <c:pt idx="3">
+                  <c:v>107.90960451977401</c:v>
+                </c:pt>
+                <c:pt idx="4">
+                  <c:v>110.02824858757063</c:v>
+                </c:pt>
+                <c:pt idx="5">
+                  <c:v>111.72316384180792</c:v>
+                </c:pt>
+                <c:pt idx="6">
+                  <c:v>117.60828625235405</c:v>
+                </c:pt>
+                <c:pt idx="7">
+                  <c:v>122.03389830508475</c:v>
+                </c:pt>
+              </c:numCache>
+            </c:numRef>
+          </c:val>
+          <c:smooth val="0"/>
+          <c:extLst>
+            <c:ext xmlns:c16="http://schemas.microsoft.com/office/drawing/2014/chart" uri="{C3380CC4-5D6E-409C-BE32-E72D297353CC}">
+              <c16:uniqueId val="{00000001-1C90-4825-B97D-AB5032FFF48C}"/>
+            </c:ext>
+          </c:extLst>
+        </c:ser>
+        <c:ser>
+          <c:idx val="2"/>
+          <c:order val="2"/>
+          <c:tx>
+            <c:strRef>
+              <c:f>'Summary count'!$E$18</c:f>
+              <c:strCache>
+                <c:ptCount val="1"/>
+                <c:pt idx="0">
+                  <c:v>24-hour health and personal social services</c:v>
+                </c:pt>
+              </c:strCache>
+            </c:strRef>
+          </c:tx>
+          <c:spPr>
+            <a:ln w="28575" cap="rnd">
+              <a:solidFill>
+                <a:schemeClr val="accent3"/>
+              </a:solidFill>
+              <a:round/>
+            </a:ln>
+            <a:effectLst/>
+          </c:spPr>
+          <c:marker>
+            <c:symbol val="none"/>
+          </c:marker>
+          <c:cat>
+            <c:numRef>
+              <c:f>'Summary count'!$F$7:$M$7</c:f>
+              <c:numCache>
+                <c:formatCode>General</c:formatCode>
+                <c:ptCount val="8"/>
+                <c:pt idx="0">
+                  <c:v>2015</c:v>
+                </c:pt>
+                <c:pt idx="1">
+                  <c:v>2016</c:v>
+                </c:pt>
+                <c:pt idx="2">
+                  <c:v>2017</c:v>
+                </c:pt>
+                <c:pt idx="3">
+                  <c:v>2018</c:v>
+                </c:pt>
+                <c:pt idx="4">
+                  <c:v>2019</c:v>
+                </c:pt>
+                <c:pt idx="5">
+                  <c:v>2020</c:v>
+                </c:pt>
+                <c:pt idx="6">
+                  <c:v>2021</c:v>
+                </c:pt>
+                <c:pt idx="7">
+                  <c:v>2022</c:v>
+                </c:pt>
+              </c:numCache>
+            </c:numRef>
+          </c:cat>
+          <c:val>
+            <c:numRef>
+              <c:f>'Summary count'!$F$18:$M$18</c:f>
+              <c:numCache>
+                <c:formatCode>#,##0</c:formatCode>
+                <c:ptCount val="8"/>
+                <c:pt idx="0">
+                  <c:v>100</c:v>
+                </c:pt>
+                <c:pt idx="1">
+                  <c:v>122.87735849056605</c:v>
+                </c:pt>
+                <c:pt idx="2">
+                  <c:v>139.70125786163524</c:v>
+                </c:pt>
+                <c:pt idx="3">
+                  <c:v>108.88364779874213</c:v>
+                </c:pt>
+                <c:pt idx="4">
+                  <c:v>94.654088050314471</c:v>
+                </c:pt>
+                <c:pt idx="5">
+                  <c:v>98.584905660377359</c:v>
+                </c:pt>
+                <c:pt idx="6">
+                  <c:v>101.57232704402517</c:v>
+                </c:pt>
+                <c:pt idx="7">
+                  <c:v>105.73899371069182</c:v>
+                </c:pt>
+              </c:numCache>
+            </c:numRef>
+          </c:val>
+          <c:smooth val="0"/>
+          <c:extLst>
+            <c:ext xmlns:c16="http://schemas.microsoft.com/office/drawing/2014/chart" uri="{C3380CC4-5D6E-409C-BE32-E72D297353CC}">
+              <c16:uniqueId val="{00000002-1C90-4825-B97D-AB5032FFF48C}"/>
+            </c:ext>
+          </c:extLst>
+        </c:ser>
+        <c:ser>
+          <c:idx val="3"/>
+          <c:order val="3"/>
+          <c:tx>
+            <c:strRef>
+              <c:f>'Summary count'!$E$19</c:f>
+              <c:strCache>
+                <c:ptCount val="1"/>
+                <c:pt idx="0">
+                  <c:v>All other</c:v>
+                </c:pt>
+              </c:strCache>
+            </c:strRef>
+          </c:tx>
+          <c:spPr>
+            <a:ln w="28575" cap="rnd">
+              <a:solidFill>
+                <a:schemeClr val="bg2"/>
+              </a:solidFill>
+              <a:round/>
+            </a:ln>
+            <a:effectLst/>
+          </c:spPr>
+          <c:marker>
+            <c:symbol val="none"/>
+          </c:marker>
+          <c:cat>
+            <c:numRef>
+              <c:f>'Summary count'!$F$7:$M$7</c:f>
+              <c:numCache>
+                <c:formatCode>General</c:formatCode>
+                <c:ptCount val="8"/>
+                <c:pt idx="0">
+                  <c:v>2015</c:v>
+                </c:pt>
+                <c:pt idx="1">
+                  <c:v>2016</c:v>
+                </c:pt>
+                <c:pt idx="2">
+                  <c:v>2017</c:v>
+                </c:pt>
+                <c:pt idx="3">
+                  <c:v>2018</c:v>
+                </c:pt>
+                <c:pt idx="4">
+                  <c:v>2019</c:v>
+                </c:pt>
+                <c:pt idx="5">
+                  <c:v>2020</c:v>
+                </c:pt>
+                <c:pt idx="6">
+                  <c:v>2021</c:v>
+                </c:pt>
+                <c:pt idx="7">
+                  <c:v>2022</c:v>
+                </c:pt>
+              </c:numCache>
+            </c:numRef>
+          </c:cat>
+          <c:val>
+            <c:numRef>
+              <c:f>'Summary count'!$F$19:$M$19</c:f>
+              <c:numCache>
+                <c:formatCode>#,##0</c:formatCode>
+                <c:ptCount val="8"/>
+                <c:pt idx="0">
+                  <c:v>100</c:v>
+                </c:pt>
+                <c:pt idx="1">
+                  <c:v>107.52685412148202</c:v>
+                </c:pt>
+                <c:pt idx="2">
+                  <c:v>114.26958072920009</c:v>
+                </c:pt>
+                <c:pt idx="3">
+                  <c:v>114.7495540354975</c:v>
+                </c:pt>
+                <c:pt idx="4">
+                  <c:v>118.72152564777146</c:v>
+                </c:pt>
+                <c:pt idx="5">
+                  <c:v>120.6581024370837</c:v>
+                </c:pt>
+                <c:pt idx="6">
+                  <c:v>121.01230733691817</c:v>
+                </c:pt>
+                <c:pt idx="7">
+                  <c:v>120.79542100332388</c:v>
+                </c:pt>
+              </c:numCache>
+            </c:numRef>
+          </c:val>
+          <c:smooth val="0"/>
+          <c:extLst>
+            <c:ext xmlns:c16="http://schemas.microsoft.com/office/drawing/2014/chart" uri="{C3380CC4-5D6E-409C-BE32-E72D297353CC}">
+              <c16:uniqueId val="{00000003-1C90-4825-B97D-AB5032FFF48C}"/>
+            </c:ext>
+          </c:extLst>
+        </c:ser>
+        <c:dLbls>
+          <c:showLegendKey val="0"/>
+          <c:showVal val="0"/>
+          <c:showCatName val="0"/>
+          <c:showSerName val="0"/>
+          <c:showPercent val="0"/>
+          <c:showBubbleSize val="0"/>
+        </c:dLbls>
+        <c:smooth val="0"/>
+        <c:axId val="427798088"/>
+        <c:axId val="427795464"/>
+      </c:lineChart>
+      <c:catAx>
+        <c:axId val="427798088"/>
+        <c:scaling>
+          <c:orientation val="minMax"/>
+        </c:scaling>
+        <c:delete val="0"/>
+        <c:axPos val="b"/>
+        <c:numFmt formatCode="General" sourceLinked="1"/>
+        <c:majorTickMark val="none"/>
+        <c:minorTickMark val="none"/>
+        <c:tickLblPos val="nextTo"/>
+        <c:spPr>
+          <a:noFill/>
+          <a:ln w="9525" cap="flat" cmpd="sng" algn="ctr">
+            <a:solidFill>
+              <a:schemeClr val="bg1">
+                <a:lumMod val="75000"/>
+              </a:schemeClr>
+            </a:solidFill>
+            <a:round/>
+          </a:ln>
+          <a:effectLst/>
+        </c:spPr>
+        <c:txPr>
+          <a:bodyPr rot="-60000000" spcFirstLastPara="1" vertOverflow="ellipsis" vert="horz" wrap="square" anchor="ctr" anchorCtr="1"/>
+          <a:lstStyle/>
+          <a:p>
+            <a:pPr>
+              <a:defRPr sz="900" b="0" i="0" u="none" strike="noStrike" kern="1200" baseline="0">
+                <a:solidFill>
+                  <a:schemeClr val="tx1">
+                    <a:lumMod val="65000"/>
+                    <a:lumOff val="35000"/>
+                  </a:schemeClr>
+                </a:solidFill>
+                <a:latin typeface="Arial" panose="020B0604020202020204" pitchFamily="34" charset="0"/>
+                <a:ea typeface="+mn-ea"/>
+                <a:cs typeface="Arial" panose="020B0604020202020204" pitchFamily="34" charset="0"/>
+              </a:defRPr>
+            </a:pPr>
+            <a:endParaRPr lang="en-US"/>
+          </a:p>
+        </c:txPr>
+        <c:crossAx val="427795464"/>
+        <c:crosses val="autoZero"/>
+        <c:auto val="1"/>
+        <c:lblAlgn val="ctr"/>
+        <c:lblOffset val="100"/>
+        <c:noMultiLvlLbl val="0"/>
+      </c:catAx>
+      <c:valAx>
+        <c:axId val="427795464"/>
+        <c:scaling>
+          <c:orientation val="minMax"/>
+          <c:max val="145"/>
+          <c:min val="85"/>
+        </c:scaling>
+        <c:delete val="0"/>
+        <c:axPos val="l"/>
+        <c:majorGridlines>
+          <c:spPr>
+            <a:ln w="9525" cap="flat" cmpd="sng" algn="ctr">
+              <a:solidFill>
+                <a:schemeClr val="tx1">
+                  <a:lumMod val="15000"/>
+                  <a:lumOff val="85000"/>
+                </a:schemeClr>
+              </a:solidFill>
+              <a:round/>
+            </a:ln>
+            <a:effectLst/>
+          </c:spPr>
+        </c:majorGridlines>
+        <c:numFmt formatCode="#,##0" sourceLinked="1"/>
+        <c:majorTickMark val="none"/>
+        <c:minorTickMark val="none"/>
+        <c:tickLblPos val="low"/>
+        <c:spPr>
+          <a:noFill/>
+          <a:ln>
+            <a:noFill/>
+          </a:ln>
+          <a:effectLst/>
+        </c:spPr>
+        <c:txPr>
+          <a:bodyPr rot="-60000000" spcFirstLastPara="1" vertOverflow="ellipsis" vert="horz" wrap="square" anchor="ctr" anchorCtr="1"/>
+          <a:lstStyle/>
+          <a:p>
+            <a:pPr>
+              <a:defRPr sz="900" b="0" i="0" u="none" strike="noStrike" kern="1200" baseline="0">
+                <a:solidFill>
+                  <a:schemeClr val="tx1">
+                    <a:lumMod val="65000"/>
+                    <a:lumOff val="35000"/>
+                  </a:schemeClr>
+                </a:solidFill>
+                <a:latin typeface="Arial" panose="020B0604020202020204" pitchFamily="34" charset="0"/>
+                <a:ea typeface="+mn-ea"/>
+                <a:cs typeface="Arial" panose="020B0604020202020204" pitchFamily="34" charset="0"/>
+              </a:defRPr>
+            </a:pPr>
+            <a:endParaRPr lang="en-US"/>
+          </a:p>
+        </c:txPr>
+        <c:crossAx val="427798088"/>
+        <c:crosses val="autoZero"/>
+        <c:crossBetween val="between"/>
+        <c:majorUnit val="15"/>
+      </c:valAx>
+      <c:spPr>
+        <a:noFill/>
+        <a:ln>
+          <a:noFill/>
+        </a:ln>
+        <a:effectLst/>
+      </c:spPr>
+    </c:plotArea>
+    <c:legend>
+      <c:legendPos val="t"/>
+      <c:layout>
+        <c:manualLayout>
+          <c:xMode val="edge"/>
+          <c:yMode val="edge"/>
+          <c:x val="1.182091369013656E-2"/>
+          <c:y val="0.10695583749182436"/>
+          <c:w val="0.93048242610977971"/>
+          <c:h val="0.10837452805030387"/>
+        </c:manualLayout>
+      </c:layout>
+      <c:overlay val="0"/>
+      <c:spPr>
+        <a:noFill/>
+        <a:ln>
+          <a:noFill/>
+        </a:ln>
+        <a:effectLst/>
+      </c:spPr>
+      <c:txPr>
+        <a:bodyPr rot="0" spcFirstLastPara="1" vertOverflow="ellipsis" vert="horz" wrap="square" anchor="ctr" anchorCtr="1"/>
+        <a:lstStyle/>
+        <a:p>
+          <a:pPr>
+            <a:defRPr sz="900" b="0" i="0" u="none" strike="noStrike" kern="1200" baseline="0">
+              <a:solidFill>
+                <a:schemeClr val="tx1">
+                  <a:lumMod val="65000"/>
+                  <a:lumOff val="35000"/>
+                </a:schemeClr>
+              </a:solidFill>
+              <a:latin typeface="Arial" panose="020B0604020202020204" pitchFamily="34" charset="0"/>
+              <a:ea typeface="+mn-ea"/>
+              <a:cs typeface="Arial" panose="020B0604020202020204" pitchFamily="34" charset="0"/>
+            </a:defRPr>
+          </a:pPr>
+          <a:endParaRPr lang="en-US"/>
+        </a:p>
+      </c:txPr>
+    </c:legend>
+    <c:plotVisOnly val="1"/>
+    <c:dispBlanksAs val="gap"/>
+    <c:extLst>
+      <c:ext xmlns:c16r3="http://schemas.microsoft.com/office/drawing/2017/03/chart" uri="{56B9EC1D-385E-4148-901F-78D8002777C0}">
+        <c16r3:dataDisplayOptions16>
+          <c16r3:dispNaAsBlank val="1"/>
+        </c16r3:dataDisplayOptions16>
+      </c:ext>
+    </c:extLst>
+    <c:showDLblsOverMax val="0"/>
+  </c:chart>
+  <c:spPr>
+    <a:noFill/>
+    <a:ln>
+      <a:noFill/>
     </a:ln>
     <a:effectLst/>
   </c:spPr>
@@ -4162,6 +7879,86 @@
 </file>
 
 <file path=ppt/charts/colors5.xml><?xml version="1.0" encoding="utf-8"?>
+<cs:colorStyle xmlns:cs="http://schemas.microsoft.com/office/drawing/2012/chartStyle" xmlns:a="http://schemas.openxmlformats.org/drawingml/2006/main" meth="cycle" id="10">
+  <a:schemeClr val="accent1"/>
+  <a:schemeClr val="accent2"/>
+  <a:schemeClr val="accent3"/>
+  <a:schemeClr val="accent4"/>
+  <a:schemeClr val="accent5"/>
+  <a:schemeClr val="accent6"/>
+  <cs:variation/>
+  <cs:variation>
+    <a:lumMod val="60000"/>
+  </cs:variation>
+  <cs:variation>
+    <a:lumMod val="80000"/>
+    <a:lumOff val="20000"/>
+  </cs:variation>
+  <cs:variation>
+    <a:lumMod val="80000"/>
+  </cs:variation>
+  <cs:variation>
+    <a:lumMod val="60000"/>
+    <a:lumOff val="40000"/>
+  </cs:variation>
+  <cs:variation>
+    <a:lumMod val="50000"/>
+  </cs:variation>
+  <cs:variation>
+    <a:lumMod val="70000"/>
+    <a:lumOff val="30000"/>
+  </cs:variation>
+  <cs:variation>
+    <a:lumMod val="70000"/>
+  </cs:variation>
+  <cs:variation>
+    <a:lumMod val="50000"/>
+    <a:lumOff val="50000"/>
+  </cs:variation>
+</cs:colorStyle>
+</file>
+
+<file path=ppt/charts/colors6.xml><?xml version="1.0" encoding="utf-8"?>
+<cs:colorStyle xmlns:cs="http://schemas.microsoft.com/office/drawing/2012/chartStyle" xmlns:a="http://schemas.openxmlformats.org/drawingml/2006/main" meth="cycle" id="10">
+  <a:schemeClr val="accent1"/>
+  <a:schemeClr val="accent2"/>
+  <a:schemeClr val="accent3"/>
+  <a:schemeClr val="accent4"/>
+  <a:schemeClr val="accent5"/>
+  <a:schemeClr val="accent6"/>
+  <cs:variation/>
+  <cs:variation>
+    <a:lumMod val="60000"/>
+  </cs:variation>
+  <cs:variation>
+    <a:lumMod val="80000"/>
+    <a:lumOff val="20000"/>
+  </cs:variation>
+  <cs:variation>
+    <a:lumMod val="80000"/>
+  </cs:variation>
+  <cs:variation>
+    <a:lumMod val="60000"/>
+    <a:lumOff val="40000"/>
+  </cs:variation>
+  <cs:variation>
+    <a:lumMod val="50000"/>
+  </cs:variation>
+  <cs:variation>
+    <a:lumMod val="70000"/>
+    <a:lumOff val="30000"/>
+  </cs:variation>
+  <cs:variation>
+    <a:lumMod val="70000"/>
+  </cs:variation>
+  <cs:variation>
+    <a:lumMod val="50000"/>
+    <a:lumOff val="50000"/>
+  </cs:variation>
+</cs:colorStyle>
+</file>
+
+<file path=ppt/charts/colors7.xml><?xml version="1.0" encoding="utf-8"?>
 <cs:colorStyle xmlns:cs="http://schemas.microsoft.com/office/drawing/2012/chartStyle" xmlns:a="http://schemas.openxmlformats.org/drawingml/2006/main" meth="cycle" id="10">
   <a:schemeClr val="accent1"/>
   <a:schemeClr val="accent2"/>
@@ -6759,6 +10556,1052 @@
 </cs:chartStyle>
 </file>
 
+<file path=ppt/charts/style6.xml><?xml version="1.0" encoding="utf-8"?>
+<cs:chartStyle xmlns:cs="http://schemas.microsoft.com/office/drawing/2012/chartStyle" xmlns:a="http://schemas.openxmlformats.org/drawingml/2006/main" id="227">
+  <cs:axisTitle>
+    <cs:lnRef idx="0"/>
+    <cs:fillRef idx="0"/>
+    <cs:effectRef idx="0"/>
+    <cs:fontRef idx="minor">
+      <a:schemeClr val="tx1">
+        <a:lumMod val="65000"/>
+        <a:lumOff val="35000"/>
+      </a:schemeClr>
+    </cs:fontRef>
+    <cs:defRPr sz="1000" kern="1200"/>
+  </cs:axisTitle>
+  <cs:categoryAxis>
+    <cs:lnRef idx="0"/>
+    <cs:fillRef idx="0"/>
+    <cs:effectRef idx="0"/>
+    <cs:fontRef idx="minor">
+      <a:schemeClr val="tx1">
+        <a:lumMod val="65000"/>
+        <a:lumOff val="35000"/>
+      </a:schemeClr>
+    </cs:fontRef>
+    <cs:spPr>
+      <a:ln w="9525" cap="flat" cmpd="sng" algn="ctr">
+        <a:solidFill>
+          <a:schemeClr val="tx1">
+            <a:lumMod val="15000"/>
+            <a:lumOff val="85000"/>
+          </a:schemeClr>
+        </a:solidFill>
+        <a:round/>
+      </a:ln>
+    </cs:spPr>
+    <cs:defRPr sz="900" kern="1200"/>
+  </cs:categoryAxis>
+  <cs:chartArea mods="allowNoFillOverride allowNoLineOverride">
+    <cs:lnRef idx="0"/>
+    <cs:fillRef idx="0"/>
+    <cs:effectRef idx="0"/>
+    <cs:fontRef idx="minor">
+      <a:schemeClr val="tx1"/>
+    </cs:fontRef>
+    <cs:spPr>
+      <a:solidFill>
+        <a:schemeClr val="bg1"/>
+      </a:solidFill>
+      <a:ln w="9525" cap="flat" cmpd="sng" algn="ctr">
+        <a:solidFill>
+          <a:schemeClr val="tx1">
+            <a:lumMod val="15000"/>
+            <a:lumOff val="85000"/>
+          </a:schemeClr>
+        </a:solidFill>
+        <a:round/>
+      </a:ln>
+    </cs:spPr>
+    <cs:defRPr sz="1000" kern="1200"/>
+  </cs:chartArea>
+  <cs:dataLabel>
+    <cs:lnRef idx="0"/>
+    <cs:fillRef idx="0"/>
+    <cs:effectRef idx="0"/>
+    <cs:fontRef idx="minor">
+      <a:schemeClr val="tx1">
+        <a:lumMod val="75000"/>
+        <a:lumOff val="25000"/>
+      </a:schemeClr>
+    </cs:fontRef>
+    <cs:defRPr sz="900" kern="1200"/>
+  </cs:dataLabel>
+  <cs:dataLabelCallout>
+    <cs:lnRef idx="0"/>
+    <cs:fillRef idx="0"/>
+    <cs:effectRef idx="0"/>
+    <cs:fontRef idx="minor">
+      <a:schemeClr val="dk1">
+        <a:lumMod val="65000"/>
+        <a:lumOff val="35000"/>
+      </a:schemeClr>
+    </cs:fontRef>
+    <cs:spPr>
+      <a:solidFill>
+        <a:schemeClr val="lt1"/>
+      </a:solidFill>
+      <a:ln>
+        <a:solidFill>
+          <a:schemeClr val="dk1">
+            <a:lumMod val="25000"/>
+            <a:lumOff val="75000"/>
+          </a:schemeClr>
+        </a:solidFill>
+      </a:ln>
+    </cs:spPr>
+    <cs:defRPr sz="900" kern="1200"/>
+    <cs:bodyPr rot="0" spcFirstLastPara="1" vertOverflow="clip" horzOverflow="clip" vert="horz" wrap="square" lIns="36576" tIns="18288" rIns="36576" bIns="18288" anchor="ctr" anchorCtr="1">
+      <a:spAutoFit/>
+    </cs:bodyPr>
+  </cs:dataLabelCallout>
+  <cs:dataPoint>
+    <cs:lnRef idx="0"/>
+    <cs:fillRef idx="1">
+      <cs:styleClr val="auto"/>
+    </cs:fillRef>
+    <cs:effectRef idx="0"/>
+    <cs:fontRef idx="minor">
+      <a:schemeClr val="tx1"/>
+    </cs:fontRef>
+    <cs:spPr>
+      <a:solidFill>
+        <a:schemeClr val="phClr"/>
+      </a:solidFill>
+    </cs:spPr>
+  </cs:dataPoint>
+  <cs:dataPoint3D>
+    <cs:lnRef idx="0"/>
+    <cs:fillRef idx="1">
+      <cs:styleClr val="auto"/>
+    </cs:fillRef>
+    <cs:effectRef idx="0"/>
+    <cs:fontRef idx="minor">
+      <a:schemeClr val="tx1"/>
+    </cs:fontRef>
+    <cs:spPr>
+      <a:solidFill>
+        <a:schemeClr val="phClr"/>
+      </a:solidFill>
+    </cs:spPr>
+  </cs:dataPoint3D>
+  <cs:dataPointLine>
+    <cs:lnRef idx="0">
+      <cs:styleClr val="auto"/>
+    </cs:lnRef>
+    <cs:fillRef idx="1"/>
+    <cs:effectRef idx="0"/>
+    <cs:fontRef idx="minor">
+      <a:schemeClr val="tx1"/>
+    </cs:fontRef>
+    <cs:spPr>
+      <a:ln w="28575" cap="rnd">
+        <a:solidFill>
+          <a:schemeClr val="phClr"/>
+        </a:solidFill>
+        <a:round/>
+      </a:ln>
+    </cs:spPr>
+  </cs:dataPointLine>
+  <cs:dataPointMarker>
+    <cs:lnRef idx="0">
+      <cs:styleClr val="auto"/>
+    </cs:lnRef>
+    <cs:fillRef idx="1">
+      <cs:styleClr val="auto"/>
+    </cs:fillRef>
+    <cs:effectRef idx="0"/>
+    <cs:fontRef idx="minor">
+      <a:schemeClr val="tx1"/>
+    </cs:fontRef>
+    <cs:spPr>
+      <a:solidFill>
+        <a:schemeClr val="phClr"/>
+      </a:solidFill>
+      <a:ln w="9525">
+        <a:solidFill>
+          <a:schemeClr val="phClr"/>
+        </a:solidFill>
+      </a:ln>
+    </cs:spPr>
+  </cs:dataPointMarker>
+  <cs:dataPointMarkerLayout symbol="circle" size="5"/>
+  <cs:dataPointWireframe>
+    <cs:lnRef idx="0">
+      <cs:styleClr val="auto"/>
+    </cs:lnRef>
+    <cs:fillRef idx="1"/>
+    <cs:effectRef idx="0"/>
+    <cs:fontRef idx="minor">
+      <a:schemeClr val="tx1"/>
+    </cs:fontRef>
+    <cs:spPr>
+      <a:ln w="9525" cap="rnd">
+        <a:solidFill>
+          <a:schemeClr val="phClr"/>
+        </a:solidFill>
+        <a:round/>
+      </a:ln>
+    </cs:spPr>
+  </cs:dataPointWireframe>
+  <cs:dataTable>
+    <cs:lnRef idx="0"/>
+    <cs:fillRef idx="0"/>
+    <cs:effectRef idx="0"/>
+    <cs:fontRef idx="minor">
+      <a:schemeClr val="tx1">
+        <a:lumMod val="65000"/>
+        <a:lumOff val="35000"/>
+      </a:schemeClr>
+    </cs:fontRef>
+    <cs:spPr>
+      <a:noFill/>
+      <a:ln w="9525" cap="flat" cmpd="sng" algn="ctr">
+        <a:solidFill>
+          <a:schemeClr val="tx1">
+            <a:lumMod val="15000"/>
+            <a:lumOff val="85000"/>
+          </a:schemeClr>
+        </a:solidFill>
+        <a:round/>
+      </a:ln>
+    </cs:spPr>
+    <cs:defRPr sz="900" kern="1200"/>
+  </cs:dataTable>
+  <cs:downBar>
+    <cs:lnRef idx="0"/>
+    <cs:fillRef idx="0"/>
+    <cs:effectRef idx="0"/>
+    <cs:fontRef idx="minor">
+      <a:schemeClr val="dk1"/>
+    </cs:fontRef>
+    <cs:spPr>
+      <a:solidFill>
+        <a:schemeClr val="dk1">
+          <a:lumMod val="65000"/>
+          <a:lumOff val="35000"/>
+        </a:schemeClr>
+      </a:solidFill>
+      <a:ln w="9525">
+        <a:solidFill>
+          <a:schemeClr val="tx1">
+            <a:lumMod val="65000"/>
+            <a:lumOff val="35000"/>
+          </a:schemeClr>
+        </a:solidFill>
+      </a:ln>
+    </cs:spPr>
+  </cs:downBar>
+  <cs:dropLine>
+    <cs:lnRef idx="0"/>
+    <cs:fillRef idx="0"/>
+    <cs:effectRef idx="0"/>
+    <cs:fontRef idx="minor">
+      <a:schemeClr val="tx1"/>
+    </cs:fontRef>
+    <cs:spPr>
+      <a:ln w="9525" cap="flat" cmpd="sng" algn="ctr">
+        <a:solidFill>
+          <a:schemeClr val="tx1">
+            <a:lumMod val="35000"/>
+            <a:lumOff val="65000"/>
+          </a:schemeClr>
+        </a:solidFill>
+        <a:round/>
+      </a:ln>
+    </cs:spPr>
+  </cs:dropLine>
+  <cs:errorBar>
+    <cs:lnRef idx="0"/>
+    <cs:fillRef idx="0"/>
+    <cs:effectRef idx="0"/>
+    <cs:fontRef idx="minor">
+      <a:schemeClr val="tx1"/>
+    </cs:fontRef>
+    <cs:spPr>
+      <a:ln w="9525" cap="flat" cmpd="sng" algn="ctr">
+        <a:solidFill>
+          <a:schemeClr val="tx1">
+            <a:lumMod val="65000"/>
+            <a:lumOff val="35000"/>
+          </a:schemeClr>
+        </a:solidFill>
+        <a:round/>
+      </a:ln>
+    </cs:spPr>
+  </cs:errorBar>
+  <cs:floor>
+    <cs:lnRef idx="0"/>
+    <cs:fillRef idx="0"/>
+    <cs:effectRef idx="0"/>
+    <cs:fontRef idx="minor">
+      <a:schemeClr val="tx1"/>
+    </cs:fontRef>
+    <cs:spPr>
+      <a:noFill/>
+      <a:ln>
+        <a:noFill/>
+      </a:ln>
+    </cs:spPr>
+  </cs:floor>
+  <cs:gridlineMajor>
+    <cs:lnRef idx="0"/>
+    <cs:fillRef idx="0"/>
+    <cs:effectRef idx="0"/>
+    <cs:fontRef idx="minor">
+      <a:schemeClr val="tx1"/>
+    </cs:fontRef>
+    <cs:spPr>
+      <a:ln w="9525" cap="flat" cmpd="sng" algn="ctr">
+        <a:solidFill>
+          <a:schemeClr val="tx1">
+            <a:lumMod val="15000"/>
+            <a:lumOff val="85000"/>
+          </a:schemeClr>
+        </a:solidFill>
+        <a:round/>
+      </a:ln>
+    </cs:spPr>
+  </cs:gridlineMajor>
+  <cs:gridlineMinor>
+    <cs:lnRef idx="0"/>
+    <cs:fillRef idx="0"/>
+    <cs:effectRef idx="0"/>
+    <cs:fontRef idx="minor">
+      <a:schemeClr val="tx1"/>
+    </cs:fontRef>
+    <cs:spPr>
+      <a:ln w="9525" cap="flat" cmpd="sng" algn="ctr">
+        <a:solidFill>
+          <a:schemeClr val="tx1">
+            <a:lumMod val="5000"/>
+            <a:lumOff val="95000"/>
+          </a:schemeClr>
+        </a:solidFill>
+        <a:round/>
+      </a:ln>
+    </cs:spPr>
+  </cs:gridlineMinor>
+  <cs:hiLoLine>
+    <cs:lnRef idx="0"/>
+    <cs:fillRef idx="0"/>
+    <cs:effectRef idx="0"/>
+    <cs:fontRef idx="minor">
+      <a:schemeClr val="tx1"/>
+    </cs:fontRef>
+    <cs:spPr>
+      <a:ln w="9525" cap="flat" cmpd="sng" algn="ctr">
+        <a:solidFill>
+          <a:schemeClr val="tx1">
+            <a:lumMod val="75000"/>
+            <a:lumOff val="25000"/>
+          </a:schemeClr>
+        </a:solidFill>
+        <a:round/>
+      </a:ln>
+    </cs:spPr>
+  </cs:hiLoLine>
+  <cs:leaderLine>
+    <cs:lnRef idx="0"/>
+    <cs:fillRef idx="0"/>
+    <cs:effectRef idx="0"/>
+    <cs:fontRef idx="minor">
+      <a:schemeClr val="tx1"/>
+    </cs:fontRef>
+    <cs:spPr>
+      <a:ln w="9525" cap="flat" cmpd="sng" algn="ctr">
+        <a:solidFill>
+          <a:schemeClr val="tx1">
+            <a:lumMod val="35000"/>
+            <a:lumOff val="65000"/>
+          </a:schemeClr>
+        </a:solidFill>
+        <a:round/>
+      </a:ln>
+    </cs:spPr>
+  </cs:leaderLine>
+  <cs:legend>
+    <cs:lnRef idx="0"/>
+    <cs:fillRef idx="0"/>
+    <cs:effectRef idx="0"/>
+    <cs:fontRef idx="minor">
+      <a:schemeClr val="tx1">
+        <a:lumMod val="65000"/>
+        <a:lumOff val="35000"/>
+      </a:schemeClr>
+    </cs:fontRef>
+    <cs:defRPr sz="900" kern="1200"/>
+  </cs:legend>
+  <cs:plotArea mods="allowNoFillOverride allowNoLineOverride">
+    <cs:lnRef idx="0"/>
+    <cs:fillRef idx="0"/>
+    <cs:effectRef idx="0"/>
+    <cs:fontRef idx="minor">
+      <a:schemeClr val="tx1"/>
+    </cs:fontRef>
+  </cs:plotArea>
+  <cs:plotArea3D mods="allowNoFillOverride allowNoLineOverride">
+    <cs:lnRef idx="0"/>
+    <cs:fillRef idx="0"/>
+    <cs:effectRef idx="0"/>
+    <cs:fontRef idx="minor">
+      <a:schemeClr val="tx1"/>
+    </cs:fontRef>
+  </cs:plotArea3D>
+  <cs:seriesAxis>
+    <cs:lnRef idx="0"/>
+    <cs:fillRef idx="0"/>
+    <cs:effectRef idx="0"/>
+    <cs:fontRef idx="minor">
+      <a:schemeClr val="tx1">
+        <a:lumMod val="65000"/>
+        <a:lumOff val="35000"/>
+      </a:schemeClr>
+    </cs:fontRef>
+    <cs:defRPr sz="900" kern="1200"/>
+  </cs:seriesAxis>
+  <cs:seriesLine>
+    <cs:lnRef idx="0"/>
+    <cs:fillRef idx="0"/>
+    <cs:effectRef idx="0"/>
+    <cs:fontRef idx="minor">
+      <a:schemeClr val="tx1"/>
+    </cs:fontRef>
+    <cs:spPr>
+      <a:ln w="9525" cap="flat" cmpd="sng" algn="ctr">
+        <a:solidFill>
+          <a:schemeClr val="tx1">
+            <a:lumMod val="35000"/>
+            <a:lumOff val="65000"/>
+          </a:schemeClr>
+        </a:solidFill>
+        <a:round/>
+      </a:ln>
+    </cs:spPr>
+  </cs:seriesLine>
+  <cs:title>
+    <cs:lnRef idx="0"/>
+    <cs:fillRef idx="0"/>
+    <cs:effectRef idx="0"/>
+    <cs:fontRef idx="minor">
+      <a:schemeClr val="tx1">
+        <a:lumMod val="65000"/>
+        <a:lumOff val="35000"/>
+      </a:schemeClr>
+    </cs:fontRef>
+    <cs:defRPr sz="1400" b="0" kern="1200" spc="0" baseline="0"/>
+  </cs:title>
+  <cs:trendline>
+    <cs:lnRef idx="0">
+      <cs:styleClr val="auto"/>
+    </cs:lnRef>
+    <cs:fillRef idx="0"/>
+    <cs:effectRef idx="0"/>
+    <cs:fontRef idx="minor">
+      <a:schemeClr val="tx1"/>
+    </cs:fontRef>
+    <cs:spPr>
+      <a:ln w="19050" cap="rnd">
+        <a:solidFill>
+          <a:schemeClr val="phClr"/>
+        </a:solidFill>
+        <a:prstDash val="sysDot"/>
+      </a:ln>
+    </cs:spPr>
+  </cs:trendline>
+  <cs:trendlineLabel>
+    <cs:lnRef idx="0"/>
+    <cs:fillRef idx="0"/>
+    <cs:effectRef idx="0"/>
+    <cs:fontRef idx="minor">
+      <a:schemeClr val="tx1">
+        <a:lumMod val="65000"/>
+        <a:lumOff val="35000"/>
+      </a:schemeClr>
+    </cs:fontRef>
+    <cs:defRPr sz="900" kern="1200"/>
+  </cs:trendlineLabel>
+  <cs:upBar>
+    <cs:lnRef idx="0"/>
+    <cs:fillRef idx="0"/>
+    <cs:effectRef idx="0"/>
+    <cs:fontRef idx="minor">
+      <a:schemeClr val="dk1"/>
+    </cs:fontRef>
+    <cs:spPr>
+      <a:solidFill>
+        <a:schemeClr val="lt1"/>
+      </a:solidFill>
+      <a:ln w="9525">
+        <a:solidFill>
+          <a:schemeClr val="tx1">
+            <a:lumMod val="15000"/>
+            <a:lumOff val="85000"/>
+          </a:schemeClr>
+        </a:solidFill>
+      </a:ln>
+    </cs:spPr>
+  </cs:upBar>
+  <cs:valueAxis>
+    <cs:lnRef idx="0"/>
+    <cs:fillRef idx="0"/>
+    <cs:effectRef idx="0"/>
+    <cs:fontRef idx="minor">
+      <a:schemeClr val="tx1">
+        <a:lumMod val="65000"/>
+        <a:lumOff val="35000"/>
+      </a:schemeClr>
+    </cs:fontRef>
+    <cs:defRPr sz="900" kern="1200"/>
+  </cs:valueAxis>
+  <cs:wall>
+    <cs:lnRef idx="0"/>
+    <cs:fillRef idx="0"/>
+    <cs:effectRef idx="0"/>
+    <cs:fontRef idx="minor">
+      <a:schemeClr val="tx1"/>
+    </cs:fontRef>
+    <cs:spPr>
+      <a:noFill/>
+      <a:ln>
+        <a:noFill/>
+      </a:ln>
+    </cs:spPr>
+  </cs:wall>
+</cs:chartStyle>
+</file>
+
+<file path=ppt/charts/style7.xml><?xml version="1.0" encoding="utf-8"?>
+<cs:chartStyle xmlns:cs="http://schemas.microsoft.com/office/drawing/2012/chartStyle" xmlns:a="http://schemas.openxmlformats.org/drawingml/2006/main" id="227">
+  <cs:axisTitle>
+    <cs:lnRef idx="0"/>
+    <cs:fillRef idx="0"/>
+    <cs:effectRef idx="0"/>
+    <cs:fontRef idx="minor">
+      <a:schemeClr val="tx1">
+        <a:lumMod val="65000"/>
+        <a:lumOff val="35000"/>
+      </a:schemeClr>
+    </cs:fontRef>
+    <cs:defRPr sz="1000" kern="1200"/>
+  </cs:axisTitle>
+  <cs:categoryAxis>
+    <cs:lnRef idx="0"/>
+    <cs:fillRef idx="0"/>
+    <cs:effectRef idx="0"/>
+    <cs:fontRef idx="minor">
+      <a:schemeClr val="tx1">
+        <a:lumMod val="65000"/>
+        <a:lumOff val="35000"/>
+      </a:schemeClr>
+    </cs:fontRef>
+    <cs:spPr>
+      <a:ln w="9525" cap="flat" cmpd="sng" algn="ctr">
+        <a:solidFill>
+          <a:schemeClr val="tx1">
+            <a:lumMod val="15000"/>
+            <a:lumOff val="85000"/>
+          </a:schemeClr>
+        </a:solidFill>
+        <a:round/>
+      </a:ln>
+    </cs:spPr>
+    <cs:defRPr sz="900" kern="1200"/>
+  </cs:categoryAxis>
+  <cs:chartArea mods="allowNoFillOverride allowNoLineOverride">
+    <cs:lnRef idx="0"/>
+    <cs:fillRef idx="0"/>
+    <cs:effectRef idx="0"/>
+    <cs:fontRef idx="minor">
+      <a:schemeClr val="tx1"/>
+    </cs:fontRef>
+    <cs:spPr>
+      <a:solidFill>
+        <a:schemeClr val="bg1"/>
+      </a:solidFill>
+      <a:ln w="9525" cap="flat" cmpd="sng" algn="ctr">
+        <a:solidFill>
+          <a:schemeClr val="tx1">
+            <a:lumMod val="15000"/>
+            <a:lumOff val="85000"/>
+          </a:schemeClr>
+        </a:solidFill>
+        <a:round/>
+      </a:ln>
+    </cs:spPr>
+    <cs:defRPr sz="1000" kern="1200"/>
+  </cs:chartArea>
+  <cs:dataLabel>
+    <cs:lnRef idx="0"/>
+    <cs:fillRef idx="0"/>
+    <cs:effectRef idx="0"/>
+    <cs:fontRef idx="minor">
+      <a:schemeClr val="tx1">
+        <a:lumMod val="75000"/>
+        <a:lumOff val="25000"/>
+      </a:schemeClr>
+    </cs:fontRef>
+    <cs:defRPr sz="900" kern="1200"/>
+  </cs:dataLabel>
+  <cs:dataLabelCallout>
+    <cs:lnRef idx="0"/>
+    <cs:fillRef idx="0"/>
+    <cs:effectRef idx="0"/>
+    <cs:fontRef idx="minor">
+      <a:schemeClr val="dk1">
+        <a:lumMod val="65000"/>
+        <a:lumOff val="35000"/>
+      </a:schemeClr>
+    </cs:fontRef>
+    <cs:spPr>
+      <a:solidFill>
+        <a:schemeClr val="lt1"/>
+      </a:solidFill>
+      <a:ln>
+        <a:solidFill>
+          <a:schemeClr val="dk1">
+            <a:lumMod val="25000"/>
+            <a:lumOff val="75000"/>
+          </a:schemeClr>
+        </a:solidFill>
+      </a:ln>
+    </cs:spPr>
+    <cs:defRPr sz="900" kern="1200"/>
+    <cs:bodyPr rot="0" spcFirstLastPara="1" vertOverflow="clip" horzOverflow="clip" vert="horz" wrap="square" lIns="36576" tIns="18288" rIns="36576" bIns="18288" anchor="ctr" anchorCtr="1">
+      <a:spAutoFit/>
+    </cs:bodyPr>
+  </cs:dataLabelCallout>
+  <cs:dataPoint>
+    <cs:lnRef idx="0"/>
+    <cs:fillRef idx="1">
+      <cs:styleClr val="auto"/>
+    </cs:fillRef>
+    <cs:effectRef idx="0"/>
+    <cs:fontRef idx="minor">
+      <a:schemeClr val="tx1"/>
+    </cs:fontRef>
+    <cs:spPr>
+      <a:solidFill>
+        <a:schemeClr val="phClr"/>
+      </a:solidFill>
+    </cs:spPr>
+  </cs:dataPoint>
+  <cs:dataPoint3D>
+    <cs:lnRef idx="0"/>
+    <cs:fillRef idx="1">
+      <cs:styleClr val="auto"/>
+    </cs:fillRef>
+    <cs:effectRef idx="0"/>
+    <cs:fontRef idx="minor">
+      <a:schemeClr val="tx1"/>
+    </cs:fontRef>
+    <cs:spPr>
+      <a:solidFill>
+        <a:schemeClr val="phClr"/>
+      </a:solidFill>
+    </cs:spPr>
+  </cs:dataPoint3D>
+  <cs:dataPointLine>
+    <cs:lnRef idx="0">
+      <cs:styleClr val="auto"/>
+    </cs:lnRef>
+    <cs:fillRef idx="1"/>
+    <cs:effectRef idx="0"/>
+    <cs:fontRef idx="minor">
+      <a:schemeClr val="tx1"/>
+    </cs:fontRef>
+    <cs:spPr>
+      <a:ln w="28575" cap="rnd">
+        <a:solidFill>
+          <a:schemeClr val="phClr"/>
+        </a:solidFill>
+        <a:round/>
+      </a:ln>
+    </cs:spPr>
+  </cs:dataPointLine>
+  <cs:dataPointMarker>
+    <cs:lnRef idx="0">
+      <cs:styleClr val="auto"/>
+    </cs:lnRef>
+    <cs:fillRef idx="1">
+      <cs:styleClr val="auto"/>
+    </cs:fillRef>
+    <cs:effectRef idx="0"/>
+    <cs:fontRef idx="minor">
+      <a:schemeClr val="tx1"/>
+    </cs:fontRef>
+    <cs:spPr>
+      <a:solidFill>
+        <a:schemeClr val="phClr"/>
+      </a:solidFill>
+      <a:ln w="9525">
+        <a:solidFill>
+          <a:schemeClr val="phClr"/>
+        </a:solidFill>
+      </a:ln>
+    </cs:spPr>
+  </cs:dataPointMarker>
+  <cs:dataPointMarkerLayout symbol="circle" size="5"/>
+  <cs:dataPointWireframe>
+    <cs:lnRef idx="0">
+      <cs:styleClr val="auto"/>
+    </cs:lnRef>
+    <cs:fillRef idx="1"/>
+    <cs:effectRef idx="0"/>
+    <cs:fontRef idx="minor">
+      <a:schemeClr val="tx1"/>
+    </cs:fontRef>
+    <cs:spPr>
+      <a:ln w="9525" cap="rnd">
+        <a:solidFill>
+          <a:schemeClr val="phClr"/>
+        </a:solidFill>
+        <a:round/>
+      </a:ln>
+    </cs:spPr>
+  </cs:dataPointWireframe>
+  <cs:dataTable>
+    <cs:lnRef idx="0"/>
+    <cs:fillRef idx="0"/>
+    <cs:effectRef idx="0"/>
+    <cs:fontRef idx="minor">
+      <a:schemeClr val="tx1">
+        <a:lumMod val="65000"/>
+        <a:lumOff val="35000"/>
+      </a:schemeClr>
+    </cs:fontRef>
+    <cs:spPr>
+      <a:noFill/>
+      <a:ln w="9525" cap="flat" cmpd="sng" algn="ctr">
+        <a:solidFill>
+          <a:schemeClr val="tx1">
+            <a:lumMod val="15000"/>
+            <a:lumOff val="85000"/>
+          </a:schemeClr>
+        </a:solidFill>
+        <a:round/>
+      </a:ln>
+    </cs:spPr>
+    <cs:defRPr sz="900" kern="1200"/>
+  </cs:dataTable>
+  <cs:downBar>
+    <cs:lnRef idx="0"/>
+    <cs:fillRef idx="0"/>
+    <cs:effectRef idx="0"/>
+    <cs:fontRef idx="minor">
+      <a:schemeClr val="dk1"/>
+    </cs:fontRef>
+    <cs:spPr>
+      <a:solidFill>
+        <a:schemeClr val="dk1">
+          <a:lumMod val="65000"/>
+          <a:lumOff val="35000"/>
+        </a:schemeClr>
+      </a:solidFill>
+      <a:ln w="9525">
+        <a:solidFill>
+          <a:schemeClr val="tx1">
+            <a:lumMod val="65000"/>
+            <a:lumOff val="35000"/>
+          </a:schemeClr>
+        </a:solidFill>
+      </a:ln>
+    </cs:spPr>
+  </cs:downBar>
+  <cs:dropLine>
+    <cs:lnRef idx="0"/>
+    <cs:fillRef idx="0"/>
+    <cs:effectRef idx="0"/>
+    <cs:fontRef idx="minor">
+      <a:schemeClr val="tx1"/>
+    </cs:fontRef>
+    <cs:spPr>
+      <a:ln w="9525" cap="flat" cmpd="sng" algn="ctr">
+        <a:solidFill>
+          <a:schemeClr val="tx1">
+            <a:lumMod val="35000"/>
+            <a:lumOff val="65000"/>
+          </a:schemeClr>
+        </a:solidFill>
+        <a:round/>
+      </a:ln>
+    </cs:spPr>
+  </cs:dropLine>
+  <cs:errorBar>
+    <cs:lnRef idx="0"/>
+    <cs:fillRef idx="0"/>
+    <cs:effectRef idx="0"/>
+    <cs:fontRef idx="minor">
+      <a:schemeClr val="tx1"/>
+    </cs:fontRef>
+    <cs:spPr>
+      <a:ln w="9525" cap="flat" cmpd="sng" algn="ctr">
+        <a:solidFill>
+          <a:schemeClr val="tx1">
+            <a:lumMod val="65000"/>
+            <a:lumOff val="35000"/>
+          </a:schemeClr>
+        </a:solidFill>
+        <a:round/>
+      </a:ln>
+    </cs:spPr>
+  </cs:errorBar>
+  <cs:floor>
+    <cs:lnRef idx="0"/>
+    <cs:fillRef idx="0"/>
+    <cs:effectRef idx="0"/>
+    <cs:fontRef idx="minor">
+      <a:schemeClr val="tx1"/>
+    </cs:fontRef>
+    <cs:spPr>
+      <a:noFill/>
+      <a:ln>
+        <a:noFill/>
+      </a:ln>
+    </cs:spPr>
+  </cs:floor>
+  <cs:gridlineMajor>
+    <cs:lnRef idx="0"/>
+    <cs:fillRef idx="0"/>
+    <cs:effectRef idx="0"/>
+    <cs:fontRef idx="minor">
+      <a:schemeClr val="tx1"/>
+    </cs:fontRef>
+    <cs:spPr>
+      <a:ln w="9525" cap="flat" cmpd="sng" algn="ctr">
+        <a:solidFill>
+          <a:schemeClr val="tx1">
+            <a:lumMod val="15000"/>
+            <a:lumOff val="85000"/>
+          </a:schemeClr>
+        </a:solidFill>
+        <a:round/>
+      </a:ln>
+    </cs:spPr>
+  </cs:gridlineMajor>
+  <cs:gridlineMinor>
+    <cs:lnRef idx="0"/>
+    <cs:fillRef idx="0"/>
+    <cs:effectRef idx="0"/>
+    <cs:fontRef idx="minor">
+      <a:schemeClr val="tx1"/>
+    </cs:fontRef>
+    <cs:spPr>
+      <a:ln w="9525" cap="flat" cmpd="sng" algn="ctr">
+        <a:solidFill>
+          <a:schemeClr val="tx1">
+            <a:lumMod val="5000"/>
+            <a:lumOff val="95000"/>
+          </a:schemeClr>
+        </a:solidFill>
+        <a:round/>
+      </a:ln>
+    </cs:spPr>
+  </cs:gridlineMinor>
+  <cs:hiLoLine>
+    <cs:lnRef idx="0"/>
+    <cs:fillRef idx="0"/>
+    <cs:effectRef idx="0"/>
+    <cs:fontRef idx="minor">
+      <a:schemeClr val="tx1"/>
+    </cs:fontRef>
+    <cs:spPr>
+      <a:ln w="9525" cap="flat" cmpd="sng" algn="ctr">
+        <a:solidFill>
+          <a:schemeClr val="tx1">
+            <a:lumMod val="75000"/>
+            <a:lumOff val="25000"/>
+          </a:schemeClr>
+        </a:solidFill>
+        <a:round/>
+      </a:ln>
+    </cs:spPr>
+  </cs:hiLoLine>
+  <cs:leaderLine>
+    <cs:lnRef idx="0"/>
+    <cs:fillRef idx="0"/>
+    <cs:effectRef idx="0"/>
+    <cs:fontRef idx="minor">
+      <a:schemeClr val="tx1"/>
+    </cs:fontRef>
+    <cs:spPr>
+      <a:ln w="9525" cap="flat" cmpd="sng" algn="ctr">
+        <a:solidFill>
+          <a:schemeClr val="tx1">
+            <a:lumMod val="35000"/>
+            <a:lumOff val="65000"/>
+          </a:schemeClr>
+        </a:solidFill>
+        <a:round/>
+      </a:ln>
+    </cs:spPr>
+  </cs:leaderLine>
+  <cs:legend>
+    <cs:lnRef idx="0"/>
+    <cs:fillRef idx="0"/>
+    <cs:effectRef idx="0"/>
+    <cs:fontRef idx="minor">
+      <a:schemeClr val="tx1">
+        <a:lumMod val="65000"/>
+        <a:lumOff val="35000"/>
+      </a:schemeClr>
+    </cs:fontRef>
+    <cs:defRPr sz="900" kern="1200"/>
+  </cs:legend>
+  <cs:plotArea mods="allowNoFillOverride allowNoLineOverride">
+    <cs:lnRef idx="0"/>
+    <cs:fillRef idx="0"/>
+    <cs:effectRef idx="0"/>
+    <cs:fontRef idx="minor">
+      <a:schemeClr val="tx1"/>
+    </cs:fontRef>
+  </cs:plotArea>
+  <cs:plotArea3D mods="allowNoFillOverride allowNoLineOverride">
+    <cs:lnRef idx="0"/>
+    <cs:fillRef idx="0"/>
+    <cs:effectRef idx="0"/>
+    <cs:fontRef idx="minor">
+      <a:schemeClr val="tx1"/>
+    </cs:fontRef>
+  </cs:plotArea3D>
+  <cs:seriesAxis>
+    <cs:lnRef idx="0"/>
+    <cs:fillRef idx="0"/>
+    <cs:effectRef idx="0"/>
+    <cs:fontRef idx="minor">
+      <a:schemeClr val="tx1">
+        <a:lumMod val="65000"/>
+        <a:lumOff val="35000"/>
+      </a:schemeClr>
+    </cs:fontRef>
+    <cs:defRPr sz="900" kern="1200"/>
+  </cs:seriesAxis>
+  <cs:seriesLine>
+    <cs:lnRef idx="0"/>
+    <cs:fillRef idx="0"/>
+    <cs:effectRef idx="0"/>
+    <cs:fontRef idx="minor">
+      <a:schemeClr val="tx1"/>
+    </cs:fontRef>
+    <cs:spPr>
+      <a:ln w="9525" cap="flat" cmpd="sng" algn="ctr">
+        <a:solidFill>
+          <a:schemeClr val="tx1">
+            <a:lumMod val="35000"/>
+            <a:lumOff val="65000"/>
+          </a:schemeClr>
+        </a:solidFill>
+        <a:round/>
+      </a:ln>
+    </cs:spPr>
+  </cs:seriesLine>
+  <cs:title>
+    <cs:lnRef idx="0"/>
+    <cs:fillRef idx="0"/>
+    <cs:effectRef idx="0"/>
+    <cs:fontRef idx="minor">
+      <a:schemeClr val="tx1">
+        <a:lumMod val="65000"/>
+        <a:lumOff val="35000"/>
+      </a:schemeClr>
+    </cs:fontRef>
+    <cs:defRPr sz="1400" b="0" kern="1200" spc="0" baseline="0"/>
+  </cs:title>
+  <cs:trendline>
+    <cs:lnRef idx="0">
+      <cs:styleClr val="auto"/>
+    </cs:lnRef>
+    <cs:fillRef idx="0"/>
+    <cs:effectRef idx="0"/>
+    <cs:fontRef idx="minor">
+      <a:schemeClr val="tx1"/>
+    </cs:fontRef>
+    <cs:spPr>
+      <a:ln w="19050" cap="rnd">
+        <a:solidFill>
+          <a:schemeClr val="phClr"/>
+        </a:solidFill>
+        <a:prstDash val="sysDot"/>
+      </a:ln>
+    </cs:spPr>
+  </cs:trendline>
+  <cs:trendlineLabel>
+    <cs:lnRef idx="0"/>
+    <cs:fillRef idx="0"/>
+    <cs:effectRef idx="0"/>
+    <cs:fontRef idx="minor">
+      <a:schemeClr val="tx1">
+        <a:lumMod val="65000"/>
+        <a:lumOff val="35000"/>
+      </a:schemeClr>
+    </cs:fontRef>
+    <cs:defRPr sz="900" kern="1200"/>
+  </cs:trendlineLabel>
+  <cs:upBar>
+    <cs:lnRef idx="0"/>
+    <cs:fillRef idx="0"/>
+    <cs:effectRef idx="0"/>
+    <cs:fontRef idx="minor">
+      <a:schemeClr val="dk1"/>
+    </cs:fontRef>
+    <cs:spPr>
+      <a:solidFill>
+        <a:schemeClr val="lt1"/>
+      </a:solidFill>
+      <a:ln w="9525">
+        <a:solidFill>
+          <a:schemeClr val="tx1">
+            <a:lumMod val="15000"/>
+            <a:lumOff val="85000"/>
+          </a:schemeClr>
+        </a:solidFill>
+      </a:ln>
+    </cs:spPr>
+  </cs:upBar>
+  <cs:valueAxis>
+    <cs:lnRef idx="0"/>
+    <cs:fillRef idx="0"/>
+    <cs:effectRef idx="0"/>
+    <cs:fontRef idx="minor">
+      <a:schemeClr val="tx1">
+        <a:lumMod val="65000"/>
+        <a:lumOff val="35000"/>
+      </a:schemeClr>
+    </cs:fontRef>
+    <cs:defRPr sz="900" kern="1200"/>
+  </cs:valueAxis>
+  <cs:wall>
+    <cs:lnRef idx="0"/>
+    <cs:fillRef idx="0"/>
+    <cs:effectRef idx="0"/>
+    <cs:fontRef idx="minor">
+      <a:schemeClr val="tx1"/>
+    </cs:fontRef>
+    <cs:spPr>
+      <a:noFill/>
+      <a:ln>
+        <a:noFill/>
+      </a:ln>
+    </cs:spPr>
+  </cs:wall>
+</cs:chartStyle>
+</file>
+
+<file path=ppt/comments/comment1.xml><?xml version="1.0" encoding="utf-8"?>
+<p:cmLst xmlns:a="http://schemas.openxmlformats.org/drawingml/2006/main" xmlns:r="http://schemas.openxmlformats.org/officeDocument/2006/relationships" xmlns:p="http://schemas.openxmlformats.org/presentationml/2006/main">
+  <p:cm authorId="1" dt="2023-01-06T11:43:13.061" idx="1">
+    <p:pos x="10" y="10"/>
+    <p:text>to add: index of individual important sectors, e.g. pubs and restaurants</p:text>
+    <p:extLst>
+      <p:ext uri="{C676402C-5697-4E1C-873F-D02D1690AC5C}">
+        <p15:threadingInfo xmlns:p15="http://schemas.microsoft.com/office/powerpoint/2012/main" timeZoneBias="0"/>
+      </p:ext>
+    </p:extLst>
+  </p:cm>
+</p:cmLst>
+</file>
+
 <file path=ppt/notesMasters/notesMaster1.xml><?xml version="1.0" encoding="utf-8"?>
 <p:notesMaster xmlns:a="http://schemas.openxmlformats.org/drawingml/2006/main" xmlns:r="http://schemas.openxmlformats.org/officeDocument/2006/relationships" xmlns:p="http://schemas.openxmlformats.org/presentationml/2006/main">
   <p:cSld>
@@ -6841,7 +11684,7 @@
           <a:p>
             <a:fld id="{F1690195-1A6F-432C-B466-651AF0758A22}" type="datetimeFigureOut">
               <a:rPr lang="en-GB" smtClean="0"/>
-              <a:t>23/12/2022</a:t>
+              <a:t>06/01/2023</a:t>
             </a:fld>
             <a:endParaRPr lang="en-GB"/>
           </a:p>
@@ -7154,7 +11997,7 @@
           <a:lstStyle/>
           <a:p>
             <a:r>
-              <a:rPr lang="en-GB" dirty="0"/>
+              <a:rPr lang="en-GB"/>
               <a:t>The way we define NTE workers is that they need to report that it is usual for them to work either evenings, nights, or both. This does not mean they exclusively work in the night time. It is also not clearly defined what hours belong to evenings or nights.</a:t>
             </a:r>
           </a:p>
@@ -7187,6 +12030,131 @@
     <p:extLst>
       <p:ext uri="{BB962C8B-B14F-4D97-AF65-F5344CB8AC3E}">
         <p14:creationId xmlns:p14="http://schemas.microsoft.com/office/powerpoint/2010/main" val="2047276840"/>
+      </p:ext>
+    </p:extLst>
+  </p:cSld>
+  <p:clrMapOvr>
+    <a:masterClrMapping/>
+  </p:clrMapOvr>
+</p:notes>
+</file>
+
+<file path=ppt/notesSlides/notesSlide10.xml><?xml version="1.0" encoding="utf-8"?>
+<p:notes xmlns:a="http://schemas.openxmlformats.org/drawingml/2006/main" xmlns:r="http://schemas.openxmlformats.org/officeDocument/2006/relationships" xmlns:p="http://schemas.openxmlformats.org/presentationml/2006/main">
+  <p:cSld>
+    <p:spTree>
+      <p:nvGrpSpPr>
+        <p:cNvPr id="1" name=""/>
+        <p:cNvGrpSpPr/>
+        <p:nvPr/>
+      </p:nvGrpSpPr>
+      <p:grpSpPr>
+        <a:xfrm>
+          <a:off x="0" y="0"/>
+          <a:ext cx="0" cy="0"/>
+          <a:chOff x="0" y="0"/>
+          <a:chExt cx="0" cy="0"/>
+        </a:xfrm>
+      </p:grpSpPr>
+      <p:sp>
+        <p:nvSpPr>
+          <p:cNvPr id="2" name="Slide Image Placeholder 1"/>
+          <p:cNvSpPr>
+            <a:spLocks noGrp="1" noRot="1" noChangeAspect="1"/>
+          </p:cNvSpPr>
+          <p:nvPr>
+            <p:ph type="sldImg"/>
+          </p:nvPr>
+        </p:nvSpPr>
+        <p:spPr/>
+      </p:sp>
+      <p:sp>
+        <p:nvSpPr>
+          <p:cNvPr id="3" name="Notes Placeholder 2"/>
+          <p:cNvSpPr>
+            <a:spLocks noGrp="1"/>
+          </p:cNvSpPr>
+          <p:nvPr>
+            <p:ph type="body" idx="1"/>
+          </p:nvPr>
+        </p:nvSpPr>
+        <p:spPr/>
+        <p:txBody>
+          <a:bodyPr/>
+          <a:lstStyle/>
+          <a:p>
+            <a:pPr marL="171450" indent="-171450">
+              <a:buFont typeface="Arial" panose="020B0604020202020204" pitchFamily="34" charset="0"/>
+              <a:buChar char="•"/>
+            </a:pPr>
+            <a:r>
+              <a:rPr lang="en-GB" dirty="0"/>
+              <a:t>The evidence base released by GLAE in 2018 (</a:t>
+            </a:r>
+            <a:r>
+              <a:rPr lang="en-GB" sz="1800" b="0" i="0" dirty="0">
+                <a:solidFill>
+                  <a:srgbClr val="FFFFFF"/>
+                </a:solidFill>
+                <a:effectLst/>
+                <a:latin typeface="FoundryFormSans"/>
+              </a:rPr>
+              <a:t>London at night</a:t>
+            </a:r>
+            <a:r>
+              <a:rPr lang="en-GB" dirty="0"/>
+              <a:t> ) defined a number of industry segments as being particularly connected to the NTE in one of three categories [LISTED]. Using those definitions, we have estimated the number of businesses falling into those three categories since 2015 using ONS business count data. This does not mean all businesses counted are actually involved in the NTE but rather that they are in a sector which is more likely to be involved. This includes e.g. restaurants and private security companies.</a:t>
+            </a:r>
+          </a:p>
+          <a:p>
+            <a:pPr marL="171450" indent="-171450">
+              <a:buFont typeface="Arial" panose="020B0604020202020204" pitchFamily="34" charset="0"/>
+              <a:buChar char="•"/>
+            </a:pPr>
+            <a:endParaRPr lang="en-GB" dirty="0"/>
+          </a:p>
+          <a:p>
+            <a:pPr marL="171450" indent="-171450">
+              <a:buFont typeface="Arial" panose="020B0604020202020204" pitchFamily="34" charset="0"/>
+              <a:buChar char="•"/>
+            </a:pPr>
+            <a:r>
+              <a:rPr lang="en-GB" dirty="0"/>
+              <a:t>Based on these definitions, the number of businesses in NTE-related industries has been continually increasing, rising from 77k in 2015 to 92k in 2022. The growth was slower than the general growth of businesses otherwise</a:t>
+            </a:r>
+          </a:p>
+          <a:p>
+            <a:endParaRPr lang="en-GB" dirty="0"/>
+          </a:p>
+        </p:txBody>
+      </p:sp>
+      <p:sp>
+        <p:nvSpPr>
+          <p:cNvPr id="4" name="Slide Number Placeholder 3"/>
+          <p:cNvSpPr>
+            <a:spLocks noGrp="1"/>
+          </p:cNvSpPr>
+          <p:nvPr>
+            <p:ph type="sldNum" sz="quarter" idx="5"/>
+          </p:nvPr>
+        </p:nvSpPr>
+        <p:spPr/>
+        <p:txBody>
+          <a:bodyPr/>
+          <a:lstStyle/>
+          <a:p>
+            <a:fld id="{4D6EDD18-AA25-459A-BC5F-5B6E4EB8A722}" type="slidenum">
+              <a:rPr lang="en-GB" smtClean="0"/>
+              <a:t>13</a:t>
+            </a:fld>
+            <a:endParaRPr lang="en-GB"/>
+          </a:p>
+        </p:txBody>
+      </p:sp>
+    </p:spTree>
+    <p:extLst>
+      <p:ext uri="{BB962C8B-B14F-4D97-AF65-F5344CB8AC3E}">
+        <p14:creationId xmlns:p14="http://schemas.microsoft.com/office/powerpoint/2010/main" val="3533306481"/>
       </p:ext>
     </p:extLst>
   </p:cSld>
@@ -7241,16 +12209,16 @@
           <a:lstStyle/>
           <a:p>
             <a:r>
-              <a:rPr lang="en-GB" dirty="0"/>
+              <a:rPr lang="en-GB"/>
               <a:t>The share of people working in London who in the night time economy is around 26%, down from 31% in 2017. (NOTE: THIS CONTRAST WITH SURVEY SAYING 36% WORK NIGHTS ONCE A WEEK!!)</a:t>
             </a:r>
           </a:p>
           <a:p>
-            <a:endParaRPr lang="en-GB" dirty="0"/>
-          </a:p>
-          <a:p>
-            <a:r>
-              <a:rPr lang="en-GB" dirty="0"/>
+            <a:endParaRPr lang="en-GB"/>
+          </a:p>
+          <a:p>
+            <a:r>
+              <a:rPr lang="en-GB"/>
               <a:t>Change from 1.6m to 1.37m is a drop of  more than 14% from 2017 to 2022. During the same period, the number of NTE workers in the rest of the UK declined from 7.8m to 7.3m, a decrease of 6% - less than half of the relative decline in London.</a:t>
             </a:r>
           </a:p>
@@ -7273,7 +12241,7 @@
           <a:p>
             <a:fld id="{4D6EDD18-AA25-459A-BC5F-5B6E4EB8A722}" type="slidenum">
               <a:rPr lang="en-GB" smtClean="0"/>
-              <a:t>2</a:t>
+              <a:t>3</a:t>
             </a:fld>
             <a:endParaRPr lang="en-GB"/>
           </a:p>
@@ -7337,7 +12305,7 @@
           <a:lstStyle/>
           <a:p>
             <a:r>
-              <a:rPr lang="en-GB" dirty="0"/>
+              <a:rPr lang="en-GB"/>
               <a:t>The vast majority of NTE workers reported they usually worked evenings, around 60% across all years. In contrast, 5-7% report usually working during the night and the remaining third report working both evenings and night. The decline has therefore not been due to any single one of these groups.</a:t>
             </a:r>
           </a:p>
@@ -7360,7 +12328,7 @@
           <a:p>
             <a:fld id="{4D6EDD18-AA25-459A-BC5F-5B6E4EB8A722}" type="slidenum">
               <a:rPr lang="en-GB" smtClean="0"/>
-              <a:t>3</a:t>
+              <a:t>4</a:t>
             </a:fld>
             <a:endParaRPr lang="en-GB"/>
           </a:p>
@@ -7423,6 +12391,48 @@
           <a:bodyPr/>
           <a:lstStyle/>
           <a:p>
+            <a:pPr marL="171450" indent="-171450">
+              <a:buFont typeface="Arial" panose="020B0604020202020204" pitchFamily="34" charset="0"/>
+              <a:buChar char="•"/>
+            </a:pPr>
+            <a:r>
+              <a:rPr lang="en-GB" dirty="0"/>
+              <a:t>Returning to the definition of night time workers, I previously said that being a NTE worker does not mean you exclusively work in evenings or nights. In fact, most workers only do part of their job later in the day.</a:t>
+            </a:r>
+          </a:p>
+          <a:p>
+            <a:pPr marL="171450" indent="-171450">
+              <a:buFont typeface="Arial" panose="020B0604020202020204" pitchFamily="34" charset="0"/>
+              <a:buChar char="•"/>
+            </a:pPr>
+            <a:r>
+              <a:rPr lang="en-GB" dirty="0"/>
+              <a:t>More than half of NTE workers in 2022, around 776k, usually work both during the daytime and in the evenings, and a further third (around 440k) find themselves working across the entire day. Ultimately, only around a tenth do not work in the daytime at all.</a:t>
+            </a:r>
+          </a:p>
+          <a:p>
+            <a:pPr marL="171450" indent="-171450">
+              <a:buFont typeface="Arial" panose="020B0604020202020204" pitchFamily="34" charset="0"/>
+              <a:buChar char="•"/>
+            </a:pPr>
+            <a:r>
+              <a:rPr lang="en-GB" dirty="0"/>
+              <a:t>Further, of all the workers who usually work both during the day and in either evenings or nights (or both), almost two thirds never work shifts. This implies that when they do work in the NTE, it is part of their usual working day, which could mean they need to work late. </a:t>
+            </a:r>
+          </a:p>
+          <a:p>
+            <a:pPr marL="171450" indent="-171450">
+              <a:buFont typeface="Arial" panose="020B0604020202020204" pitchFamily="34" charset="0"/>
+              <a:buChar char="•"/>
+            </a:pPr>
+            <a:r>
+              <a:rPr lang="en-GB" dirty="0"/>
+              <a:t>As a result, the kind of workers we find in the NTE are therefore quite varied and not necessarily those who work in, say, service-oriented businesses which serve customers </a:t>
+            </a:r>
+            <a:r>
+              <a:rPr lang="en-GB"/>
+              <a:t>at night.</a:t>
+            </a:r>
             <a:endParaRPr lang="en-GB" dirty="0"/>
           </a:p>
         </p:txBody>
@@ -7444,7 +12454,7 @@
           <a:p>
             <a:fld id="{4D6EDD18-AA25-459A-BC5F-5B6E4EB8A722}" type="slidenum">
               <a:rPr lang="en-GB" smtClean="0"/>
-              <a:t>4</a:t>
+              <a:t>5</a:t>
             </a:fld>
             <a:endParaRPr lang="en-GB"/>
           </a:p>
@@ -7453,7 +12463,7 @@
     </p:spTree>
     <p:extLst>
       <p:ext uri="{BB962C8B-B14F-4D97-AF65-F5344CB8AC3E}">
-        <p14:creationId xmlns:p14="http://schemas.microsoft.com/office/powerpoint/2010/main" val="395415078"/>
+        <p14:creationId xmlns:p14="http://schemas.microsoft.com/office/powerpoint/2010/main" val="2924073941"/>
       </p:ext>
     </p:extLst>
   </p:cSld>
@@ -7507,7 +12517,10 @@
           <a:bodyPr/>
           <a:lstStyle/>
           <a:p>
-            <a:endParaRPr lang="en-GB" dirty="0"/>
+            <a:r>
+              <a:rPr lang="en-GB" dirty="0"/>
+              <a:t>The four industries with the largest falls (as listed) in total make up a decrease of 147k, more than half of the total decrease of 226k between 2017 and 2022. </a:t>
+            </a:r>
           </a:p>
         </p:txBody>
       </p:sp>
@@ -7537,7 +12550,7 @@
     </p:spTree>
     <p:extLst>
       <p:ext uri="{BB962C8B-B14F-4D97-AF65-F5344CB8AC3E}">
-        <p14:creationId xmlns:p14="http://schemas.microsoft.com/office/powerpoint/2010/main" val="1319082143"/>
+        <p14:creationId xmlns:p14="http://schemas.microsoft.com/office/powerpoint/2010/main" val="395415078"/>
       </p:ext>
     </p:extLst>
   </p:cSld>
@@ -7592,8 +12605,32 @@
           <a:lstStyle/>
           <a:p>
             <a:r>
-              <a:rPr lang="en-GB" dirty="0"/>
-              <a:t>*at least they do it both because they like it and job requires it</a:t>
+              <a:rPr lang="en-GB"/>
+              <a:t>The pattern is not consistent across industries. </a:t>
+            </a:r>
+          </a:p>
+          <a:p>
+            <a:r>
+              <a:rPr lang="en-GB"/>
+              <a:t>-health: suggests that while workforce shrunk, the workers remaining began working more in the evenings and nights</a:t>
+            </a:r>
+          </a:p>
+          <a:p>
+            <a:r>
+              <a:rPr lang="en-GB"/>
+              <a:t>-ICT: sector growth, but perhaps not in roles requiring night-time work</a:t>
+            </a:r>
+          </a:p>
+          <a:p>
+            <a:r>
+              <a:rPr lang="en-GB"/>
+              <a:t>-hospitality and retail: declines in both sector overall and NTE, and it seems proportional, as we will discuss below</a:t>
+            </a:r>
+          </a:p>
+          <a:p>
+            <a:r>
+              <a:rPr lang="en-GB"/>
+              <a:t>-Professional: perhaps same trend as in ICT</a:t>
             </a:r>
           </a:p>
         </p:txBody>
@@ -7615,7 +12652,313 @@
           <a:p>
             <a:fld id="{4D6EDD18-AA25-459A-BC5F-5B6E4EB8A722}" type="slidenum">
               <a:rPr lang="en-GB" smtClean="0"/>
+              <a:t>7</a:t>
+            </a:fld>
+            <a:endParaRPr lang="en-GB"/>
+          </a:p>
+        </p:txBody>
+      </p:sp>
+    </p:spTree>
+    <p:extLst>
+      <p:ext uri="{BB962C8B-B14F-4D97-AF65-F5344CB8AC3E}">
+        <p14:creationId xmlns:p14="http://schemas.microsoft.com/office/powerpoint/2010/main" val="216043300"/>
+      </p:ext>
+    </p:extLst>
+  </p:cSld>
+  <p:clrMapOvr>
+    <a:masterClrMapping/>
+  </p:clrMapOvr>
+</p:notes>
+</file>
+
+<file path=ppt/notesSlides/notesSlide7.xml><?xml version="1.0" encoding="utf-8"?>
+<p:notes xmlns:a="http://schemas.openxmlformats.org/drawingml/2006/main" xmlns:r="http://schemas.openxmlformats.org/officeDocument/2006/relationships" xmlns:p="http://schemas.openxmlformats.org/presentationml/2006/main">
+  <p:cSld>
+    <p:spTree>
+      <p:nvGrpSpPr>
+        <p:cNvPr id="1" name=""/>
+        <p:cNvGrpSpPr/>
+        <p:nvPr/>
+      </p:nvGrpSpPr>
+      <p:grpSpPr>
+        <a:xfrm>
+          <a:off x="0" y="0"/>
+          <a:ext cx="0" cy="0"/>
+          <a:chOff x="0" y="0"/>
+          <a:chExt cx="0" cy="0"/>
+        </a:xfrm>
+      </p:grpSpPr>
+      <p:sp>
+        <p:nvSpPr>
+          <p:cNvPr id="2" name="Slide Image Placeholder 1"/>
+          <p:cNvSpPr>
+            <a:spLocks noGrp="1" noRot="1" noChangeAspect="1"/>
+          </p:cNvSpPr>
+          <p:nvPr>
+            <p:ph type="sldImg"/>
+          </p:nvPr>
+        </p:nvSpPr>
+        <p:spPr/>
+      </p:sp>
+      <p:sp>
+        <p:nvSpPr>
+          <p:cNvPr id="3" name="Notes Placeholder 2"/>
+          <p:cNvSpPr>
+            <a:spLocks noGrp="1"/>
+          </p:cNvSpPr>
+          <p:nvPr>
+            <p:ph type="body" idx="1"/>
+          </p:nvPr>
+        </p:nvSpPr>
+        <p:spPr/>
+        <p:txBody>
+          <a:bodyPr/>
+          <a:lstStyle/>
+          <a:p>
+            <a:pPr marL="171450" indent="-171450">
+              <a:buFont typeface="Arial" panose="020B0604020202020204" pitchFamily="34" charset="0"/>
+              <a:buChar char="•"/>
+            </a:pPr>
+            <a:r>
+              <a:rPr lang="en-GB"/>
+              <a:t>Taking a look at the two sectors with the largest fall in number of NTE workers from 2017 and 2022, hospitality and retail.</a:t>
+            </a:r>
+          </a:p>
+          <a:p>
+            <a:endParaRPr lang="en-GB"/>
+          </a:p>
+          <a:p>
+            <a:pPr marL="171450" indent="-171450">
+              <a:buFont typeface="Arial" panose="020B0604020202020204" pitchFamily="34" charset="0"/>
+              <a:buChar char="•"/>
+            </a:pPr>
+            <a:r>
+              <a:rPr lang="en-GB"/>
+              <a:t>While each had 40k fall in NTE workers, only retail has seen a substantial shift in the share of workers in NTE from 2017, from 34% to 25%. The largest fall happening in 2021-2022, where workforce fell by 28k, of which 26k were NTE workers! </a:t>
+            </a:r>
+          </a:p>
+          <a:p>
+            <a:r>
+              <a:rPr lang="en-GB"/>
+              <a:t>[could this suggest people left night time work in the tight labour market as they had other opportunities?]</a:t>
+            </a:r>
+          </a:p>
+          <a:p>
+            <a:endParaRPr lang="en-GB"/>
+          </a:p>
+          <a:p>
+            <a:pPr marL="171450" indent="-171450">
+              <a:buFont typeface="Arial" panose="020B0604020202020204" pitchFamily="34" charset="0"/>
+              <a:buChar char="•"/>
+            </a:pPr>
+            <a:r>
+              <a:rPr lang="en-GB"/>
+              <a:t>Hospitality saw less of a long term change and levels in 2022 were very similar to those in 2015-2019. However, there was fluctuation during the years mostly impacted by the pandemic, 2020 and 2021, with both a low and a high of 47% and 60% respectively. </a:t>
+            </a:r>
+          </a:p>
+          <a:p>
+            <a:endParaRPr lang="en-GB"/>
+          </a:p>
+          <a:p>
+            <a:endParaRPr lang="en-GB"/>
+          </a:p>
+          <a:p>
+            <a:endParaRPr lang="en-GB"/>
+          </a:p>
+          <a:p>
+            <a:endParaRPr lang="en-GB"/>
+          </a:p>
+        </p:txBody>
+      </p:sp>
+      <p:sp>
+        <p:nvSpPr>
+          <p:cNvPr id="4" name="Slide Number Placeholder 3"/>
+          <p:cNvSpPr>
+            <a:spLocks noGrp="1"/>
+          </p:cNvSpPr>
+          <p:nvPr>
+            <p:ph type="sldNum" sz="quarter" idx="5"/>
+          </p:nvPr>
+        </p:nvSpPr>
+        <p:spPr/>
+        <p:txBody>
+          <a:bodyPr/>
+          <a:lstStyle/>
+          <a:p>
+            <a:fld id="{4D6EDD18-AA25-459A-BC5F-5B6E4EB8A722}" type="slidenum">
+              <a:rPr lang="en-GB" smtClean="0"/>
               <a:t>8</a:t>
+            </a:fld>
+            <a:endParaRPr lang="en-GB"/>
+          </a:p>
+        </p:txBody>
+      </p:sp>
+    </p:spTree>
+    <p:extLst>
+      <p:ext uri="{BB962C8B-B14F-4D97-AF65-F5344CB8AC3E}">
+        <p14:creationId xmlns:p14="http://schemas.microsoft.com/office/powerpoint/2010/main" val="358359831"/>
+      </p:ext>
+    </p:extLst>
+  </p:cSld>
+  <p:clrMapOvr>
+    <a:masterClrMapping/>
+  </p:clrMapOvr>
+</p:notes>
+</file>
+
+<file path=ppt/notesSlides/notesSlide8.xml><?xml version="1.0" encoding="utf-8"?>
+<p:notes xmlns:a="http://schemas.openxmlformats.org/drawingml/2006/main" xmlns:r="http://schemas.openxmlformats.org/officeDocument/2006/relationships" xmlns:p="http://schemas.openxmlformats.org/presentationml/2006/main">
+  <p:cSld>
+    <p:spTree>
+      <p:nvGrpSpPr>
+        <p:cNvPr id="1" name=""/>
+        <p:cNvGrpSpPr/>
+        <p:nvPr/>
+      </p:nvGrpSpPr>
+      <p:grpSpPr>
+        <a:xfrm>
+          <a:off x="0" y="0"/>
+          <a:ext cx="0" cy="0"/>
+          <a:chOff x="0" y="0"/>
+          <a:chExt cx="0" cy="0"/>
+        </a:xfrm>
+      </p:grpSpPr>
+      <p:sp>
+        <p:nvSpPr>
+          <p:cNvPr id="2" name="Slide Image Placeholder 1"/>
+          <p:cNvSpPr>
+            <a:spLocks noGrp="1" noRot="1" noChangeAspect="1"/>
+          </p:cNvSpPr>
+          <p:nvPr>
+            <p:ph type="sldImg"/>
+          </p:nvPr>
+        </p:nvSpPr>
+        <p:spPr/>
+      </p:sp>
+      <p:sp>
+        <p:nvSpPr>
+          <p:cNvPr id="3" name="Notes Placeholder 2"/>
+          <p:cNvSpPr>
+            <a:spLocks noGrp="1"/>
+          </p:cNvSpPr>
+          <p:nvPr>
+            <p:ph type="body" idx="1"/>
+          </p:nvPr>
+        </p:nvSpPr>
+        <p:spPr/>
+        <p:txBody>
+          <a:bodyPr/>
+          <a:lstStyle/>
+          <a:p>
+            <a:endParaRPr lang="en-GB"/>
+          </a:p>
+        </p:txBody>
+      </p:sp>
+      <p:sp>
+        <p:nvSpPr>
+          <p:cNvPr id="4" name="Slide Number Placeholder 3"/>
+          <p:cNvSpPr>
+            <a:spLocks noGrp="1"/>
+          </p:cNvSpPr>
+          <p:nvPr>
+            <p:ph type="sldNum" sz="quarter" idx="5"/>
+          </p:nvPr>
+        </p:nvSpPr>
+        <p:spPr/>
+        <p:txBody>
+          <a:bodyPr/>
+          <a:lstStyle/>
+          <a:p>
+            <a:fld id="{4D6EDD18-AA25-459A-BC5F-5B6E4EB8A722}" type="slidenum">
+              <a:rPr lang="en-GB" smtClean="0"/>
+              <a:t>9</a:t>
+            </a:fld>
+            <a:endParaRPr lang="en-GB"/>
+          </a:p>
+        </p:txBody>
+      </p:sp>
+    </p:spTree>
+    <p:extLst>
+      <p:ext uri="{BB962C8B-B14F-4D97-AF65-F5344CB8AC3E}">
+        <p14:creationId xmlns:p14="http://schemas.microsoft.com/office/powerpoint/2010/main" val="1319082143"/>
+      </p:ext>
+    </p:extLst>
+  </p:cSld>
+  <p:clrMapOvr>
+    <a:masterClrMapping/>
+  </p:clrMapOvr>
+</p:notes>
+</file>
+
+<file path=ppt/notesSlides/notesSlide9.xml><?xml version="1.0" encoding="utf-8"?>
+<p:notes xmlns:a="http://schemas.openxmlformats.org/drawingml/2006/main" xmlns:r="http://schemas.openxmlformats.org/officeDocument/2006/relationships" xmlns:p="http://schemas.openxmlformats.org/presentationml/2006/main">
+  <p:cSld>
+    <p:spTree>
+      <p:nvGrpSpPr>
+        <p:cNvPr id="1" name=""/>
+        <p:cNvGrpSpPr/>
+        <p:nvPr/>
+      </p:nvGrpSpPr>
+      <p:grpSpPr>
+        <a:xfrm>
+          <a:off x="0" y="0"/>
+          <a:ext cx="0" cy="0"/>
+          <a:chOff x="0" y="0"/>
+          <a:chExt cx="0" cy="0"/>
+        </a:xfrm>
+      </p:grpSpPr>
+      <p:sp>
+        <p:nvSpPr>
+          <p:cNvPr id="2" name="Slide Image Placeholder 1"/>
+          <p:cNvSpPr>
+            <a:spLocks noGrp="1" noRot="1" noChangeAspect="1"/>
+          </p:cNvSpPr>
+          <p:nvPr>
+            <p:ph type="sldImg"/>
+          </p:nvPr>
+        </p:nvSpPr>
+        <p:spPr/>
+      </p:sp>
+      <p:sp>
+        <p:nvSpPr>
+          <p:cNvPr id="3" name="Notes Placeholder 2"/>
+          <p:cNvSpPr>
+            <a:spLocks noGrp="1"/>
+          </p:cNvSpPr>
+          <p:nvPr>
+            <p:ph type="body" idx="1"/>
+          </p:nvPr>
+        </p:nvSpPr>
+        <p:spPr/>
+        <p:txBody>
+          <a:bodyPr/>
+          <a:lstStyle/>
+          <a:p>
+            <a:r>
+              <a:rPr lang="en-GB"/>
+              <a:t>*at least they do it both because they like it and job requires it</a:t>
+            </a:r>
+          </a:p>
+        </p:txBody>
+      </p:sp>
+      <p:sp>
+        <p:nvSpPr>
+          <p:cNvPr id="4" name="Slide Number Placeholder 3"/>
+          <p:cNvSpPr>
+            <a:spLocks noGrp="1"/>
+          </p:cNvSpPr>
+          <p:nvPr>
+            <p:ph type="sldNum" sz="quarter" idx="5"/>
+          </p:nvPr>
+        </p:nvSpPr>
+        <p:spPr/>
+        <p:txBody>
+          <a:bodyPr/>
+          <a:lstStyle/>
+          <a:p>
+            <a:fld id="{4D6EDD18-AA25-459A-BC5F-5B6E4EB8A722}" type="slidenum">
+              <a:rPr lang="en-GB" smtClean="0"/>
+              <a:t>11</a:t>
             </a:fld>
             <a:endParaRPr lang="en-GB"/>
           </a:p>
@@ -7852,7 +13195,7 @@
                 <a:tabLst/>
                 <a:defRPr/>
               </a:pPr>
-              <a:endParaRPr kumimoji="0" lang="en-GB" sz="1800" b="1" i="0" u="none" strike="noStrike" kern="1200" cap="none" spc="0" normalizeH="0" baseline="0" noProof="0" dirty="0">
+              <a:endParaRPr kumimoji="0" lang="en-GB" sz="1800" b="1" i="0" u="none" strike="noStrike" kern="1200" cap="none" spc="0" normalizeH="0" baseline="0" noProof="0">
                 <a:ln>
                   <a:noFill/>
                 </a:ln>
@@ -7933,7 +13276,7 @@
                 <a:tabLst/>
                 <a:defRPr/>
               </a:pPr>
-              <a:endParaRPr kumimoji="0" lang="en-GB" sz="1800" b="1" i="0" u="none" strike="noStrike" kern="1200" cap="none" spc="0" normalizeH="0" baseline="0" noProof="0" dirty="0">
+              <a:endParaRPr kumimoji="0" lang="en-GB" sz="1800" b="1" i="0" u="none" strike="noStrike" kern="1200" cap="none" spc="0" normalizeH="0" baseline="0" noProof="0">
                 <a:ln>
                   <a:noFill/>
                 </a:ln>
@@ -8014,7 +13357,7 @@
                 <a:tabLst/>
                 <a:defRPr/>
               </a:pPr>
-              <a:endParaRPr kumimoji="0" lang="en-GB" sz="1800" b="1" i="0" u="none" strike="noStrike" kern="1200" cap="none" spc="0" normalizeH="0" baseline="0" noProof="0" dirty="0">
+              <a:endParaRPr kumimoji="0" lang="en-GB" sz="1800" b="1" i="0" u="none" strike="noStrike" kern="1200" cap="none" spc="0" normalizeH="0" baseline="0" noProof="0">
                 <a:ln>
                   <a:noFill/>
                 </a:ln>
@@ -8095,7 +13438,7 @@
                 <a:tabLst/>
                 <a:defRPr/>
               </a:pPr>
-              <a:endParaRPr kumimoji="0" lang="en-GB" sz="1800" b="1" i="0" u="none" strike="noStrike" kern="1200" cap="none" spc="0" normalizeH="0" baseline="0" noProof="0" dirty="0">
+              <a:endParaRPr kumimoji="0" lang="en-GB" sz="1800" b="1" i="0" u="none" strike="noStrike" kern="1200" cap="none" spc="0" normalizeH="0" baseline="0" noProof="0">
                 <a:ln>
                   <a:noFill/>
                 </a:ln>
@@ -8310,7 +13653,7 @@
               <a:tabLst/>
               <a:defRPr/>
             </a:pPr>
-            <a:endParaRPr kumimoji="0" lang="en-GB" sz="1800" b="1" i="0" u="none" strike="noStrike" kern="1200" cap="none" spc="0" normalizeH="0" baseline="0" noProof="0" dirty="0">
+            <a:endParaRPr kumimoji="0" lang="en-GB" sz="1800" b="1" i="0" u="none" strike="noStrike" kern="1200" cap="none" spc="0" normalizeH="0" baseline="0" noProof="0">
               <a:ln>
                 <a:noFill/>
               </a:ln>
@@ -8524,7 +13867,7 @@
               <a:tabLst/>
               <a:defRPr/>
             </a:pPr>
-            <a:endParaRPr kumimoji="0" lang="en-GB" sz="1800" b="1" i="0" u="none" strike="noStrike" kern="1200" cap="none" spc="0" normalizeH="0" baseline="0" noProof="0" dirty="0">
+            <a:endParaRPr kumimoji="0" lang="en-GB" sz="1800" b="1" i="0" u="none" strike="noStrike" kern="1200" cap="none" spc="0" normalizeH="0" baseline="0" noProof="0">
               <a:ln>
                 <a:noFill/>
               </a:ln>
@@ -8798,7 +14141,7 @@
               <a:tabLst/>
               <a:defRPr/>
             </a:pPr>
-            <a:endParaRPr kumimoji="0" lang="en-GB" sz="1800" b="1" i="0" u="none" strike="noStrike" kern="1200" cap="none" spc="0" normalizeH="0" baseline="0" noProof="0" dirty="0">
+            <a:endParaRPr kumimoji="0" lang="en-GB" sz="1800" b="1" i="0" u="none" strike="noStrike" kern="1200" cap="none" spc="0" normalizeH="0" baseline="0" noProof="0">
               <a:ln>
                 <a:noFill/>
               </a:ln>
@@ -8879,7 +14222,7 @@
               <a:rPr lang="en-US"/>
               <a:t>Click to edit Master title style</a:t>
             </a:r>
-            <a:endParaRPr lang="en-GB" dirty="0"/>
+            <a:endParaRPr lang="en-GB"/>
           </a:p>
         </p:txBody>
       </p:sp>
@@ -9072,7 +14415,7 @@
               <a:tabLst/>
               <a:defRPr/>
             </a:pPr>
-            <a:endParaRPr kumimoji="0" lang="en-GB" sz="1800" b="1" i="0" u="none" strike="noStrike" kern="1200" cap="none" spc="0" normalizeH="0" baseline="0" noProof="0" dirty="0">
+            <a:endParaRPr kumimoji="0" lang="en-GB" sz="1800" b="1" i="0" u="none" strike="noStrike" kern="1200" cap="none" spc="0" normalizeH="0" baseline="0" noProof="0">
               <a:ln>
                 <a:noFill/>
               </a:ln>
@@ -9346,7 +14689,7 @@
               <a:tabLst/>
               <a:defRPr/>
             </a:pPr>
-            <a:endParaRPr kumimoji="0" lang="en-GB" sz="1800" b="1" i="0" u="none" strike="noStrike" kern="1200" cap="none" spc="0" normalizeH="0" baseline="0" noProof="0" dirty="0">
+            <a:endParaRPr kumimoji="0" lang="en-GB" sz="1800" b="1" i="0" u="none" strike="noStrike" kern="1200" cap="none" spc="0" normalizeH="0" baseline="0" noProof="0">
               <a:ln>
                 <a:noFill/>
               </a:ln>
@@ -9620,7 +14963,7 @@
               <a:tabLst/>
               <a:defRPr/>
             </a:pPr>
-            <a:endParaRPr kumimoji="0" lang="en-GB" sz="1800" b="1" i="0" u="none" strike="noStrike" kern="1200" cap="none" spc="0" normalizeH="0" baseline="0" noProof="0" dirty="0">
+            <a:endParaRPr kumimoji="0" lang="en-GB" sz="1800" b="1" i="0" u="none" strike="noStrike" kern="1200" cap="none" spc="0" normalizeH="0" baseline="0" noProof="0">
               <a:ln>
                 <a:noFill/>
               </a:ln>
@@ -9894,7 +15237,7 @@
               <a:tabLst/>
               <a:defRPr/>
             </a:pPr>
-            <a:endParaRPr kumimoji="0" lang="en-GB" sz="1800" b="1" i="0" u="none" strike="noStrike" kern="1200" cap="none" spc="0" normalizeH="0" baseline="0" noProof="0" dirty="0">
+            <a:endParaRPr kumimoji="0" lang="en-GB" sz="1800" b="1" i="0" u="none" strike="noStrike" kern="1200" cap="none" spc="0" normalizeH="0" baseline="0" noProof="0">
               <a:ln>
                 <a:noFill/>
               </a:ln>
@@ -10160,7 +15503,7 @@
               <a:tabLst/>
               <a:defRPr/>
             </a:pPr>
-            <a:endParaRPr kumimoji="0" lang="en-GB" sz="1800" b="1" i="0" u="none" strike="noStrike" kern="1200" cap="none" spc="0" normalizeH="0" baseline="0" noProof="0" dirty="0">
+            <a:endParaRPr kumimoji="0" lang="en-GB" sz="1800" b="1" i="0" u="none" strike="noStrike" kern="1200" cap="none" spc="0" normalizeH="0" baseline="0" noProof="0">
               <a:ln>
                 <a:noFill/>
               </a:ln>
@@ -10426,7 +15769,7 @@
               <a:tabLst/>
               <a:defRPr/>
             </a:pPr>
-            <a:endParaRPr kumimoji="0" lang="en-GB" sz="1800" b="1" i="0" u="none" strike="noStrike" kern="1200" cap="none" spc="0" normalizeH="0" baseline="0" noProof="0" dirty="0">
+            <a:endParaRPr kumimoji="0" lang="en-GB" sz="1800" b="1" i="0" u="none" strike="noStrike" kern="1200" cap="none" spc="0" normalizeH="0" baseline="0" noProof="0">
               <a:ln>
                 <a:noFill/>
               </a:ln>
@@ -10692,7 +16035,7 @@
               <a:tabLst/>
               <a:defRPr/>
             </a:pPr>
-            <a:endParaRPr kumimoji="0" lang="en-GB" sz="1800" b="1" i="0" u="none" strike="noStrike" kern="1200" cap="none" spc="0" normalizeH="0" baseline="0" noProof="0" dirty="0">
+            <a:endParaRPr kumimoji="0" lang="en-GB" sz="1800" b="1" i="0" u="none" strike="noStrike" kern="1200" cap="none" spc="0" normalizeH="0" baseline="0" noProof="0">
               <a:ln>
                 <a:noFill/>
               </a:ln>
@@ -10890,7 +16233,7 @@
               <a:tabLst/>
               <a:defRPr/>
             </a:pPr>
-            <a:endParaRPr kumimoji="0" lang="en-GB" sz="1800" b="1" i="0" u="none" strike="noStrike" kern="1200" cap="none" spc="0" normalizeH="0" baseline="0" noProof="0" dirty="0">
+            <a:endParaRPr kumimoji="0" lang="en-GB" sz="1800" b="1" i="0" u="none" strike="noStrike" kern="1200" cap="none" spc="0" normalizeH="0" baseline="0" noProof="0">
               <a:ln>
                 <a:noFill/>
               </a:ln>
@@ -11156,7 +16499,7 @@
               <a:tabLst/>
               <a:defRPr/>
             </a:pPr>
-            <a:endParaRPr kumimoji="0" lang="en-GB" sz="1800" b="1" i="0" u="none" strike="noStrike" kern="1200" cap="none" spc="0" normalizeH="0" baseline="0" noProof="0" dirty="0">
+            <a:endParaRPr kumimoji="0" lang="en-GB" sz="1800" b="1" i="0" u="none" strike="noStrike" kern="1200" cap="none" spc="0" normalizeH="0" baseline="0" noProof="0">
               <a:ln>
                 <a:noFill/>
               </a:ln>
@@ -11422,7 +16765,7 @@
               <a:tabLst/>
               <a:defRPr/>
             </a:pPr>
-            <a:endParaRPr kumimoji="0" lang="en-GB" sz="1800" b="1" i="0" u="none" strike="noStrike" kern="1200" cap="none" spc="0" normalizeH="0" baseline="0" noProof="0" dirty="0">
+            <a:endParaRPr kumimoji="0" lang="en-GB" sz="1800" b="1" i="0" u="none" strike="noStrike" kern="1200" cap="none" spc="0" normalizeH="0" baseline="0" noProof="0">
               <a:ln>
                 <a:noFill/>
               </a:ln>
@@ -11620,7 +16963,7 @@
               <a:tabLst/>
               <a:defRPr/>
             </a:pPr>
-            <a:endParaRPr kumimoji="0" lang="en-GB" sz="1800" b="1" i="0" u="none" strike="noStrike" kern="1200" cap="none" spc="0" normalizeH="0" baseline="0" noProof="0" dirty="0">
+            <a:endParaRPr kumimoji="0" lang="en-GB" sz="1800" b="1" i="0" u="none" strike="noStrike" kern="1200" cap="none" spc="0" normalizeH="0" baseline="0" noProof="0">
               <a:ln>
                 <a:noFill/>
               </a:ln>
@@ -11818,7 +17161,7 @@
               <a:tabLst/>
               <a:defRPr/>
             </a:pPr>
-            <a:endParaRPr kumimoji="0" lang="en-GB" sz="1800" b="1" i="0" u="none" strike="noStrike" kern="1200" cap="none" spc="0" normalizeH="0" baseline="0" noProof="0" dirty="0">
+            <a:endParaRPr kumimoji="0" lang="en-GB" sz="1800" b="1" i="0" u="none" strike="noStrike" kern="1200" cap="none" spc="0" normalizeH="0" baseline="0" noProof="0">
               <a:ln>
                 <a:noFill/>
               </a:ln>
@@ -12016,7 +17359,7 @@
               <a:tabLst/>
               <a:defRPr/>
             </a:pPr>
-            <a:endParaRPr kumimoji="0" lang="en-GB" sz="1800" b="1" i="0" u="none" strike="noStrike" kern="1200" cap="none" spc="0" normalizeH="0" baseline="0" noProof="0" dirty="0">
+            <a:endParaRPr kumimoji="0" lang="en-GB" sz="1800" b="1" i="0" u="none" strike="noStrike" kern="1200" cap="none" spc="0" normalizeH="0" baseline="0" noProof="0">
               <a:ln>
                 <a:noFill/>
               </a:ln>
@@ -12214,7 +17557,7 @@
               <a:tabLst/>
               <a:defRPr/>
             </a:pPr>
-            <a:endParaRPr kumimoji="0" lang="en-GB" sz="1800" b="1" i="0" u="none" strike="noStrike" kern="1200" cap="none" spc="0" normalizeH="0" baseline="0" noProof="0" dirty="0">
+            <a:endParaRPr kumimoji="0" lang="en-GB" sz="1800" b="1" i="0" u="none" strike="noStrike" kern="1200" cap="none" spc="0" normalizeH="0" baseline="0" noProof="0">
               <a:ln>
                 <a:noFill/>
               </a:ln>
@@ -12428,7 +17771,7 @@
               <a:tabLst/>
               <a:defRPr/>
             </a:pPr>
-            <a:endParaRPr kumimoji="0" lang="en-GB" sz="1800" b="1" i="0" u="none" strike="noStrike" kern="1200" cap="none" spc="0" normalizeH="0" baseline="0" noProof="0" dirty="0">
+            <a:endParaRPr kumimoji="0" lang="en-GB" sz="1800" b="1" i="0" u="none" strike="noStrike" kern="1200" cap="none" spc="0" normalizeH="0" baseline="0" noProof="0">
               <a:ln>
                 <a:noFill/>
               </a:ln>
@@ -12642,7 +17985,7 @@
               <a:tabLst/>
               <a:defRPr/>
             </a:pPr>
-            <a:endParaRPr kumimoji="0" lang="en-GB" sz="1800" b="1" i="0" u="none" strike="noStrike" kern="1200" cap="none" spc="0" normalizeH="0" baseline="0" noProof="0" dirty="0">
+            <a:endParaRPr kumimoji="0" lang="en-GB" sz="1800" b="1" i="0" u="none" strike="noStrike" kern="1200" cap="none" spc="0" normalizeH="0" baseline="0" noProof="0">
               <a:ln>
                 <a:noFill/>
               </a:ln>
@@ -12856,7 +18199,7 @@
               <a:tabLst/>
               <a:defRPr/>
             </a:pPr>
-            <a:endParaRPr kumimoji="0" lang="en-GB" sz="1800" b="1" i="0" u="none" strike="noStrike" kern="1200" cap="none" spc="0" normalizeH="0" baseline="0" noProof="0" dirty="0">
+            <a:endParaRPr kumimoji="0" lang="en-GB" sz="1800" b="1" i="0" u="none" strike="noStrike" kern="1200" cap="none" spc="0" normalizeH="0" baseline="0" noProof="0">
               <a:ln>
                 <a:noFill/>
               </a:ln>
@@ -13407,7 +18750,7 @@
           <a:lstStyle/>
           <a:p>
             <a:r>
-              <a:rPr lang="en-GB" dirty="0"/>
+              <a:rPr lang="en-GB"/>
               <a:t>London’s Night Time Economy</a:t>
             </a:r>
           </a:p>
@@ -13435,7 +18778,7 @@
           <a:lstStyle/>
           <a:p>
             <a:r>
-              <a:rPr lang="en-GB" dirty="0"/>
+              <a:rPr lang="en-GB"/>
               <a:t>GLA Economics</a:t>
             </a:r>
           </a:p>
@@ -13455,6 +18798,433 @@
 </file>
 
 <file path=ppt/slides/slide10.xml><?xml version="1.0" encoding="utf-8"?>
+<p:sld xmlns:a="http://schemas.openxmlformats.org/drawingml/2006/main" xmlns:r="http://schemas.openxmlformats.org/officeDocument/2006/relationships" xmlns:p="http://schemas.openxmlformats.org/presentationml/2006/main">
+  <p:cSld>
+    <p:spTree>
+      <p:nvGrpSpPr>
+        <p:cNvPr id="1" name=""/>
+        <p:cNvGrpSpPr/>
+        <p:nvPr/>
+      </p:nvGrpSpPr>
+      <p:grpSpPr>
+        <a:xfrm>
+          <a:off x="0" y="0"/>
+          <a:ext cx="0" cy="0"/>
+          <a:chOff x="0" y="0"/>
+          <a:chExt cx="0" cy="0"/>
+        </a:xfrm>
+      </p:grpSpPr>
+      <p:sp>
+        <p:nvSpPr>
+          <p:cNvPr id="6" name="Title 5">
+            <a:extLst>
+              <a:ext uri="{FF2B5EF4-FFF2-40B4-BE49-F238E27FC236}">
+                <a16:creationId xmlns:a16="http://schemas.microsoft.com/office/drawing/2014/main" id="{4A738471-722F-4D3A-B04B-5FD494B9EB72}"/>
+              </a:ext>
+            </a:extLst>
+          </p:cNvPr>
+          <p:cNvSpPr>
+            <a:spLocks noGrp="1"/>
+          </p:cNvSpPr>
+          <p:nvPr>
+            <p:ph type="title"/>
+          </p:nvPr>
+        </p:nvSpPr>
+        <p:spPr/>
+        <p:txBody>
+          <a:bodyPr/>
+          <a:lstStyle/>
+          <a:p>
+            <a:r>
+              <a:rPr lang="en-GB"/>
+              <a:t>Findings from London survey</a:t>
+            </a:r>
+          </a:p>
+        </p:txBody>
+      </p:sp>
+      <p:sp>
+        <p:nvSpPr>
+          <p:cNvPr id="4" name="Content Placeholder 3">
+            <a:extLst>
+              <a:ext uri="{FF2B5EF4-FFF2-40B4-BE49-F238E27FC236}">
+                <a16:creationId xmlns:a16="http://schemas.microsoft.com/office/drawing/2014/main" id="{90094C3F-47D3-4640-BB11-9D132B8C3C53}"/>
+              </a:ext>
+            </a:extLst>
+          </p:cNvPr>
+          <p:cNvSpPr>
+            <a:spLocks noGrp="1"/>
+          </p:cNvSpPr>
+          <p:nvPr>
+            <p:ph idx="1"/>
+          </p:nvPr>
+        </p:nvSpPr>
+        <p:spPr/>
+        <p:txBody>
+          <a:bodyPr/>
+          <a:lstStyle/>
+          <a:p>
+            <a:r>
+              <a:rPr lang="en-GB"/>
+              <a:t>More than a third say they work in NTE once a week and more than half once a month</a:t>
+            </a:r>
+          </a:p>
+          <a:p>
+            <a:r>
+              <a:rPr lang="en-GB"/>
+              <a:t>44% of NTE workers say they work more in NTE than before pandemic (contrast to data)</a:t>
+            </a:r>
+          </a:p>
+          <a:p>
+            <a:r>
+              <a:rPr lang="en-GB"/>
+              <a:t>Most NTE workers (55%) work less than half their hours in NTE</a:t>
+            </a:r>
+          </a:p>
+          <a:p>
+            <a:r>
+              <a:rPr lang="en-GB"/>
+              <a:t>While 51% of NTE workers do early evenings (6-9PM) at least once a week, around 25% work past midnight once a week</a:t>
+            </a:r>
+          </a:p>
+          <a:p>
+            <a:r>
+              <a:rPr lang="en-GB"/>
+              <a:t>53% of NTE workers mostly do so from home</a:t>
+            </a:r>
+          </a:p>
+        </p:txBody>
+      </p:sp>
+      <p:sp>
+        <p:nvSpPr>
+          <p:cNvPr id="5" name="TextBox 4">
+            <a:extLst>
+              <a:ext uri="{FF2B5EF4-FFF2-40B4-BE49-F238E27FC236}">
+                <a16:creationId xmlns:a16="http://schemas.microsoft.com/office/drawing/2014/main" id="{C6A3F50C-A361-470C-9717-E3E264C69367}"/>
+              </a:ext>
+            </a:extLst>
+          </p:cNvPr>
+          <p:cNvSpPr txBox="1"/>
+          <p:nvPr/>
+        </p:nvSpPr>
+        <p:spPr>
+          <a:xfrm>
+            <a:off x="838200" y="6267450"/>
+            <a:ext cx="8553450" cy="261610"/>
+          </a:xfrm>
+          <a:prstGeom prst="rect">
+            <a:avLst/>
+          </a:prstGeom>
+          <a:noFill/>
+        </p:spPr>
+        <p:txBody>
+          <a:bodyPr wrap="square" rtlCol="0">
+            <a:spAutoFit/>
+          </a:bodyPr>
+          <a:lstStyle/>
+          <a:p>
+            <a:r>
+              <a:rPr lang="en-GB" sz="1100" i="1">
+                <a:solidFill>
+                  <a:schemeClr val="bg2"/>
+                </a:solidFill>
+              </a:rPr>
+              <a:t>Source: Redfield and Wilton Strategies, survey commissioned by GLA.</a:t>
+            </a:r>
+          </a:p>
+        </p:txBody>
+      </p:sp>
+    </p:spTree>
+    <p:extLst>
+      <p:ext uri="{BB962C8B-B14F-4D97-AF65-F5344CB8AC3E}">
+        <p14:creationId xmlns:p14="http://schemas.microsoft.com/office/powerpoint/2010/main" val="2354753383"/>
+      </p:ext>
+    </p:extLst>
+  </p:cSld>
+  <p:clrMapOvr>
+    <a:masterClrMapping/>
+  </p:clrMapOvr>
+</p:sld>
+</file>
+
+<file path=ppt/slides/slide11.xml><?xml version="1.0" encoding="utf-8"?>
+<p:sld xmlns:a="http://schemas.openxmlformats.org/drawingml/2006/main" xmlns:r="http://schemas.openxmlformats.org/officeDocument/2006/relationships" xmlns:p="http://schemas.openxmlformats.org/presentationml/2006/main">
+  <p:cSld>
+    <p:spTree>
+      <p:nvGrpSpPr>
+        <p:cNvPr id="1" name=""/>
+        <p:cNvGrpSpPr/>
+        <p:nvPr/>
+      </p:nvGrpSpPr>
+      <p:grpSpPr>
+        <a:xfrm>
+          <a:off x="0" y="0"/>
+          <a:ext cx="0" cy="0"/>
+          <a:chOff x="0" y="0"/>
+          <a:chExt cx="0" cy="0"/>
+        </a:xfrm>
+      </p:grpSpPr>
+      <p:sp>
+        <p:nvSpPr>
+          <p:cNvPr id="2" name="Title 1">
+            <a:extLst>
+              <a:ext uri="{FF2B5EF4-FFF2-40B4-BE49-F238E27FC236}">
+                <a16:creationId xmlns:a16="http://schemas.microsoft.com/office/drawing/2014/main" id="{F7B9CE61-B073-4263-AC19-5D71AB79D2BC}"/>
+              </a:ext>
+            </a:extLst>
+          </p:cNvPr>
+          <p:cNvSpPr>
+            <a:spLocks noGrp="1"/>
+          </p:cNvSpPr>
+          <p:nvPr>
+            <p:ph type="title"/>
+          </p:nvPr>
+        </p:nvSpPr>
+        <p:spPr/>
+        <p:txBody>
+          <a:bodyPr>
+            <a:normAutofit fontScale="90000"/>
+          </a:bodyPr>
+          <a:lstStyle/>
+          <a:p>
+            <a:r>
+              <a:rPr lang="en-GB"/>
+              <a:t>NTE worker decline – do people want to work at night?</a:t>
+            </a:r>
+            <a:br>
+              <a:rPr lang="en-GB"/>
+            </a:br>
+            <a:endParaRPr lang="en-GB"/>
+          </a:p>
+        </p:txBody>
+      </p:sp>
+      <p:sp>
+        <p:nvSpPr>
+          <p:cNvPr id="3" name="Content Placeholder 2">
+            <a:extLst>
+              <a:ext uri="{FF2B5EF4-FFF2-40B4-BE49-F238E27FC236}">
+                <a16:creationId xmlns:a16="http://schemas.microsoft.com/office/drawing/2014/main" id="{08E2A6D4-1EFC-4063-B2AE-DBC8629E99E7}"/>
+              </a:ext>
+            </a:extLst>
+          </p:cNvPr>
+          <p:cNvSpPr>
+            <a:spLocks noGrp="1"/>
+          </p:cNvSpPr>
+          <p:nvPr>
+            <p:ph idx="1"/>
+          </p:nvPr>
+        </p:nvSpPr>
+        <p:spPr/>
+        <p:txBody>
+          <a:bodyPr/>
+          <a:lstStyle/>
+          <a:p>
+            <a:r>
+              <a:rPr lang="en-GB"/>
+              <a:t>49% of NTE workers like working nights*</a:t>
+            </a:r>
+          </a:p>
+        </p:txBody>
+      </p:sp>
+      <p:sp>
+        <p:nvSpPr>
+          <p:cNvPr id="4" name="TextBox 3">
+            <a:extLst>
+              <a:ext uri="{FF2B5EF4-FFF2-40B4-BE49-F238E27FC236}">
+                <a16:creationId xmlns:a16="http://schemas.microsoft.com/office/drawing/2014/main" id="{3D6D30B4-7820-4E09-8B01-4FACB7C2B90E}"/>
+              </a:ext>
+            </a:extLst>
+          </p:cNvPr>
+          <p:cNvSpPr txBox="1"/>
+          <p:nvPr/>
+        </p:nvSpPr>
+        <p:spPr>
+          <a:xfrm>
+            <a:off x="838200" y="6267450"/>
+            <a:ext cx="8553450" cy="261610"/>
+          </a:xfrm>
+          <a:prstGeom prst="rect">
+            <a:avLst/>
+          </a:prstGeom>
+          <a:noFill/>
+        </p:spPr>
+        <p:txBody>
+          <a:bodyPr wrap="square" rtlCol="0">
+            <a:spAutoFit/>
+          </a:bodyPr>
+          <a:lstStyle/>
+          <a:p>
+            <a:r>
+              <a:rPr lang="en-GB" sz="1100" i="1">
+                <a:solidFill>
+                  <a:schemeClr val="bg2"/>
+                </a:solidFill>
+              </a:rPr>
+              <a:t>Source: Redfield and Wilton Strategies, survey commissioned by GLA.</a:t>
+            </a:r>
+          </a:p>
+        </p:txBody>
+      </p:sp>
+    </p:spTree>
+    <p:extLst>
+      <p:ext uri="{BB962C8B-B14F-4D97-AF65-F5344CB8AC3E}">
+        <p14:creationId xmlns:p14="http://schemas.microsoft.com/office/powerpoint/2010/main" val="3318310154"/>
+      </p:ext>
+    </p:extLst>
+  </p:cSld>
+  <p:clrMapOvr>
+    <a:masterClrMapping/>
+  </p:clrMapOvr>
+</p:sld>
+</file>
+
+<file path=ppt/slides/slide12.xml><?xml version="1.0" encoding="utf-8"?>
+<p:sld xmlns:a="http://schemas.openxmlformats.org/drawingml/2006/main" xmlns:r="http://schemas.openxmlformats.org/officeDocument/2006/relationships" xmlns:p="http://schemas.openxmlformats.org/presentationml/2006/main">
+  <p:cSld>
+    <p:spTree>
+      <p:nvGrpSpPr>
+        <p:cNvPr id="1" name=""/>
+        <p:cNvGrpSpPr/>
+        <p:nvPr/>
+      </p:nvGrpSpPr>
+      <p:grpSpPr>
+        <a:xfrm>
+          <a:off x="0" y="0"/>
+          <a:ext cx="0" cy="0"/>
+          <a:chOff x="0" y="0"/>
+          <a:chExt cx="0" cy="0"/>
+        </a:xfrm>
+      </p:grpSpPr>
+      <p:sp>
+        <p:nvSpPr>
+          <p:cNvPr id="2" name="Title 1">
+            <a:extLst>
+              <a:ext uri="{FF2B5EF4-FFF2-40B4-BE49-F238E27FC236}">
+                <a16:creationId xmlns:a16="http://schemas.microsoft.com/office/drawing/2014/main" id="{8D1AADCC-6AEB-4DAB-8BB7-80D0DC52C85D}"/>
+              </a:ext>
+            </a:extLst>
+          </p:cNvPr>
+          <p:cNvSpPr>
+            <a:spLocks noGrp="1"/>
+          </p:cNvSpPr>
+          <p:nvPr>
+            <p:ph type="title"/>
+          </p:nvPr>
+        </p:nvSpPr>
+        <p:spPr/>
+        <p:txBody>
+          <a:bodyPr/>
+          <a:lstStyle/>
+          <a:p>
+            <a:r>
+              <a:rPr lang="en-GB"/>
+              <a:t>How many people work at night as opposed to evenings?</a:t>
+            </a:r>
+          </a:p>
+        </p:txBody>
+      </p:sp>
+      <p:sp>
+        <p:nvSpPr>
+          <p:cNvPr id="3" name="Content Placeholder 2">
+            <a:extLst>
+              <a:ext uri="{FF2B5EF4-FFF2-40B4-BE49-F238E27FC236}">
+                <a16:creationId xmlns:a16="http://schemas.microsoft.com/office/drawing/2014/main" id="{5B441531-099A-4BB3-A200-10BB9861B9E5}"/>
+              </a:ext>
+            </a:extLst>
+          </p:cNvPr>
+          <p:cNvSpPr>
+            <a:spLocks noGrp="1"/>
+          </p:cNvSpPr>
+          <p:nvPr>
+            <p:ph sz="half" idx="1"/>
+          </p:nvPr>
+        </p:nvSpPr>
+        <p:spPr/>
+        <p:txBody>
+          <a:bodyPr/>
+          <a:lstStyle/>
+          <a:p>
+            <a:endParaRPr lang="en-GB"/>
+          </a:p>
+        </p:txBody>
+      </p:sp>
+      <p:sp>
+        <p:nvSpPr>
+          <p:cNvPr id="4" name="Content Placeholder 3">
+            <a:extLst>
+              <a:ext uri="{FF2B5EF4-FFF2-40B4-BE49-F238E27FC236}">
+                <a16:creationId xmlns:a16="http://schemas.microsoft.com/office/drawing/2014/main" id="{C9F6DF00-DDD2-43E9-AB4D-E78B808B9B55}"/>
+              </a:ext>
+            </a:extLst>
+          </p:cNvPr>
+          <p:cNvSpPr>
+            <a:spLocks noGrp="1"/>
+          </p:cNvSpPr>
+          <p:nvPr>
+            <p:ph sz="half" idx="2"/>
+          </p:nvPr>
+        </p:nvSpPr>
+        <p:spPr/>
+        <p:txBody>
+          <a:bodyPr/>
+          <a:lstStyle/>
+          <a:p>
+            <a:endParaRPr lang="en-GB"/>
+          </a:p>
+        </p:txBody>
+      </p:sp>
+      <p:sp>
+        <p:nvSpPr>
+          <p:cNvPr id="5" name="TextBox 4">
+            <a:extLst>
+              <a:ext uri="{FF2B5EF4-FFF2-40B4-BE49-F238E27FC236}">
+                <a16:creationId xmlns:a16="http://schemas.microsoft.com/office/drawing/2014/main" id="{6249D0E2-58FD-49CA-92DE-8463C4F0612E}"/>
+              </a:ext>
+            </a:extLst>
+          </p:cNvPr>
+          <p:cNvSpPr txBox="1"/>
+          <p:nvPr/>
+        </p:nvSpPr>
+        <p:spPr>
+          <a:xfrm>
+            <a:off x="838200" y="6267450"/>
+            <a:ext cx="8553450" cy="261610"/>
+          </a:xfrm>
+          <a:prstGeom prst="rect">
+            <a:avLst/>
+          </a:prstGeom>
+          <a:noFill/>
+        </p:spPr>
+        <p:txBody>
+          <a:bodyPr wrap="square" rtlCol="0">
+            <a:spAutoFit/>
+          </a:bodyPr>
+          <a:lstStyle/>
+          <a:p>
+            <a:r>
+              <a:rPr lang="en-GB" sz="1100" i="1">
+                <a:solidFill>
+                  <a:schemeClr val="bg2"/>
+                </a:solidFill>
+              </a:rPr>
+              <a:t>Source: Redfield and Wilton Strategies, survey commissioned by GLA.</a:t>
+            </a:r>
+          </a:p>
+        </p:txBody>
+      </p:sp>
+    </p:spTree>
+    <p:extLst>
+      <p:ext uri="{BB962C8B-B14F-4D97-AF65-F5344CB8AC3E}">
+        <p14:creationId xmlns:p14="http://schemas.microsoft.com/office/powerpoint/2010/main" val="1792016163"/>
+      </p:ext>
+    </p:extLst>
+  </p:cSld>
+  <p:clrMapOvr>
+    <a:masterClrMapping/>
+  </p:clrMapOvr>
+</p:sld>
+</file>
+
+<file path=ppt/slides/slide13.xml><?xml version="1.0" encoding="utf-8"?>
 <p:sld xmlns:a="http://schemas.openxmlformats.org/drawingml/2006/main" xmlns:r="http://schemas.openxmlformats.org/officeDocument/2006/relationships" xmlns:p="http://schemas.openxmlformats.org/presentationml/2006/main">
   <p:cSld>
     <p:spTree>
@@ -13493,7 +19263,7 @@
           <a:lstStyle/>
           <a:p>
             <a:r>
-              <a:rPr lang="en-GB" dirty="0"/>
+              <a:rPr lang="en-GB"/>
               <a:t>Consider number of businesses particularly active in NTE</a:t>
             </a:r>
           </a:p>
@@ -13501,54 +19271,74 @@
       </p:sp>
       <p:sp>
         <p:nvSpPr>
-          <p:cNvPr id="3" name="Content Placeholder 2">
+          <p:cNvPr id="8" name="TextBox 7">
             <a:extLst>
               <a:ext uri="{FF2B5EF4-FFF2-40B4-BE49-F238E27FC236}">
-                <a16:creationId xmlns:a16="http://schemas.microsoft.com/office/drawing/2014/main" id="{A737F311-66AD-4CEF-A530-5EB6F64E4E25}"/>
+                <a16:creationId xmlns:a16="http://schemas.microsoft.com/office/drawing/2014/main" id="{C0BB2580-6A34-45EE-A200-2F6E11D642F1}"/>
               </a:ext>
             </a:extLst>
           </p:cNvPr>
-          <p:cNvSpPr>
-            <a:spLocks noGrp="1"/>
-          </p:cNvSpPr>
-          <p:nvPr>
-            <p:ph sz="half" idx="1"/>
-          </p:nvPr>
+          <p:cNvSpPr txBox="1"/>
+          <p:nvPr/>
         </p:nvSpPr>
-        <p:spPr/>
+        <p:spPr>
+          <a:xfrm>
+            <a:off x="838200" y="6267450"/>
+            <a:ext cx="8553450" cy="261610"/>
+          </a:xfrm>
+          <a:prstGeom prst="rect">
+            <a:avLst/>
+          </a:prstGeom>
+          <a:noFill/>
+        </p:spPr>
         <p:txBody>
-          <a:bodyPr/>
+          <a:bodyPr wrap="square" rtlCol="0">
+            <a:spAutoFit/>
+          </a:bodyPr>
           <a:lstStyle/>
           <a:p>
-            <a:endParaRPr lang="en-GB"/>
+            <a:r>
+              <a:rPr lang="en-GB" sz="1100" i="1">
+                <a:solidFill>
+                  <a:schemeClr val="bg2"/>
+                </a:solidFill>
+              </a:rPr>
+              <a:t>Source: Business Counts 2015-2022, ONS.</a:t>
+            </a:r>
           </a:p>
         </p:txBody>
       </p:sp>
-      <p:sp>
-        <p:nvSpPr>
-          <p:cNvPr id="4" name="Content Placeholder 3">
+      <p:graphicFrame>
+        <p:nvGraphicFramePr>
+          <p:cNvPr id="9" name="Content Placeholder 8">
             <a:extLst>
               <a:ext uri="{FF2B5EF4-FFF2-40B4-BE49-F238E27FC236}">
-                <a16:creationId xmlns:a16="http://schemas.microsoft.com/office/drawing/2014/main" id="{2F83065C-0669-446D-81EF-0FD0BB32ED0E}"/>
+                <a16:creationId xmlns:a16="http://schemas.microsoft.com/office/drawing/2014/main" id="{227602D3-3BFE-461A-AC73-B24819A3BEB7}"/>
               </a:ext>
             </a:extLst>
           </p:cNvPr>
-          <p:cNvSpPr>
-            <a:spLocks noGrp="1"/>
-          </p:cNvSpPr>
+          <p:cNvGraphicFramePr>
+            <a:graphicFrameLocks noGrp="1"/>
+          </p:cNvGraphicFramePr>
           <p:nvPr>
-            <p:ph sz="half" idx="2"/>
+            <p:ph idx="1"/>
+            <p:extLst>
+              <p:ext uri="{D42A27DB-BD31-4B8C-83A1-F6EECF244321}">
+                <p14:modId xmlns:p14="http://schemas.microsoft.com/office/powerpoint/2010/main" val="1972528739"/>
+              </p:ext>
+            </p:extLst>
           </p:nvPr>
-        </p:nvSpPr>
-        <p:spPr/>
-        <p:txBody>
-          <a:bodyPr/>
-          <a:lstStyle/>
-          <a:p>
-            <a:endParaRPr lang="en-GB"/>
-          </a:p>
-        </p:txBody>
-      </p:sp>
+        </p:nvGraphicFramePr>
+        <p:xfrm>
+          <a:off x="838200" y="1825625"/>
+          <a:ext cx="10515600" cy="4351338"/>
+        </p:xfrm>
+        <a:graphic>
+          <a:graphicData uri="http://schemas.openxmlformats.org/drawingml/2006/chart">
+            <c:chart xmlns:c="http://schemas.openxmlformats.org/drawingml/2006/chart" xmlns:r="http://schemas.openxmlformats.org/officeDocument/2006/relationships" r:id="rId3"/>
+          </a:graphicData>
+        </a:graphic>
+      </p:graphicFrame>
     </p:spTree>
     <p:extLst>
       <p:ext uri="{BB962C8B-B14F-4D97-AF65-F5344CB8AC3E}">
@@ -13563,6 +19353,126 @@
 </file>
 
 <file path=ppt/slides/slide2.xml><?xml version="1.0" encoding="utf-8"?>
+<p:sld xmlns:a="http://schemas.openxmlformats.org/drawingml/2006/main" xmlns:r="http://schemas.openxmlformats.org/officeDocument/2006/relationships" xmlns:p="http://schemas.openxmlformats.org/presentationml/2006/main">
+  <p:cSld>
+    <p:spTree>
+      <p:nvGrpSpPr>
+        <p:cNvPr id="1" name=""/>
+        <p:cNvGrpSpPr/>
+        <p:nvPr/>
+      </p:nvGrpSpPr>
+      <p:grpSpPr>
+        <a:xfrm>
+          <a:off x="0" y="0"/>
+          <a:ext cx="0" cy="0"/>
+          <a:chOff x="0" y="0"/>
+          <a:chExt cx="0" cy="0"/>
+        </a:xfrm>
+      </p:grpSpPr>
+      <p:sp>
+        <p:nvSpPr>
+          <p:cNvPr id="2" name="Title 1">
+            <a:extLst>
+              <a:ext uri="{FF2B5EF4-FFF2-40B4-BE49-F238E27FC236}">
+                <a16:creationId xmlns:a16="http://schemas.microsoft.com/office/drawing/2014/main" id="{24187A63-3C11-4643-83B5-788A799C02A1}"/>
+              </a:ext>
+            </a:extLst>
+          </p:cNvPr>
+          <p:cNvSpPr>
+            <a:spLocks noGrp="1"/>
+          </p:cNvSpPr>
+          <p:nvPr>
+            <p:ph type="title"/>
+          </p:nvPr>
+        </p:nvSpPr>
+        <p:spPr/>
+        <p:txBody>
+          <a:bodyPr/>
+          <a:lstStyle/>
+          <a:p>
+            <a:r>
+              <a:rPr lang="en-GB" dirty="0"/>
+              <a:t>Headline figures</a:t>
+            </a:r>
+          </a:p>
+        </p:txBody>
+      </p:sp>
+      <p:sp>
+        <p:nvSpPr>
+          <p:cNvPr id="3" name="Content Placeholder 2">
+            <a:extLst>
+              <a:ext uri="{FF2B5EF4-FFF2-40B4-BE49-F238E27FC236}">
+                <a16:creationId xmlns:a16="http://schemas.microsoft.com/office/drawing/2014/main" id="{39940BE7-4EB8-4BAC-A990-4E674FBFA4C9}"/>
+              </a:ext>
+            </a:extLst>
+          </p:cNvPr>
+          <p:cNvSpPr>
+            <a:spLocks noGrp="1"/>
+          </p:cNvSpPr>
+          <p:nvPr>
+            <p:ph idx="1"/>
+          </p:nvPr>
+        </p:nvSpPr>
+        <p:spPr/>
+        <p:txBody>
+          <a:bodyPr/>
+          <a:lstStyle/>
+          <a:p>
+            <a:r>
+              <a:rPr lang="en-GB" dirty="0"/>
+              <a:t>We define workers in the Night Time Economy (NTE) as people for whom it is usual to work evenings, nights, or both.</a:t>
+            </a:r>
+          </a:p>
+          <a:p>
+            <a:r>
+              <a:rPr lang="en-GB" dirty="0"/>
+              <a:t>1.4 million people worked in London’s NTE in 2022</a:t>
+            </a:r>
+          </a:p>
+          <a:p>
+            <a:r>
+              <a:rPr lang="en-GB" dirty="0"/>
+              <a:t>The share of the total workforce in London working evenings and/or nights has been decreasing for more than five years</a:t>
+            </a:r>
+          </a:p>
+          <a:p>
+            <a:r>
+              <a:rPr lang="en-GB" dirty="0"/>
+              <a:t>The Health industry has the largest share of all NTE workers in London – Hospitality and Retail are 5</a:t>
+            </a:r>
+            <a:r>
+              <a:rPr lang="en-GB" baseline="30000" dirty="0"/>
+              <a:t>th</a:t>
+            </a:r>
+            <a:r>
+              <a:rPr lang="en-GB" dirty="0"/>
+              <a:t> and 6</a:t>
+            </a:r>
+            <a:r>
+              <a:rPr lang="en-GB" baseline="30000" dirty="0"/>
+              <a:t>th</a:t>
+            </a:r>
+            <a:endParaRPr lang="en-GB" dirty="0"/>
+          </a:p>
+          <a:p>
+            <a:endParaRPr lang="en-GB" dirty="0"/>
+          </a:p>
+        </p:txBody>
+      </p:sp>
+    </p:spTree>
+    <p:extLst>
+      <p:ext uri="{BB962C8B-B14F-4D97-AF65-F5344CB8AC3E}">
+        <p14:creationId xmlns:p14="http://schemas.microsoft.com/office/powerpoint/2010/main" val="2553511309"/>
+      </p:ext>
+    </p:extLst>
+  </p:cSld>
+  <p:clrMapOvr>
+    <a:masterClrMapping/>
+  </p:clrMapOvr>
+</p:sld>
+</file>
+
+<file path=ppt/slides/slide3.xml><?xml version="1.0" encoding="utf-8"?>
 <p:sld xmlns:a="http://schemas.openxmlformats.org/drawingml/2006/main" xmlns:r="http://schemas.openxmlformats.org/officeDocument/2006/relationships" xmlns:p="http://schemas.openxmlformats.org/presentationml/2006/main">
   <p:cSld>
     <p:spTree>
@@ -13601,8 +19511,8 @@
           <a:lstStyle/>
           <a:p>
             <a:r>
-              <a:rPr lang="en-GB" dirty="0"/>
-              <a:t>1.4 million people work in London’s NTE, down from 1.7 million in 2017</a:t>
+              <a:rPr lang="en-GB"/>
+              <a:t>1.4 million people work in London’s NTE, down from 1.6 million in 2017</a:t>
             </a:r>
           </a:p>
         </p:txBody>
@@ -13638,6 +19548,45 @@
           </a:graphicData>
         </a:graphic>
       </p:graphicFrame>
+      <p:sp>
+        <p:nvSpPr>
+          <p:cNvPr id="3" name="TextBox 2">
+            <a:extLst>
+              <a:ext uri="{FF2B5EF4-FFF2-40B4-BE49-F238E27FC236}">
+                <a16:creationId xmlns:a16="http://schemas.microsoft.com/office/drawing/2014/main" id="{3B6FDA12-8914-4B47-ABE3-1A4FC12D3C1C}"/>
+              </a:ext>
+            </a:extLst>
+          </p:cNvPr>
+          <p:cNvSpPr txBox="1"/>
+          <p:nvPr/>
+        </p:nvSpPr>
+        <p:spPr>
+          <a:xfrm>
+            <a:off x="838200" y="6267450"/>
+            <a:ext cx="8553450" cy="261610"/>
+          </a:xfrm>
+          <a:prstGeom prst="rect">
+            <a:avLst/>
+          </a:prstGeom>
+          <a:noFill/>
+        </p:spPr>
+        <p:txBody>
+          <a:bodyPr wrap="square" rtlCol="0">
+            <a:spAutoFit/>
+          </a:bodyPr>
+          <a:lstStyle/>
+          <a:p>
+            <a:r>
+              <a:rPr lang="en-GB" sz="1100" i="1">
+                <a:solidFill>
+                  <a:schemeClr val="bg2"/>
+                </a:solidFill>
+              </a:rPr>
+              <a:t>Source: Labour Force Survey Apr-Jun 2015-2022, UK Data Service.</a:t>
+            </a:r>
+          </a:p>
+        </p:txBody>
+      </p:sp>
     </p:spTree>
     <p:extLst>
       <p:ext uri="{BB962C8B-B14F-4D97-AF65-F5344CB8AC3E}">
@@ -13651,7 +19600,7 @@
 </p:sld>
 </file>
 
-<file path=ppt/slides/slide3.xml><?xml version="1.0" encoding="utf-8"?>
+<file path=ppt/slides/slide4.xml><?xml version="1.0" encoding="utf-8"?>
 <p:sld xmlns:a="http://schemas.openxmlformats.org/drawingml/2006/main" xmlns:r="http://schemas.openxmlformats.org/officeDocument/2006/relationships" xmlns:p="http://schemas.openxmlformats.org/presentationml/2006/main">
   <p:cSld>
     <p:spTree>
@@ -13690,7 +19639,7 @@
           <a:lstStyle/>
           <a:p>
             <a:r>
-              <a:rPr lang="en-GB" dirty="0"/>
+              <a:rPr lang="en-GB"/>
               <a:t>Share of NTE workforce usually working evenings constant around 60% </a:t>
             </a:r>
           </a:p>
@@ -13727,173 +19676,49 @@
           </a:graphicData>
         </a:graphic>
       </p:graphicFrame>
+      <p:sp>
+        <p:nvSpPr>
+          <p:cNvPr id="4" name="TextBox 3">
+            <a:extLst>
+              <a:ext uri="{FF2B5EF4-FFF2-40B4-BE49-F238E27FC236}">
+                <a16:creationId xmlns:a16="http://schemas.microsoft.com/office/drawing/2014/main" id="{B066D66D-D0F9-419F-99CF-A809CB1D1AEB}"/>
+              </a:ext>
+            </a:extLst>
+          </p:cNvPr>
+          <p:cNvSpPr txBox="1"/>
+          <p:nvPr/>
+        </p:nvSpPr>
+        <p:spPr>
+          <a:xfrm>
+            <a:off x="838200" y="6267450"/>
+            <a:ext cx="8553450" cy="261610"/>
+          </a:xfrm>
+          <a:prstGeom prst="rect">
+            <a:avLst/>
+          </a:prstGeom>
+          <a:noFill/>
+        </p:spPr>
+        <p:txBody>
+          <a:bodyPr wrap="square" rtlCol="0">
+            <a:spAutoFit/>
+          </a:bodyPr>
+          <a:lstStyle/>
+          <a:p>
+            <a:r>
+              <a:rPr lang="en-GB" sz="1100" i="1">
+                <a:solidFill>
+                  <a:schemeClr val="bg2"/>
+                </a:solidFill>
+              </a:rPr>
+              <a:t>Source: Labour Force Survey Apr-Jun 2015-2022, UK Data Service.</a:t>
+            </a:r>
+          </a:p>
+        </p:txBody>
+      </p:sp>
     </p:spTree>
     <p:extLst>
       <p:ext uri="{BB962C8B-B14F-4D97-AF65-F5344CB8AC3E}">
         <p14:creationId xmlns:p14="http://schemas.microsoft.com/office/powerpoint/2010/main" val="1939810192"/>
-      </p:ext>
-    </p:extLst>
-  </p:cSld>
-  <p:clrMapOvr>
-    <a:masterClrMapping/>
-  </p:clrMapOvr>
-</p:sld>
-</file>
-
-<file path=ppt/slides/slide4.xml><?xml version="1.0" encoding="utf-8"?>
-<p:sld xmlns:a="http://schemas.openxmlformats.org/drawingml/2006/main" xmlns:r="http://schemas.openxmlformats.org/officeDocument/2006/relationships" xmlns:p="http://schemas.openxmlformats.org/presentationml/2006/main">
-  <p:cSld>
-    <p:spTree>
-      <p:nvGrpSpPr>
-        <p:cNvPr id="1" name=""/>
-        <p:cNvGrpSpPr/>
-        <p:nvPr/>
-      </p:nvGrpSpPr>
-      <p:grpSpPr>
-        <a:xfrm>
-          <a:off x="0" y="0"/>
-          <a:ext cx="0" cy="0"/>
-          <a:chOff x="0" y="0"/>
-          <a:chExt cx="0" cy="0"/>
-        </a:xfrm>
-      </p:grpSpPr>
-      <p:sp>
-        <p:nvSpPr>
-          <p:cNvPr id="2" name="Title 1">
-            <a:extLst>
-              <a:ext uri="{FF2B5EF4-FFF2-40B4-BE49-F238E27FC236}">
-                <a16:creationId xmlns:a16="http://schemas.microsoft.com/office/drawing/2014/main" id="{7389FEF0-0074-40CE-8B82-EF6E4FB74860}"/>
-              </a:ext>
-            </a:extLst>
-          </p:cNvPr>
-          <p:cNvSpPr>
-            <a:spLocks noGrp="1"/>
-          </p:cNvSpPr>
-          <p:nvPr>
-            <p:ph type="title"/>
-          </p:nvPr>
-        </p:nvSpPr>
-        <p:spPr/>
-        <p:txBody>
-          <a:bodyPr/>
-          <a:lstStyle/>
-          <a:p>
-            <a:r>
-              <a:rPr lang="en-GB" dirty="0"/>
-              <a:t>Trends by industry</a:t>
-            </a:r>
-          </a:p>
-        </p:txBody>
-      </p:sp>
-      <p:sp>
-        <p:nvSpPr>
-          <p:cNvPr id="5" name="Content Placeholder 4">
-            <a:extLst>
-              <a:ext uri="{FF2B5EF4-FFF2-40B4-BE49-F238E27FC236}">
-                <a16:creationId xmlns:a16="http://schemas.microsoft.com/office/drawing/2014/main" id="{EB1678EB-2C75-4668-99CE-22280194724A}"/>
-              </a:ext>
-            </a:extLst>
-          </p:cNvPr>
-          <p:cNvSpPr>
-            <a:spLocks noGrp="1"/>
-          </p:cNvSpPr>
-          <p:nvPr>
-            <p:ph sz="half" idx="2"/>
-          </p:nvPr>
-        </p:nvSpPr>
-        <p:spPr/>
-        <p:txBody>
-          <a:bodyPr>
-            <a:normAutofit fontScale="85000" lnSpcReduction="20000"/>
-          </a:bodyPr>
-          <a:lstStyle/>
-          <a:p>
-            <a:r>
-              <a:rPr lang="en-GB" dirty="0"/>
-              <a:t>Health had the largest share of NTE workers throughout, and saw numbers increase (17k, 9%)</a:t>
-            </a:r>
-          </a:p>
-          <a:p>
-            <a:r>
-              <a:rPr lang="en-GB" dirty="0"/>
-              <a:t>Most significant falls within: </a:t>
-            </a:r>
-          </a:p>
-          <a:p>
-            <a:pPr lvl="1"/>
-            <a:r>
-              <a:rPr lang="en-GB" dirty="0"/>
-              <a:t>Retail (40k, 28%); </a:t>
-            </a:r>
-          </a:p>
-          <a:p>
-            <a:pPr lvl="1"/>
-            <a:r>
-              <a:rPr lang="en-GB" dirty="0"/>
-              <a:t>Hospitality (40k, 27%); </a:t>
-            </a:r>
-          </a:p>
-          <a:p>
-            <a:pPr lvl="1"/>
-            <a:r>
-              <a:rPr lang="en-GB" dirty="0"/>
-              <a:t>Prof. services (35k, 20%); and </a:t>
-            </a:r>
-          </a:p>
-          <a:p>
-            <a:pPr lvl="1"/>
-            <a:r>
-              <a:rPr lang="en-GB" dirty="0"/>
-              <a:t>Transport (32k, 22%)</a:t>
-            </a:r>
-          </a:p>
-          <a:p>
-            <a:r>
-              <a:rPr lang="en-GB" dirty="0"/>
-              <a:t>Almost all decline in Retail (40k) and Hospitality (31k) from people working during evenings</a:t>
-            </a:r>
-          </a:p>
-          <a:p>
-            <a:r>
-              <a:rPr lang="en-GB" dirty="0"/>
-              <a:t>Health saw large increase in people working both evenings and nights (25k)</a:t>
-            </a:r>
-          </a:p>
-          <a:p>
-            <a:endParaRPr lang="en-GB" dirty="0"/>
-          </a:p>
-        </p:txBody>
-      </p:sp>
-      <p:graphicFrame>
-        <p:nvGraphicFramePr>
-          <p:cNvPr id="9" name="Content Placeholder 8">
-            <a:extLst>
-              <a:ext uri="{FF2B5EF4-FFF2-40B4-BE49-F238E27FC236}">
-                <a16:creationId xmlns:a16="http://schemas.microsoft.com/office/drawing/2014/main" id="{DE3293CF-E542-46A0-8059-1CB8F5360B80}"/>
-              </a:ext>
-            </a:extLst>
-          </p:cNvPr>
-          <p:cNvGraphicFramePr>
-            <a:graphicFrameLocks noGrp="1"/>
-          </p:cNvGraphicFramePr>
-          <p:nvPr>
-            <p:ph sz="half" idx="1"/>
-          </p:nvPr>
-        </p:nvGraphicFramePr>
-        <p:xfrm>
-          <a:off x="838200" y="1825625"/>
-          <a:ext cx="5181600" cy="4351338"/>
-        </p:xfrm>
-        <a:graphic>
-          <a:graphicData uri="http://schemas.openxmlformats.org/drawingml/2006/chart">
-            <c:chart xmlns:c="http://schemas.openxmlformats.org/drawingml/2006/chart" xmlns:r="http://schemas.openxmlformats.org/officeDocument/2006/relationships" r:id="rId3"/>
-          </a:graphicData>
-        </a:graphic>
-      </p:graphicFrame>
-    </p:spTree>
-    <p:extLst>
-      <p:ext uri="{BB962C8B-B14F-4D97-AF65-F5344CB8AC3E}">
-        <p14:creationId xmlns:p14="http://schemas.microsoft.com/office/powerpoint/2010/main" val="3136133071"/>
       </p:ext>
     </p:extLst>
   </p:cSld>
@@ -13925,7 +19750,7 @@
           <p:cNvPr id="2" name="Title 1">
             <a:extLst>
               <a:ext uri="{FF2B5EF4-FFF2-40B4-BE49-F238E27FC236}">
-                <a16:creationId xmlns:a16="http://schemas.microsoft.com/office/drawing/2014/main" id="{3C058284-3CFF-4015-96E7-69DA19E1FFD7}"/>
+                <a16:creationId xmlns:a16="http://schemas.microsoft.com/office/drawing/2014/main" id="{984A9804-3B6E-48ED-A48D-7F6C01A68204}"/>
               </a:ext>
             </a:extLst>
           </p:cNvPr>
@@ -13938,24 +19763,22 @@
         </p:nvSpPr>
         <p:spPr/>
         <p:txBody>
-          <a:bodyPr>
-            <a:normAutofit/>
-          </a:bodyPr>
+          <a:bodyPr/>
           <a:lstStyle/>
           <a:p>
             <a:r>
               <a:rPr lang="en-GB" dirty="0"/>
-              <a:t>The change in NTE workers is generally not the same as overall workforce flow</a:t>
+              <a:t>Most NTE workers do not work exclusively in night time</a:t>
             </a:r>
           </a:p>
         </p:txBody>
       </p:sp>
       <p:sp>
         <p:nvSpPr>
-          <p:cNvPr id="4" name="Content Placeholder 3">
+          <p:cNvPr id="3" name="Content Placeholder 2">
             <a:extLst>
               <a:ext uri="{FF2B5EF4-FFF2-40B4-BE49-F238E27FC236}">
-                <a16:creationId xmlns:a16="http://schemas.microsoft.com/office/drawing/2014/main" id="{4FE9AC03-D1B9-4575-9871-CD34F629E1B9}"/>
+                <a16:creationId xmlns:a16="http://schemas.microsoft.com/office/drawing/2014/main" id="{155FF8B2-4349-40A8-961B-FE0B73355E29}"/>
               </a:ext>
             </a:extLst>
           </p:cNvPr>
@@ -13963,71 +19786,62 @@
             <a:spLocks noGrp="1"/>
           </p:cNvSpPr>
           <p:nvPr>
-            <p:ph sz="half" idx="2"/>
+            <p:ph idx="1"/>
           </p:nvPr>
         </p:nvSpPr>
         <p:spPr/>
         <p:txBody>
-          <a:bodyPr>
-            <a:normAutofit fontScale="92500" lnSpcReduction="10000"/>
-          </a:bodyPr>
+          <a:bodyPr/>
           <a:lstStyle/>
           <a:p>
             <a:r>
               <a:rPr lang="en-GB" dirty="0"/>
-              <a:t>Health saw increase in NTE workers but much larger fall in workers overall</a:t>
+              <a:t>Most NTE workers likely only work in evenings and nights in part</a:t>
             </a:r>
           </a:p>
           <a:p>
             <a:r>
               <a:rPr lang="en-GB" dirty="0"/>
-              <a:t>Info &amp; Comms did not experience NTE change though sector grew significantly</a:t>
-            </a:r>
-          </a:p>
-          <a:p>
+              <a:t>Among NTE workers in London in 2022: </a:t>
+            </a:r>
+          </a:p>
+          <a:p>
+            <a:pPr lvl="1"/>
             <a:r>
               <a:rPr lang="en-GB" dirty="0"/>
-              <a:t>Hospitality and Retail both saw lower decline in NTE than overall workers</a:t>
-            </a:r>
-          </a:p>
-          <a:p>
+              <a:t>57% usually worked both days and evenings;</a:t>
+            </a:r>
+          </a:p>
+          <a:p>
+            <a:pPr lvl="1"/>
             <a:r>
               <a:rPr lang="en-GB" dirty="0"/>
-              <a:t>Professional instead saw fall in NTE but growth overall</a:t>
+              <a:t>32% usually worked days, evenings, and nights;</a:t>
+            </a:r>
+          </a:p>
+          <a:p>
+            <a:pPr lvl="1"/>
+            <a:r>
+              <a:rPr lang="en-GB" dirty="0"/>
+              <a:t>Only 11% exclusively worked a combination of evenings and nights</a:t>
+            </a:r>
+          </a:p>
+          <a:p>
+            <a:pPr lvl="1"/>
+            <a:endParaRPr lang="en-GB" dirty="0"/>
+          </a:p>
+          <a:p>
+            <a:r>
+              <a:rPr lang="en-GB" dirty="0"/>
+              <a:t>Nearly two thirds of NTE workers who also work during the daytime never work shifts</a:t>
             </a:r>
           </a:p>
         </p:txBody>
       </p:sp>
-      <p:graphicFrame>
-        <p:nvGraphicFramePr>
-          <p:cNvPr id="10" name="Content Placeholder 9">
-            <a:extLst>
-              <a:ext uri="{FF2B5EF4-FFF2-40B4-BE49-F238E27FC236}">
-                <a16:creationId xmlns:a16="http://schemas.microsoft.com/office/drawing/2014/main" id="{9411C8FC-0916-4E48-83B2-CEA004E792D7}"/>
-              </a:ext>
-            </a:extLst>
-          </p:cNvPr>
-          <p:cNvGraphicFramePr>
-            <a:graphicFrameLocks noGrp="1"/>
-          </p:cNvGraphicFramePr>
-          <p:nvPr>
-            <p:ph sz="half" idx="1"/>
-          </p:nvPr>
-        </p:nvGraphicFramePr>
-        <p:xfrm>
-          <a:off x="838200" y="1825625"/>
-          <a:ext cx="5181600" cy="4351338"/>
-        </p:xfrm>
-        <a:graphic>
-          <a:graphicData uri="http://schemas.openxmlformats.org/drawingml/2006/chart">
-            <c:chart xmlns:c="http://schemas.openxmlformats.org/drawingml/2006/chart" xmlns:r="http://schemas.openxmlformats.org/officeDocument/2006/relationships" r:id="rId2"/>
-          </a:graphicData>
-        </a:graphic>
-      </p:graphicFrame>
     </p:spTree>
     <p:extLst>
       <p:ext uri="{BB962C8B-B14F-4D97-AF65-F5344CB8AC3E}">
-        <p14:creationId xmlns:p14="http://schemas.microsoft.com/office/powerpoint/2010/main" val="933122035"/>
+        <p14:creationId xmlns:p14="http://schemas.microsoft.com/office/powerpoint/2010/main" val="202257740"/>
       </p:ext>
     </p:extLst>
   </p:cSld>
@@ -14077,6 +19891,561 @@
           <a:p>
             <a:r>
               <a:rPr lang="en-GB" dirty="0"/>
+              <a:t>Health and ICT saw the only increases in NTE workforce size from 2017</a:t>
+            </a:r>
+          </a:p>
+        </p:txBody>
+      </p:sp>
+      <p:sp>
+        <p:nvSpPr>
+          <p:cNvPr id="5" name="Content Placeholder 4">
+            <a:extLst>
+              <a:ext uri="{FF2B5EF4-FFF2-40B4-BE49-F238E27FC236}">
+                <a16:creationId xmlns:a16="http://schemas.microsoft.com/office/drawing/2014/main" id="{EB1678EB-2C75-4668-99CE-22280194724A}"/>
+              </a:ext>
+            </a:extLst>
+          </p:cNvPr>
+          <p:cNvSpPr>
+            <a:spLocks noGrp="1"/>
+          </p:cNvSpPr>
+          <p:nvPr>
+            <p:ph sz="half" idx="2"/>
+          </p:nvPr>
+        </p:nvSpPr>
+        <p:spPr/>
+        <p:txBody>
+          <a:bodyPr>
+            <a:normAutofit fontScale="62500" lnSpcReduction="20000"/>
+          </a:bodyPr>
+          <a:lstStyle/>
+          <a:p>
+            <a:pPr>
+              <a:lnSpc>
+                <a:spcPct val="120000"/>
+              </a:lnSpc>
+            </a:pPr>
+            <a:r>
+              <a:rPr lang="en-GB" dirty="0"/>
+              <a:t>Health had the largest share of NTE workers throughout, and saw numbers increase (18k, 9%)</a:t>
+            </a:r>
+          </a:p>
+          <a:p>
+            <a:pPr>
+              <a:lnSpc>
+                <a:spcPct val="120000"/>
+              </a:lnSpc>
+            </a:pPr>
+            <a:r>
+              <a:rPr lang="en-GB" dirty="0"/>
+              <a:t>Most significant falls within: </a:t>
+            </a:r>
+          </a:p>
+          <a:p>
+            <a:pPr lvl="1">
+              <a:lnSpc>
+                <a:spcPct val="120000"/>
+              </a:lnSpc>
+            </a:pPr>
+            <a:r>
+              <a:rPr lang="en-GB" dirty="0"/>
+              <a:t>Retail (40k, 28%); </a:t>
+            </a:r>
+          </a:p>
+          <a:p>
+            <a:pPr lvl="1">
+              <a:lnSpc>
+                <a:spcPct val="120000"/>
+              </a:lnSpc>
+            </a:pPr>
+            <a:r>
+              <a:rPr lang="en-GB" dirty="0"/>
+              <a:t>Hospitality (40k, 27%); </a:t>
+            </a:r>
+          </a:p>
+          <a:p>
+            <a:pPr lvl="1">
+              <a:lnSpc>
+                <a:spcPct val="120000"/>
+              </a:lnSpc>
+            </a:pPr>
+            <a:r>
+              <a:rPr lang="en-GB" dirty="0"/>
+              <a:t>Prof. services (35k, 20%); and </a:t>
+            </a:r>
+          </a:p>
+          <a:p>
+            <a:pPr lvl="1">
+              <a:lnSpc>
+                <a:spcPct val="120000"/>
+              </a:lnSpc>
+            </a:pPr>
+            <a:r>
+              <a:rPr lang="en-GB" dirty="0"/>
+              <a:t>Transport (32k, 22%)</a:t>
+            </a:r>
+          </a:p>
+          <a:p>
+            <a:pPr>
+              <a:lnSpc>
+                <a:spcPct val="120000"/>
+              </a:lnSpc>
+            </a:pPr>
+            <a:r>
+              <a:rPr lang="en-GB" dirty="0"/>
+              <a:t>Almost all decline in Retail (40k) and Hospitality (31k) from people working during evenings</a:t>
+            </a:r>
+          </a:p>
+          <a:p>
+            <a:pPr>
+              <a:lnSpc>
+                <a:spcPct val="120000"/>
+              </a:lnSpc>
+            </a:pPr>
+            <a:r>
+              <a:rPr lang="en-GB" dirty="0"/>
+              <a:t>Health saw large increase in people working both evenings and nights (25k)</a:t>
+            </a:r>
+          </a:p>
+          <a:p>
+            <a:pPr>
+              <a:lnSpc>
+                <a:spcPct val="120000"/>
+              </a:lnSpc>
+            </a:pPr>
+            <a:endParaRPr lang="en-GB" dirty="0"/>
+          </a:p>
+        </p:txBody>
+      </p:sp>
+      <p:graphicFrame>
+        <p:nvGraphicFramePr>
+          <p:cNvPr id="9" name="Content Placeholder 8">
+            <a:extLst>
+              <a:ext uri="{FF2B5EF4-FFF2-40B4-BE49-F238E27FC236}">
+                <a16:creationId xmlns:a16="http://schemas.microsoft.com/office/drawing/2014/main" id="{DE3293CF-E542-46A0-8059-1CB8F5360B80}"/>
+              </a:ext>
+            </a:extLst>
+          </p:cNvPr>
+          <p:cNvGraphicFramePr>
+            <a:graphicFrameLocks noGrp="1"/>
+          </p:cNvGraphicFramePr>
+          <p:nvPr>
+            <p:ph sz="half" idx="1"/>
+            <p:extLst>
+              <p:ext uri="{D42A27DB-BD31-4B8C-83A1-F6EECF244321}">
+                <p14:modId xmlns:p14="http://schemas.microsoft.com/office/powerpoint/2010/main" val="2751555447"/>
+              </p:ext>
+            </p:extLst>
+          </p:nvPr>
+        </p:nvGraphicFramePr>
+        <p:xfrm>
+          <a:off x="838200" y="1825625"/>
+          <a:ext cx="5181600" cy="4351338"/>
+        </p:xfrm>
+        <a:graphic>
+          <a:graphicData uri="http://schemas.openxmlformats.org/drawingml/2006/chart">
+            <c:chart xmlns:c="http://schemas.openxmlformats.org/drawingml/2006/chart" xmlns:r="http://schemas.openxmlformats.org/officeDocument/2006/relationships" r:id="rId3"/>
+          </a:graphicData>
+        </a:graphic>
+      </p:graphicFrame>
+      <p:sp>
+        <p:nvSpPr>
+          <p:cNvPr id="6" name="TextBox 5">
+            <a:extLst>
+              <a:ext uri="{FF2B5EF4-FFF2-40B4-BE49-F238E27FC236}">
+                <a16:creationId xmlns:a16="http://schemas.microsoft.com/office/drawing/2014/main" id="{49A122BF-92D8-4424-9EF8-1C0BA64B4830}"/>
+              </a:ext>
+            </a:extLst>
+          </p:cNvPr>
+          <p:cNvSpPr txBox="1"/>
+          <p:nvPr/>
+        </p:nvSpPr>
+        <p:spPr>
+          <a:xfrm>
+            <a:off x="838200" y="6267450"/>
+            <a:ext cx="8553450" cy="261610"/>
+          </a:xfrm>
+          <a:prstGeom prst="rect">
+            <a:avLst/>
+          </a:prstGeom>
+          <a:noFill/>
+        </p:spPr>
+        <p:txBody>
+          <a:bodyPr wrap="square" rtlCol="0">
+            <a:spAutoFit/>
+          </a:bodyPr>
+          <a:lstStyle/>
+          <a:p>
+            <a:r>
+              <a:rPr lang="en-GB" sz="1100" i="1">
+                <a:solidFill>
+                  <a:schemeClr val="bg2"/>
+                </a:solidFill>
+              </a:rPr>
+              <a:t>Source: Labour Force Survey Apr-Jun 2015-2022, UK Data Service.</a:t>
+            </a:r>
+          </a:p>
+        </p:txBody>
+      </p:sp>
+    </p:spTree>
+    <p:extLst>
+      <p:ext uri="{BB962C8B-B14F-4D97-AF65-F5344CB8AC3E}">
+        <p14:creationId xmlns:p14="http://schemas.microsoft.com/office/powerpoint/2010/main" val="3136133071"/>
+      </p:ext>
+    </p:extLst>
+  </p:cSld>
+  <p:clrMapOvr>
+    <a:masterClrMapping/>
+  </p:clrMapOvr>
+</p:sld>
+</file>
+
+<file path=ppt/slides/slide7.xml><?xml version="1.0" encoding="utf-8"?>
+<p:sld xmlns:a="http://schemas.openxmlformats.org/drawingml/2006/main" xmlns:r="http://schemas.openxmlformats.org/officeDocument/2006/relationships" xmlns:p="http://schemas.openxmlformats.org/presentationml/2006/main">
+  <p:cSld>
+    <p:spTree>
+      <p:nvGrpSpPr>
+        <p:cNvPr id="1" name=""/>
+        <p:cNvGrpSpPr/>
+        <p:nvPr/>
+      </p:nvGrpSpPr>
+      <p:grpSpPr>
+        <a:xfrm>
+          <a:off x="0" y="0"/>
+          <a:ext cx="0" cy="0"/>
+          <a:chOff x="0" y="0"/>
+          <a:chExt cx="0" cy="0"/>
+        </a:xfrm>
+      </p:grpSpPr>
+      <p:sp>
+        <p:nvSpPr>
+          <p:cNvPr id="2" name="Title 1">
+            <a:extLst>
+              <a:ext uri="{FF2B5EF4-FFF2-40B4-BE49-F238E27FC236}">
+                <a16:creationId xmlns:a16="http://schemas.microsoft.com/office/drawing/2014/main" id="{3C058284-3CFF-4015-96E7-69DA19E1FFD7}"/>
+              </a:ext>
+            </a:extLst>
+          </p:cNvPr>
+          <p:cNvSpPr>
+            <a:spLocks noGrp="1"/>
+          </p:cNvSpPr>
+          <p:nvPr>
+            <p:ph type="title"/>
+          </p:nvPr>
+        </p:nvSpPr>
+        <p:spPr/>
+        <p:txBody>
+          <a:bodyPr>
+            <a:normAutofit/>
+          </a:bodyPr>
+          <a:lstStyle/>
+          <a:p>
+            <a:r>
+              <a:rPr lang="en-GB"/>
+              <a:t>Sector workforce changes were not always equal to changes in NTE workers</a:t>
+            </a:r>
+          </a:p>
+        </p:txBody>
+      </p:sp>
+      <p:sp>
+        <p:nvSpPr>
+          <p:cNvPr id="4" name="Content Placeholder 3">
+            <a:extLst>
+              <a:ext uri="{FF2B5EF4-FFF2-40B4-BE49-F238E27FC236}">
+                <a16:creationId xmlns:a16="http://schemas.microsoft.com/office/drawing/2014/main" id="{4FE9AC03-D1B9-4575-9871-CD34F629E1B9}"/>
+              </a:ext>
+            </a:extLst>
+          </p:cNvPr>
+          <p:cNvSpPr>
+            <a:spLocks noGrp="1"/>
+          </p:cNvSpPr>
+          <p:nvPr>
+            <p:ph sz="half" idx="2"/>
+          </p:nvPr>
+        </p:nvSpPr>
+        <p:spPr/>
+        <p:txBody>
+          <a:bodyPr>
+            <a:normAutofit fontScale="92500" lnSpcReduction="10000"/>
+          </a:bodyPr>
+          <a:lstStyle/>
+          <a:p>
+            <a:r>
+              <a:rPr lang="en-GB"/>
+              <a:t>Health saw increase in NTE workers but much larger fall in workers overall</a:t>
+            </a:r>
+          </a:p>
+          <a:p>
+            <a:r>
+              <a:rPr lang="en-GB"/>
+              <a:t>Info &amp; Comms did not experience NTE change though sector grew significantly</a:t>
+            </a:r>
+          </a:p>
+          <a:p>
+            <a:r>
+              <a:rPr lang="en-GB"/>
+              <a:t>Hospitality and Retail both saw lower decline in NTE than overall workers</a:t>
+            </a:r>
+          </a:p>
+          <a:p>
+            <a:r>
+              <a:rPr lang="en-GB"/>
+              <a:t>Professional instead saw fall in NTE but growth overall</a:t>
+            </a:r>
+          </a:p>
+        </p:txBody>
+      </p:sp>
+      <p:graphicFrame>
+        <p:nvGraphicFramePr>
+          <p:cNvPr id="10" name="Content Placeholder 9">
+            <a:extLst>
+              <a:ext uri="{FF2B5EF4-FFF2-40B4-BE49-F238E27FC236}">
+                <a16:creationId xmlns:a16="http://schemas.microsoft.com/office/drawing/2014/main" id="{9411C8FC-0916-4E48-83B2-CEA004E792D7}"/>
+              </a:ext>
+            </a:extLst>
+          </p:cNvPr>
+          <p:cNvGraphicFramePr>
+            <a:graphicFrameLocks noGrp="1"/>
+          </p:cNvGraphicFramePr>
+          <p:nvPr>
+            <p:ph sz="half" idx="1"/>
+            <p:extLst>
+              <p:ext uri="{D42A27DB-BD31-4B8C-83A1-F6EECF244321}">
+                <p14:modId xmlns:p14="http://schemas.microsoft.com/office/powerpoint/2010/main" val="765963064"/>
+              </p:ext>
+            </p:extLst>
+          </p:nvPr>
+        </p:nvGraphicFramePr>
+        <p:xfrm>
+          <a:off x="838200" y="1825625"/>
+          <a:ext cx="5181600" cy="4351338"/>
+        </p:xfrm>
+        <a:graphic>
+          <a:graphicData uri="http://schemas.openxmlformats.org/drawingml/2006/chart">
+            <c:chart xmlns:c="http://schemas.openxmlformats.org/drawingml/2006/chart" xmlns:r="http://schemas.openxmlformats.org/officeDocument/2006/relationships" r:id="rId3"/>
+          </a:graphicData>
+        </a:graphic>
+      </p:graphicFrame>
+      <p:sp>
+        <p:nvSpPr>
+          <p:cNvPr id="5" name="TextBox 4">
+            <a:extLst>
+              <a:ext uri="{FF2B5EF4-FFF2-40B4-BE49-F238E27FC236}">
+                <a16:creationId xmlns:a16="http://schemas.microsoft.com/office/drawing/2014/main" id="{5468E8B5-D969-4925-9432-D28149F0E676}"/>
+              </a:ext>
+            </a:extLst>
+          </p:cNvPr>
+          <p:cNvSpPr txBox="1"/>
+          <p:nvPr/>
+        </p:nvSpPr>
+        <p:spPr>
+          <a:xfrm>
+            <a:off x="838200" y="6267450"/>
+            <a:ext cx="8553450" cy="261610"/>
+          </a:xfrm>
+          <a:prstGeom prst="rect">
+            <a:avLst/>
+          </a:prstGeom>
+          <a:noFill/>
+        </p:spPr>
+        <p:txBody>
+          <a:bodyPr wrap="square" rtlCol="0">
+            <a:spAutoFit/>
+          </a:bodyPr>
+          <a:lstStyle/>
+          <a:p>
+            <a:r>
+              <a:rPr lang="en-GB" sz="1100" i="1">
+                <a:solidFill>
+                  <a:schemeClr val="bg2"/>
+                </a:solidFill>
+              </a:rPr>
+              <a:t>Source: Labour Force Survey Apr-Jun 2015-2022, UK Data Service.</a:t>
+            </a:r>
+          </a:p>
+        </p:txBody>
+      </p:sp>
+    </p:spTree>
+    <p:extLst>
+      <p:ext uri="{BB962C8B-B14F-4D97-AF65-F5344CB8AC3E}">
+        <p14:creationId xmlns:p14="http://schemas.microsoft.com/office/powerpoint/2010/main" val="933122035"/>
+      </p:ext>
+    </p:extLst>
+  </p:cSld>
+  <p:clrMapOvr>
+    <a:masterClrMapping/>
+  </p:clrMapOvr>
+</p:sld>
+</file>
+
+<file path=ppt/slides/slide8.xml><?xml version="1.0" encoding="utf-8"?>
+<p:sld xmlns:a="http://schemas.openxmlformats.org/drawingml/2006/main" xmlns:r="http://schemas.openxmlformats.org/officeDocument/2006/relationships" xmlns:p="http://schemas.openxmlformats.org/presentationml/2006/main">
+  <p:cSld>
+    <p:spTree>
+      <p:nvGrpSpPr>
+        <p:cNvPr id="1" name=""/>
+        <p:cNvGrpSpPr/>
+        <p:nvPr/>
+      </p:nvGrpSpPr>
+      <p:grpSpPr>
+        <a:xfrm>
+          <a:off x="0" y="0"/>
+          <a:ext cx="0" cy="0"/>
+          <a:chOff x="0" y="0"/>
+          <a:chExt cx="0" cy="0"/>
+        </a:xfrm>
+      </p:grpSpPr>
+      <p:sp>
+        <p:nvSpPr>
+          <p:cNvPr id="2" name="Title 1">
+            <a:extLst>
+              <a:ext uri="{FF2B5EF4-FFF2-40B4-BE49-F238E27FC236}">
+                <a16:creationId xmlns:a16="http://schemas.microsoft.com/office/drawing/2014/main" id="{206989E3-D81C-4FCC-B9A9-0719837AD440}"/>
+              </a:ext>
+            </a:extLst>
+          </p:cNvPr>
+          <p:cNvSpPr>
+            <a:spLocks noGrp="1"/>
+          </p:cNvSpPr>
+          <p:nvPr>
+            <p:ph type="title"/>
+          </p:nvPr>
+        </p:nvSpPr>
+        <p:spPr/>
+        <p:txBody>
+          <a:bodyPr/>
+          <a:lstStyle/>
+          <a:p>
+            <a:r>
+              <a:rPr lang="en-GB"/>
+              <a:t>NTE work in Hospitality and Retail</a:t>
+            </a:r>
+          </a:p>
+        </p:txBody>
+      </p:sp>
+      <p:sp>
+        <p:nvSpPr>
+          <p:cNvPr id="4" name="Content Placeholder 3">
+            <a:extLst>
+              <a:ext uri="{FF2B5EF4-FFF2-40B4-BE49-F238E27FC236}">
+                <a16:creationId xmlns:a16="http://schemas.microsoft.com/office/drawing/2014/main" id="{5355BDF4-2A3C-407D-89C1-1B54A09C5072}"/>
+              </a:ext>
+            </a:extLst>
+          </p:cNvPr>
+          <p:cNvSpPr>
+            <a:spLocks noGrp="1"/>
+          </p:cNvSpPr>
+          <p:nvPr>
+            <p:ph sz="half" idx="2"/>
+          </p:nvPr>
+        </p:nvSpPr>
+        <p:spPr/>
+        <p:txBody>
+          <a:bodyPr/>
+          <a:lstStyle/>
+          <a:p>
+            <a:r>
+              <a:rPr lang="en-GB"/>
+              <a:t>Both hospitality and retail saw falls in both total and NTE workforce</a:t>
+            </a:r>
+          </a:p>
+          <a:p>
+            <a:r>
+              <a:rPr lang="en-GB"/>
+              <a:t>Retail has seen drop in share of workers in NTE, especially from 2021 (from 34% to 25%)</a:t>
+            </a:r>
+          </a:p>
+          <a:p>
+            <a:r>
+              <a:rPr lang="en-GB"/>
+              <a:t>Hospitality seen less change from 2017 to 2022 (from 57% to 54%), though fluctuating in 2020-2021</a:t>
+            </a:r>
+          </a:p>
+        </p:txBody>
+      </p:sp>
+      <p:graphicFrame>
+        <p:nvGraphicFramePr>
+          <p:cNvPr id="5" name="Content Placeholder 4">
+            <a:extLst>
+              <a:ext uri="{FF2B5EF4-FFF2-40B4-BE49-F238E27FC236}">
+                <a16:creationId xmlns:a16="http://schemas.microsoft.com/office/drawing/2014/main" id="{72363BF4-EEFB-4325-8FEE-80B16FB6FFF5}"/>
+              </a:ext>
+            </a:extLst>
+          </p:cNvPr>
+          <p:cNvGraphicFramePr>
+            <a:graphicFrameLocks noGrp="1"/>
+          </p:cNvGraphicFramePr>
+          <p:nvPr>
+            <p:ph sz="half" idx="1"/>
+            <p:extLst>
+              <p:ext uri="{D42A27DB-BD31-4B8C-83A1-F6EECF244321}">
+                <p14:modId xmlns:p14="http://schemas.microsoft.com/office/powerpoint/2010/main" val="2987962799"/>
+              </p:ext>
+            </p:extLst>
+          </p:nvPr>
+        </p:nvGraphicFramePr>
+        <p:xfrm>
+          <a:off x="838200" y="1825625"/>
+          <a:ext cx="5181600" cy="4351338"/>
+        </p:xfrm>
+        <a:graphic>
+          <a:graphicData uri="http://schemas.openxmlformats.org/drawingml/2006/chart">
+            <c:chart xmlns:c="http://schemas.openxmlformats.org/drawingml/2006/chart" xmlns:r="http://schemas.openxmlformats.org/officeDocument/2006/relationships" r:id="rId3"/>
+          </a:graphicData>
+        </a:graphic>
+      </p:graphicFrame>
+    </p:spTree>
+    <p:extLst>
+      <p:ext uri="{BB962C8B-B14F-4D97-AF65-F5344CB8AC3E}">
+        <p14:creationId xmlns:p14="http://schemas.microsoft.com/office/powerpoint/2010/main" val="1389166271"/>
+      </p:ext>
+    </p:extLst>
+  </p:cSld>
+  <p:clrMapOvr>
+    <a:masterClrMapping/>
+  </p:clrMapOvr>
+</p:sld>
+</file>
+
+<file path=ppt/slides/slide9.xml><?xml version="1.0" encoding="utf-8"?>
+<p:sld xmlns:a="http://schemas.openxmlformats.org/drawingml/2006/main" xmlns:r="http://schemas.openxmlformats.org/officeDocument/2006/relationships" xmlns:p="http://schemas.openxmlformats.org/presentationml/2006/main">
+  <p:cSld>
+    <p:spTree>
+      <p:nvGrpSpPr>
+        <p:cNvPr id="1" name=""/>
+        <p:cNvGrpSpPr/>
+        <p:nvPr/>
+      </p:nvGrpSpPr>
+      <p:grpSpPr>
+        <a:xfrm>
+          <a:off x="0" y="0"/>
+          <a:ext cx="0" cy="0"/>
+          <a:chOff x="0" y="0"/>
+          <a:chExt cx="0" cy="0"/>
+        </a:xfrm>
+      </p:grpSpPr>
+      <p:sp>
+        <p:nvSpPr>
+          <p:cNvPr id="2" name="Title 1">
+            <a:extLst>
+              <a:ext uri="{FF2B5EF4-FFF2-40B4-BE49-F238E27FC236}">
+                <a16:creationId xmlns:a16="http://schemas.microsoft.com/office/drawing/2014/main" id="{7389FEF0-0074-40CE-8B82-EF6E4FB74860}"/>
+              </a:ext>
+            </a:extLst>
+          </p:cNvPr>
+          <p:cNvSpPr>
+            <a:spLocks noGrp="1"/>
+          </p:cNvSpPr>
+          <p:nvPr>
+            <p:ph type="title"/>
+          </p:nvPr>
+        </p:nvSpPr>
+        <p:spPr/>
+        <p:txBody>
+          <a:bodyPr/>
+          <a:lstStyle/>
+          <a:p>
+            <a:r>
+              <a:rPr lang="en-GB"/>
               <a:t>Trends by occupation</a:t>
             </a:r>
           </a:p>
@@ -14111,13 +20480,13 @@
           <a:lstStyle/>
           <a:p>
             <a:r>
-              <a:rPr lang="en-GB" dirty="0"/>
+              <a:rPr lang="en-GB"/>
               <a:t>Almost a third of all NTE workers are in Professional, with large increase in numbers (48k, 13%)</a:t>
             </a:r>
           </a:p>
           <a:p>
             <a:r>
-              <a:rPr lang="en-GB" dirty="0"/>
+              <a:rPr lang="en-GB"/>
               <a:t>Largest declines in Managerial (98k, 38%) and Associate Professional (88k, 30%)</a:t>
             </a:r>
           </a:p>
@@ -14154,112 +20523,41 @@
           </a:graphicData>
         </a:graphic>
       </p:graphicFrame>
-    </p:spTree>
-    <p:extLst>
-      <p:ext uri="{BB962C8B-B14F-4D97-AF65-F5344CB8AC3E}">
-        <p14:creationId xmlns:p14="http://schemas.microsoft.com/office/powerpoint/2010/main" val="24189730"/>
-      </p:ext>
-    </p:extLst>
-  </p:cSld>
-  <p:clrMapOvr>
-    <a:masterClrMapping/>
-  </p:clrMapOvr>
-</p:sld>
-</file>
-
-<file path=ppt/slides/slide7.xml><?xml version="1.0" encoding="utf-8"?>
-<p:sld xmlns:a="http://schemas.openxmlformats.org/drawingml/2006/main" xmlns:r="http://schemas.openxmlformats.org/officeDocument/2006/relationships" xmlns:p="http://schemas.openxmlformats.org/presentationml/2006/main">
-  <p:cSld>
-    <p:spTree>
-      <p:nvGrpSpPr>
-        <p:cNvPr id="1" name=""/>
-        <p:cNvGrpSpPr/>
-        <p:nvPr/>
-      </p:nvGrpSpPr>
-      <p:grpSpPr>
-        <a:xfrm>
-          <a:off x="0" y="0"/>
-          <a:ext cx="0" cy="0"/>
-          <a:chOff x="0" y="0"/>
-          <a:chExt cx="0" cy="0"/>
-        </a:xfrm>
-      </p:grpSpPr>
       <p:sp>
         <p:nvSpPr>
-          <p:cNvPr id="6" name="Title 5">
+          <p:cNvPr id="6" name="TextBox 5">
             <a:extLst>
               <a:ext uri="{FF2B5EF4-FFF2-40B4-BE49-F238E27FC236}">
-                <a16:creationId xmlns:a16="http://schemas.microsoft.com/office/drawing/2014/main" id="{4A738471-722F-4D3A-B04B-5FD494B9EB72}"/>
+                <a16:creationId xmlns:a16="http://schemas.microsoft.com/office/drawing/2014/main" id="{2A188B98-CFE5-4351-8CF4-2707BE2C2176}"/>
               </a:ext>
             </a:extLst>
           </p:cNvPr>
-          <p:cNvSpPr>
-            <a:spLocks noGrp="1"/>
-          </p:cNvSpPr>
-          <p:nvPr>
-            <p:ph type="title"/>
-          </p:nvPr>
+          <p:cNvSpPr txBox="1"/>
+          <p:nvPr/>
         </p:nvSpPr>
-        <p:spPr/>
+        <p:spPr>
+          <a:xfrm>
+            <a:off x="838200" y="6267450"/>
+            <a:ext cx="8553450" cy="261610"/>
+          </a:xfrm>
+          <a:prstGeom prst="rect">
+            <a:avLst/>
+          </a:prstGeom>
+          <a:noFill/>
+        </p:spPr>
         <p:txBody>
-          <a:bodyPr/>
+          <a:bodyPr wrap="square" rtlCol="0">
+            <a:spAutoFit/>
+          </a:bodyPr>
           <a:lstStyle/>
           <a:p>
             <a:r>
-              <a:rPr lang="en-GB" dirty="0"/>
-              <a:t>Findings from London survey</a:t>
-            </a:r>
-          </a:p>
-        </p:txBody>
-      </p:sp>
-      <p:sp>
-        <p:nvSpPr>
-          <p:cNvPr id="4" name="Content Placeholder 3">
-            <a:extLst>
-              <a:ext uri="{FF2B5EF4-FFF2-40B4-BE49-F238E27FC236}">
-                <a16:creationId xmlns:a16="http://schemas.microsoft.com/office/drawing/2014/main" id="{90094C3F-47D3-4640-BB11-9D132B8C3C53}"/>
-              </a:ext>
-            </a:extLst>
-          </p:cNvPr>
-          <p:cNvSpPr>
-            <a:spLocks noGrp="1"/>
-          </p:cNvSpPr>
-          <p:nvPr>
-            <p:ph idx="1"/>
-          </p:nvPr>
-        </p:nvSpPr>
-        <p:spPr/>
-        <p:txBody>
-          <a:bodyPr/>
-          <a:lstStyle/>
-          <a:p>
-            <a:r>
-              <a:rPr lang="en-GB" dirty="0"/>
-              <a:t>More than a third say they work in NTE once a week and more than half once a month</a:t>
-            </a:r>
-          </a:p>
-          <a:p>
-            <a:r>
-              <a:rPr lang="en-GB" dirty="0"/>
-              <a:t>44% of NTE workers say they work more in NTE than before pandemic (contrast to data)</a:t>
-            </a:r>
-          </a:p>
-          <a:p>
-            <a:r>
-              <a:rPr lang="en-GB" dirty="0"/>
-              <a:t>Most NTE workers (55%) work less than half their hours in NTE</a:t>
-            </a:r>
-          </a:p>
-          <a:p>
-            <a:r>
-              <a:rPr lang="en-GB" dirty="0"/>
-              <a:t>While 51% of NTE workers do early evenings (6-9PM) at least once a week, around 25% work past midnight once a week</a:t>
-            </a:r>
-          </a:p>
-          <a:p>
-            <a:r>
-              <a:rPr lang="en-GB" dirty="0"/>
-              <a:t>53% of NTE workers mostly do so from home</a:t>
+              <a:rPr lang="en-GB" sz="1100" i="1">
+                <a:solidFill>
+                  <a:schemeClr val="bg2"/>
+                </a:solidFill>
+              </a:rPr>
+              <a:t>Source: Labour Force Survey Apr-Jun 2015-2022, UK Data Service.</a:t>
             </a:r>
           </a:p>
         </p:txBody>
@@ -14267,207 +20565,7 @@
     </p:spTree>
     <p:extLst>
       <p:ext uri="{BB962C8B-B14F-4D97-AF65-F5344CB8AC3E}">
-        <p14:creationId xmlns:p14="http://schemas.microsoft.com/office/powerpoint/2010/main" val="2354753383"/>
-      </p:ext>
-    </p:extLst>
-  </p:cSld>
-  <p:clrMapOvr>
-    <a:masterClrMapping/>
-  </p:clrMapOvr>
-</p:sld>
-</file>
-
-<file path=ppt/slides/slide8.xml><?xml version="1.0" encoding="utf-8"?>
-<p:sld xmlns:a="http://schemas.openxmlformats.org/drawingml/2006/main" xmlns:r="http://schemas.openxmlformats.org/officeDocument/2006/relationships" xmlns:p="http://schemas.openxmlformats.org/presentationml/2006/main">
-  <p:cSld>
-    <p:spTree>
-      <p:nvGrpSpPr>
-        <p:cNvPr id="1" name=""/>
-        <p:cNvGrpSpPr/>
-        <p:nvPr/>
-      </p:nvGrpSpPr>
-      <p:grpSpPr>
-        <a:xfrm>
-          <a:off x="0" y="0"/>
-          <a:ext cx="0" cy="0"/>
-          <a:chOff x="0" y="0"/>
-          <a:chExt cx="0" cy="0"/>
-        </a:xfrm>
-      </p:grpSpPr>
-      <p:sp>
-        <p:nvSpPr>
-          <p:cNvPr id="2" name="Title 1">
-            <a:extLst>
-              <a:ext uri="{FF2B5EF4-FFF2-40B4-BE49-F238E27FC236}">
-                <a16:creationId xmlns:a16="http://schemas.microsoft.com/office/drawing/2014/main" id="{F7B9CE61-B073-4263-AC19-5D71AB79D2BC}"/>
-              </a:ext>
-            </a:extLst>
-          </p:cNvPr>
-          <p:cNvSpPr>
-            <a:spLocks noGrp="1"/>
-          </p:cNvSpPr>
-          <p:nvPr>
-            <p:ph type="title"/>
-          </p:nvPr>
-        </p:nvSpPr>
-        <p:spPr/>
-        <p:txBody>
-          <a:bodyPr>
-            <a:normAutofit fontScale="90000"/>
-          </a:bodyPr>
-          <a:lstStyle/>
-          <a:p>
-            <a:r>
-              <a:rPr lang="en-GB" dirty="0"/>
-              <a:t>NTE worker decline – do people want to work at night?</a:t>
-            </a:r>
-            <a:br>
-              <a:rPr lang="en-GB" dirty="0"/>
-            </a:br>
-            <a:endParaRPr lang="en-GB" dirty="0"/>
-          </a:p>
-        </p:txBody>
-      </p:sp>
-      <p:sp>
-        <p:nvSpPr>
-          <p:cNvPr id="3" name="Content Placeholder 2">
-            <a:extLst>
-              <a:ext uri="{FF2B5EF4-FFF2-40B4-BE49-F238E27FC236}">
-                <a16:creationId xmlns:a16="http://schemas.microsoft.com/office/drawing/2014/main" id="{08E2A6D4-1EFC-4063-B2AE-DBC8629E99E7}"/>
-              </a:ext>
-            </a:extLst>
-          </p:cNvPr>
-          <p:cNvSpPr>
-            <a:spLocks noGrp="1"/>
-          </p:cNvSpPr>
-          <p:nvPr>
-            <p:ph idx="1"/>
-          </p:nvPr>
-        </p:nvSpPr>
-        <p:spPr/>
-        <p:txBody>
-          <a:bodyPr/>
-          <a:lstStyle/>
-          <a:p>
-            <a:r>
-              <a:rPr lang="en-GB" dirty="0"/>
-              <a:t>49% of NTE workers like working nights*</a:t>
-            </a:r>
-          </a:p>
-        </p:txBody>
-      </p:sp>
-    </p:spTree>
-    <p:extLst>
-      <p:ext uri="{BB962C8B-B14F-4D97-AF65-F5344CB8AC3E}">
-        <p14:creationId xmlns:p14="http://schemas.microsoft.com/office/powerpoint/2010/main" val="3318310154"/>
-      </p:ext>
-    </p:extLst>
-  </p:cSld>
-  <p:clrMapOvr>
-    <a:masterClrMapping/>
-  </p:clrMapOvr>
-</p:sld>
-</file>
-
-<file path=ppt/slides/slide9.xml><?xml version="1.0" encoding="utf-8"?>
-<p:sld xmlns:a="http://schemas.openxmlformats.org/drawingml/2006/main" xmlns:r="http://schemas.openxmlformats.org/officeDocument/2006/relationships" xmlns:p="http://schemas.openxmlformats.org/presentationml/2006/main">
-  <p:cSld>
-    <p:spTree>
-      <p:nvGrpSpPr>
-        <p:cNvPr id="1" name=""/>
-        <p:cNvGrpSpPr/>
-        <p:nvPr/>
-      </p:nvGrpSpPr>
-      <p:grpSpPr>
-        <a:xfrm>
-          <a:off x="0" y="0"/>
-          <a:ext cx="0" cy="0"/>
-          <a:chOff x="0" y="0"/>
-          <a:chExt cx="0" cy="0"/>
-        </a:xfrm>
-      </p:grpSpPr>
-      <p:sp>
-        <p:nvSpPr>
-          <p:cNvPr id="2" name="Title 1">
-            <a:extLst>
-              <a:ext uri="{FF2B5EF4-FFF2-40B4-BE49-F238E27FC236}">
-                <a16:creationId xmlns:a16="http://schemas.microsoft.com/office/drawing/2014/main" id="{8D1AADCC-6AEB-4DAB-8BB7-80D0DC52C85D}"/>
-              </a:ext>
-            </a:extLst>
-          </p:cNvPr>
-          <p:cNvSpPr>
-            <a:spLocks noGrp="1"/>
-          </p:cNvSpPr>
-          <p:nvPr>
-            <p:ph type="title"/>
-          </p:nvPr>
-        </p:nvSpPr>
-        <p:spPr/>
-        <p:txBody>
-          <a:bodyPr/>
-          <a:lstStyle/>
-          <a:p>
-            <a:r>
-              <a:rPr lang="en-GB" dirty="0"/>
-              <a:t>How many people work at night as opposed to evenings?</a:t>
-            </a:r>
-          </a:p>
-        </p:txBody>
-      </p:sp>
-      <p:sp>
-        <p:nvSpPr>
-          <p:cNvPr id="3" name="Content Placeholder 2">
-            <a:extLst>
-              <a:ext uri="{FF2B5EF4-FFF2-40B4-BE49-F238E27FC236}">
-                <a16:creationId xmlns:a16="http://schemas.microsoft.com/office/drawing/2014/main" id="{5B441531-099A-4BB3-A200-10BB9861B9E5}"/>
-              </a:ext>
-            </a:extLst>
-          </p:cNvPr>
-          <p:cNvSpPr>
-            <a:spLocks noGrp="1"/>
-          </p:cNvSpPr>
-          <p:nvPr>
-            <p:ph sz="half" idx="1"/>
-          </p:nvPr>
-        </p:nvSpPr>
-        <p:spPr/>
-        <p:txBody>
-          <a:bodyPr/>
-          <a:lstStyle/>
-          <a:p>
-            <a:endParaRPr lang="en-GB"/>
-          </a:p>
-        </p:txBody>
-      </p:sp>
-      <p:sp>
-        <p:nvSpPr>
-          <p:cNvPr id="4" name="Content Placeholder 3">
-            <a:extLst>
-              <a:ext uri="{FF2B5EF4-FFF2-40B4-BE49-F238E27FC236}">
-                <a16:creationId xmlns:a16="http://schemas.microsoft.com/office/drawing/2014/main" id="{C9F6DF00-DDD2-43E9-AB4D-E78B808B9B55}"/>
-              </a:ext>
-            </a:extLst>
-          </p:cNvPr>
-          <p:cNvSpPr>
-            <a:spLocks noGrp="1"/>
-          </p:cNvSpPr>
-          <p:nvPr>
-            <p:ph sz="half" idx="2"/>
-          </p:nvPr>
-        </p:nvSpPr>
-        <p:spPr/>
-        <p:txBody>
-          <a:bodyPr/>
-          <a:lstStyle/>
-          <a:p>
-            <a:endParaRPr lang="en-GB"/>
-          </a:p>
-        </p:txBody>
-      </p:sp>
-    </p:spTree>
-    <p:extLst>
-      <p:ext uri="{BB962C8B-B14F-4D97-AF65-F5344CB8AC3E}">
-        <p14:creationId xmlns:p14="http://schemas.microsoft.com/office/powerpoint/2010/main" val="1792016163"/>
+        <p14:creationId xmlns:p14="http://schemas.microsoft.com/office/powerpoint/2010/main" val="24189730"/>
       </p:ext>
     </p:extLst>
   </p:cSld>
@@ -15068,6 +21166,26 @@
 </file>
 
 <file path=customXml/item1.xml><?xml version="1.0" encoding="utf-8"?>
+<p:properties xmlns:p="http://schemas.microsoft.com/office/2006/metadata/properties" xmlns:xsi="http://www.w3.org/2001/XMLSchema-instance" xmlns:pc="http://schemas.microsoft.com/office/infopath/2007/PartnerControls">
+  <documentManagement>
+    <lcf76f155ced4ddcb4097134ff3c332f xmlns="7fc9ebc1-6786-4aad-aee1-fdcde6e01ff9">
+      <Terms xmlns="http://schemas.microsoft.com/office/infopath/2007/PartnerControls"/>
+    </lcf76f155ced4ddcb4097134ff3c332f>
+    <TaxCatchAll xmlns="fd7425d0-09b7-49b7-b351-1ad2162dc0d7" xsi:nil="true"/>
+  </documentManagement>
+</p:properties>
+</file>
+
+<file path=customXml/item2.xml><?xml version="1.0" encoding="utf-8"?>
+<?mso-contentType ?>
+<FormTemplates xmlns="http://schemas.microsoft.com/sharepoint/v3/contenttype/forms">
+  <Display>DocumentLibraryForm</Display>
+  <Edit>DocumentLibraryForm</Edit>
+  <New>DocumentLibraryForm</New>
+</FormTemplates>
+</file>
+
+<file path=customXml/item3.xml><?xml version="1.0" encoding="utf-8"?>
 <ct:contentTypeSchema xmlns:ct="http://schemas.microsoft.com/office/2006/metadata/contentType" xmlns:ma="http://schemas.microsoft.com/office/2006/metadata/properties/metaAttributes" ct:_="" ma:_="" ma:contentTypeName="Document" ma:contentTypeID="0x010100535EDF9DD8DBB143AE8CD71BDB6B0E3B" ma:contentTypeVersion="15" ma:contentTypeDescription="Create a new document." ma:contentTypeScope="" ma:versionID="f6f28cdb5a9692a6c52c88c0d72e532e">
   <xsd:schema xmlns:xsd="http://www.w3.org/2001/XMLSchema" xmlns:xs="http://www.w3.org/2001/XMLSchema" xmlns:p="http://schemas.microsoft.com/office/2006/metadata/properties" xmlns:ns2="7fc9ebc1-6786-4aad-aee1-fdcde6e01ff9" xmlns:ns3="fd7425d0-09b7-49b7-b351-1ad2162dc0d7" targetNamespace="http://schemas.microsoft.com/office/2006/metadata/properties" ma:root="true" ma:fieldsID="d5bf8c08f73f601645ffb79004a62600" ns2:_="" ns3:_="">
     <xsd:import namespace="7fc9ebc1-6786-4aad-aee1-fdcde6e01ff9"/>
@@ -15304,41 +21422,13 @@
 </ct:contentTypeSchema>
 </file>
 
-<file path=customXml/item2.xml><?xml version="1.0" encoding="utf-8"?>
-<?mso-contentType ?>
-<FormTemplates xmlns="http://schemas.microsoft.com/sharepoint/v3/contenttype/forms">
-  <Display>DocumentLibraryForm</Display>
-  <Edit>DocumentLibraryForm</Edit>
-  <New>DocumentLibraryForm</New>
-</FormTemplates>
-</file>
-
-<file path=customXml/item3.xml><?xml version="1.0" encoding="utf-8"?>
-<p:properties xmlns:p="http://schemas.microsoft.com/office/2006/metadata/properties" xmlns:xsi="http://www.w3.org/2001/XMLSchema-instance" xmlns:pc="http://schemas.microsoft.com/office/infopath/2007/PartnerControls">
-  <documentManagement>
-    <lcf76f155ced4ddcb4097134ff3c332f xmlns="7fc9ebc1-6786-4aad-aee1-fdcde6e01ff9">
-      <Terms xmlns="http://schemas.microsoft.com/office/infopath/2007/PartnerControls"/>
-    </lcf76f155ced4ddcb4097134ff3c332f>
-    <TaxCatchAll xmlns="fd7425d0-09b7-49b7-b351-1ad2162dc0d7" xsi:nil="true"/>
-  </documentManagement>
-</p:properties>
-</file>
-
 <file path=customXml/itemProps1.xml><?xml version="1.0" encoding="utf-8"?>
-<ds:datastoreItem xmlns:ds="http://schemas.openxmlformats.org/officeDocument/2006/customXml" ds:itemID="{0EE0D285-B0EF-4D00-9456-F8D39EDBD720}">
+<ds:datastoreItem xmlns:ds="http://schemas.openxmlformats.org/officeDocument/2006/customXml" ds:itemID="{CC45FBEE-25CF-4B8B-8790-829A60393ACC}">
   <ds:schemaRefs>
-    <ds:schemaRef ds:uri="http://schemas.microsoft.com/office/2006/metadata/contentType"/>
-    <ds:schemaRef ds:uri="http://schemas.microsoft.com/office/2006/metadata/properties/metaAttributes"/>
-    <ds:schemaRef ds:uri="http://www.w3.org/2001/XMLSchema"/>
-    <ds:schemaRef ds:uri="http://schemas.microsoft.com/office/2006/metadata/properties"/>
     <ds:schemaRef ds:uri="7fc9ebc1-6786-4aad-aee1-fdcde6e01ff9"/>
     <ds:schemaRef ds:uri="fd7425d0-09b7-49b7-b351-1ad2162dc0d7"/>
-    <ds:schemaRef ds:uri="http://schemas.microsoft.com/office/2006/documentManagement/types"/>
+    <ds:schemaRef ds:uri="http://schemas.microsoft.com/office/2006/metadata/properties"/>
     <ds:schemaRef ds:uri="http://schemas.microsoft.com/office/infopath/2007/PartnerControls"/>
-    <ds:schemaRef ds:uri="http://schemas.openxmlformats.org/package/2006/metadata/core-properties"/>
-    <ds:schemaRef ds:uri="http://purl.org/dc/elements/1.1/"/>
-    <ds:schemaRef ds:uri="http://purl.org/dc/terms/"/>
-    <ds:schemaRef ds:uri="http://schemas.microsoft.com/internal/obd"/>
   </ds:schemaRefs>
 </ds:datastoreItem>
 </file>
@@ -15352,12 +21442,20 @@
 </file>
 
 <file path=customXml/itemProps3.xml><?xml version="1.0" encoding="utf-8"?>
-<ds:datastoreItem xmlns:ds="http://schemas.openxmlformats.org/officeDocument/2006/customXml" ds:itemID="{CC45FBEE-25CF-4B8B-8790-829A60393ACC}">
+<ds:datastoreItem xmlns:ds="http://schemas.openxmlformats.org/officeDocument/2006/customXml" ds:itemID="{0EE0D285-B0EF-4D00-9456-F8D39EDBD720}">
   <ds:schemaRefs>
-    <ds:schemaRef ds:uri="http://schemas.microsoft.com/office/2006/metadata/properties"/>
-    <ds:schemaRef ds:uri="http://schemas.microsoft.com/office/infopath/2007/PartnerControls"/>
     <ds:schemaRef ds:uri="7fc9ebc1-6786-4aad-aee1-fdcde6e01ff9"/>
     <ds:schemaRef ds:uri="fd7425d0-09b7-49b7-b351-1ad2162dc0d7"/>
+    <ds:schemaRef ds:uri="http://purl.org/dc/elements/1.1/"/>
+    <ds:schemaRef ds:uri="http://purl.org/dc/terms/"/>
+    <ds:schemaRef ds:uri="http://schemas.microsoft.com/internal/obd"/>
+    <ds:schemaRef ds:uri="http://schemas.microsoft.com/office/2006/documentManagement/types"/>
+    <ds:schemaRef ds:uri="http://schemas.microsoft.com/office/2006/metadata/contentType"/>
+    <ds:schemaRef ds:uri="http://schemas.microsoft.com/office/2006/metadata/properties"/>
+    <ds:schemaRef ds:uri="http://schemas.microsoft.com/office/2006/metadata/properties/metaAttributes"/>
+    <ds:schemaRef ds:uri="http://schemas.microsoft.com/office/infopath/2007/PartnerControls"/>
+    <ds:schemaRef ds:uri="http://schemas.openxmlformats.org/package/2006/metadata/core-properties"/>
+    <ds:schemaRef ds:uri="http://www.w3.org/2001/XMLSchema"/>
   </ds:schemaRefs>
 </ds:datastoreItem>
 </file>